--- a/Chapters/Figures/Ch2_UltrasoundFundamentals/Presentation1 [Auto-saved].pptx
+++ b/Chapters/Figures/Ch2_UltrasoundFundamentals/Presentation1 [Auto-saved].pptx
@@ -8,7 +8,8 @@
     <p:sldId id="256" r:id="rId2"/>
     <p:sldId id="258" r:id="rId3"/>
     <p:sldId id="259" r:id="rId4"/>
-    <p:sldId id="257" r:id="rId5"/>
+    <p:sldId id="260" r:id="rId5"/>
+    <p:sldId id="257" r:id="rId6"/>
   </p:sldIdLst>
   <p:sldSz cx="12192000" cy="6858000"/>
   <p:notesSz cx="6858000" cy="9144000"/>
@@ -264,7 +265,7 @@
           <a:p>
             <a:fld id="{EEEDF225-3074-C442-B7CF-F2C1C5F81EAC}" type="datetimeFigureOut">
               <a:rPr lang="en-PT" smtClean="0"/>
-              <a:t>23/06/2025</a:t>
+              <a:t>25/06/2025</a:t>
             </a:fld>
             <a:endParaRPr lang="en-PT"/>
           </a:p>
@@ -464,7 +465,7 @@
           <a:p>
             <a:fld id="{EEEDF225-3074-C442-B7CF-F2C1C5F81EAC}" type="datetimeFigureOut">
               <a:rPr lang="en-PT" smtClean="0"/>
-              <a:t>23/06/2025</a:t>
+              <a:t>25/06/2025</a:t>
             </a:fld>
             <a:endParaRPr lang="en-PT"/>
           </a:p>
@@ -674,7 +675,7 @@
           <a:p>
             <a:fld id="{EEEDF225-3074-C442-B7CF-F2C1C5F81EAC}" type="datetimeFigureOut">
               <a:rPr lang="en-PT" smtClean="0"/>
-              <a:t>23/06/2025</a:t>
+              <a:t>25/06/2025</a:t>
             </a:fld>
             <a:endParaRPr lang="en-PT"/>
           </a:p>
@@ -874,7 +875,7 @@
           <a:p>
             <a:fld id="{EEEDF225-3074-C442-B7CF-F2C1C5F81EAC}" type="datetimeFigureOut">
               <a:rPr lang="en-PT" smtClean="0"/>
-              <a:t>23/06/2025</a:t>
+              <a:t>25/06/2025</a:t>
             </a:fld>
             <a:endParaRPr lang="en-PT"/>
           </a:p>
@@ -1150,7 +1151,7 @@
           <a:p>
             <a:fld id="{EEEDF225-3074-C442-B7CF-F2C1C5F81EAC}" type="datetimeFigureOut">
               <a:rPr lang="en-PT" smtClean="0"/>
-              <a:t>23/06/2025</a:t>
+              <a:t>25/06/2025</a:t>
             </a:fld>
             <a:endParaRPr lang="en-PT"/>
           </a:p>
@@ -1418,7 +1419,7 @@
           <a:p>
             <a:fld id="{EEEDF225-3074-C442-B7CF-F2C1C5F81EAC}" type="datetimeFigureOut">
               <a:rPr lang="en-PT" smtClean="0"/>
-              <a:t>23/06/2025</a:t>
+              <a:t>25/06/2025</a:t>
             </a:fld>
             <a:endParaRPr lang="en-PT"/>
           </a:p>
@@ -1833,7 +1834,7 @@
           <a:p>
             <a:fld id="{EEEDF225-3074-C442-B7CF-F2C1C5F81EAC}" type="datetimeFigureOut">
               <a:rPr lang="en-PT" smtClean="0"/>
-              <a:t>23/06/2025</a:t>
+              <a:t>25/06/2025</a:t>
             </a:fld>
             <a:endParaRPr lang="en-PT"/>
           </a:p>
@@ -1975,7 +1976,7 @@
           <a:p>
             <a:fld id="{EEEDF225-3074-C442-B7CF-F2C1C5F81EAC}" type="datetimeFigureOut">
               <a:rPr lang="en-PT" smtClean="0"/>
-              <a:t>23/06/2025</a:t>
+              <a:t>25/06/2025</a:t>
             </a:fld>
             <a:endParaRPr lang="en-PT"/>
           </a:p>
@@ -2088,7 +2089,7 @@
           <a:p>
             <a:fld id="{EEEDF225-3074-C442-B7CF-F2C1C5F81EAC}" type="datetimeFigureOut">
               <a:rPr lang="en-PT" smtClean="0"/>
-              <a:t>23/06/2025</a:t>
+              <a:t>25/06/2025</a:t>
             </a:fld>
             <a:endParaRPr lang="en-PT"/>
           </a:p>
@@ -2401,7 +2402,7 @@
           <a:p>
             <a:fld id="{EEEDF225-3074-C442-B7CF-F2C1C5F81EAC}" type="datetimeFigureOut">
               <a:rPr lang="en-PT" smtClean="0"/>
-              <a:t>23/06/2025</a:t>
+              <a:t>25/06/2025</a:t>
             </a:fld>
             <a:endParaRPr lang="en-PT"/>
           </a:p>
@@ -2690,7 +2691,7 @@
           <a:p>
             <a:fld id="{EEEDF225-3074-C442-B7CF-F2C1C5F81EAC}" type="datetimeFigureOut">
               <a:rPr lang="en-PT" smtClean="0"/>
-              <a:t>23/06/2025</a:t>
+              <a:t>25/06/2025</a:t>
             </a:fld>
             <a:endParaRPr lang="en-PT"/>
           </a:p>
@@ -2933,7 +2934,7 @@
           <a:p>
             <a:fld id="{EEEDF225-3074-C442-B7CF-F2C1C5F81EAC}" type="datetimeFigureOut">
               <a:rPr lang="en-PT" smtClean="0"/>
-              <a:t>23/06/2025</a:t>
+              <a:t>25/06/2025</a:t>
             </a:fld>
             <a:endParaRPr lang="en-PT"/>
           </a:p>
@@ -9948,8 +9949,8 @@
             </a:p>
           </p:txBody>
         </p:sp>
-        <mc:AlternateContent xmlns:mc="http://schemas.openxmlformats.org/markup-compatibility/2006">
-          <mc:Choice xmlns:a14="http://schemas.microsoft.com/office/drawing/2010/main" Requires="a14">
+        <mc:AlternateContent xmlns:mc="http://schemas.openxmlformats.org/markup-compatibility/2006" xmlns:a14="http://schemas.microsoft.com/office/drawing/2010/main">
+          <mc:Choice Requires="a14">
             <p:sp>
               <p:nvSpPr>
                 <p:cNvPr id="140" name="TextBox 139">
@@ -9978,6 +9979,7 @@
                 </a:bodyPr>
                 <a:lstStyle/>
                 <a:p>
+                  <a:pPr/>
                   <a14:m>
                     <m:oMathPara xmlns:m="http://schemas.openxmlformats.org/officeDocument/2006/math">
                       <m:oMathParaPr>
@@ -10017,7 +10019,7 @@
               </p:txBody>
             </p:sp>
           </mc:Choice>
-          <mc:Fallback>
+          <mc:Fallback xmlns="">
             <p:sp>
               <p:nvSpPr>
                 <p:cNvPr id="140" name="TextBox 139">
@@ -10062,8 +10064,8 @@
             </p:sp>
           </mc:Fallback>
         </mc:AlternateContent>
-        <mc:AlternateContent xmlns:mc="http://schemas.openxmlformats.org/markup-compatibility/2006">
-          <mc:Choice xmlns:a14="http://schemas.microsoft.com/office/drawing/2010/main" Requires="a14">
+        <mc:AlternateContent xmlns:mc="http://schemas.openxmlformats.org/markup-compatibility/2006" xmlns:a14="http://schemas.microsoft.com/office/drawing/2010/main">
+          <mc:Choice Requires="a14">
             <p:sp>
               <p:nvSpPr>
                 <p:cNvPr id="141" name="TextBox 140">
@@ -10092,6 +10094,7 @@
                 </a:bodyPr>
                 <a:lstStyle/>
                 <a:p>
+                  <a:pPr/>
                   <a14:m>
                     <m:oMathPara xmlns:m="http://schemas.openxmlformats.org/officeDocument/2006/math">
                       <m:oMathParaPr>
@@ -10131,7 +10134,7 @@
               </p:txBody>
             </p:sp>
           </mc:Choice>
-          <mc:Fallback>
+          <mc:Fallback xmlns="">
             <p:sp>
               <p:nvSpPr>
                 <p:cNvPr id="141" name="TextBox 140">
@@ -10176,8 +10179,8 @@
             </p:sp>
           </mc:Fallback>
         </mc:AlternateContent>
-        <mc:AlternateContent xmlns:mc="http://schemas.openxmlformats.org/markup-compatibility/2006">
-          <mc:Choice xmlns:a14="http://schemas.microsoft.com/office/drawing/2010/main" Requires="a14">
+        <mc:AlternateContent xmlns:mc="http://schemas.openxmlformats.org/markup-compatibility/2006" xmlns:a14="http://schemas.microsoft.com/office/drawing/2010/main">
+          <mc:Choice Requires="a14">
             <p:sp>
               <p:nvSpPr>
                 <p:cNvPr id="142" name="TextBox 141">
@@ -10206,6 +10209,7 @@
                 </a:bodyPr>
                 <a:lstStyle/>
                 <a:p>
+                  <a:pPr/>
                   <a14:m>
                     <m:oMathPara xmlns:m="http://schemas.openxmlformats.org/officeDocument/2006/math">
                       <m:oMathParaPr>
@@ -10245,7 +10249,7 @@
               </p:txBody>
             </p:sp>
           </mc:Choice>
-          <mc:Fallback>
+          <mc:Fallback xmlns="">
             <p:sp>
               <p:nvSpPr>
                 <p:cNvPr id="142" name="TextBox 141">
@@ -10290,8 +10294,8 @@
             </p:sp>
           </mc:Fallback>
         </mc:AlternateContent>
-        <mc:AlternateContent xmlns:mc="http://schemas.openxmlformats.org/markup-compatibility/2006">
-          <mc:Choice xmlns:a14="http://schemas.microsoft.com/office/drawing/2010/main" Requires="a14">
+        <mc:AlternateContent xmlns:mc="http://schemas.openxmlformats.org/markup-compatibility/2006" xmlns:a14="http://schemas.microsoft.com/office/drawing/2010/main">
+          <mc:Choice Requires="a14">
             <p:sp>
               <p:nvSpPr>
                 <p:cNvPr id="143" name="TextBox 142">
@@ -10320,6 +10324,7 @@
                 </a:bodyPr>
                 <a:lstStyle/>
                 <a:p>
+                  <a:pPr/>
                   <a14:m>
                     <m:oMathPara xmlns:m="http://schemas.openxmlformats.org/officeDocument/2006/math">
                       <m:oMathParaPr>
@@ -10390,7 +10395,7 @@
               </p:txBody>
             </p:sp>
           </mc:Choice>
-          <mc:Fallback>
+          <mc:Fallback xmlns="">
             <p:sp>
               <p:nvSpPr>
                 <p:cNvPr id="143" name="TextBox 142">
@@ -10435,8 +10440,8 @@
             </p:sp>
           </mc:Fallback>
         </mc:AlternateContent>
-        <mc:AlternateContent xmlns:mc="http://schemas.openxmlformats.org/markup-compatibility/2006">
-          <mc:Choice xmlns:a14="http://schemas.microsoft.com/office/drawing/2010/main" Requires="a14">
+        <mc:AlternateContent xmlns:mc="http://schemas.openxmlformats.org/markup-compatibility/2006" xmlns:a14="http://schemas.microsoft.com/office/drawing/2010/main">
+          <mc:Choice Requires="a14">
             <p:sp>
               <p:nvSpPr>
                 <p:cNvPr id="144" name="TextBox 143">
@@ -10465,6 +10470,7 @@
                 </a:bodyPr>
                 <a:lstStyle/>
                 <a:p>
+                  <a:pPr/>
                   <a14:m>
                     <m:oMathPara xmlns:m="http://schemas.openxmlformats.org/officeDocument/2006/math">
                       <m:oMathParaPr>
@@ -10535,7 +10541,7 @@
               </p:txBody>
             </p:sp>
           </mc:Choice>
-          <mc:Fallback>
+          <mc:Fallback xmlns="">
             <p:sp>
               <p:nvSpPr>
                 <p:cNvPr id="144" name="TextBox 143">
@@ -10580,8 +10586,8 @@
             </p:sp>
           </mc:Fallback>
         </mc:AlternateContent>
-        <mc:AlternateContent xmlns:mc="http://schemas.openxmlformats.org/markup-compatibility/2006">
-          <mc:Choice xmlns:a14="http://schemas.microsoft.com/office/drawing/2010/main" Requires="a14">
+        <mc:AlternateContent xmlns:mc="http://schemas.openxmlformats.org/markup-compatibility/2006" xmlns:a14="http://schemas.microsoft.com/office/drawing/2010/main">
+          <mc:Choice Requires="a14">
             <p:sp>
               <p:nvSpPr>
                 <p:cNvPr id="145" name="TextBox 144">
@@ -10610,6 +10616,7 @@
                 </a:bodyPr>
                 <a:lstStyle/>
                 <a:p>
+                  <a:pPr/>
                   <a14:m>
                     <m:oMathPara xmlns:m="http://schemas.openxmlformats.org/officeDocument/2006/math">
                       <m:oMathParaPr>
@@ -10649,7 +10656,7 @@
               </p:txBody>
             </p:sp>
           </mc:Choice>
-          <mc:Fallback>
+          <mc:Fallback xmlns="">
             <p:sp>
               <p:nvSpPr>
                 <p:cNvPr id="145" name="TextBox 144">
@@ -10694,8 +10701,8 @@
             </p:sp>
           </mc:Fallback>
         </mc:AlternateContent>
-        <mc:AlternateContent xmlns:mc="http://schemas.openxmlformats.org/markup-compatibility/2006">
-          <mc:Choice xmlns:a14="http://schemas.microsoft.com/office/drawing/2010/main" Requires="a14">
+        <mc:AlternateContent xmlns:mc="http://schemas.openxmlformats.org/markup-compatibility/2006" xmlns:a14="http://schemas.microsoft.com/office/drawing/2010/main">
+          <mc:Choice Requires="a14">
             <p:sp>
               <p:nvSpPr>
                 <p:cNvPr id="146" name="TextBox 145">
@@ -10724,6 +10731,7 @@
                 </a:bodyPr>
                 <a:lstStyle/>
                 <a:p>
+                  <a:pPr/>
                   <a14:m>
                     <m:oMathPara xmlns:m="http://schemas.openxmlformats.org/officeDocument/2006/math">
                       <m:oMathParaPr>
@@ -10806,7 +10814,7 @@
               </p:txBody>
             </p:sp>
           </mc:Choice>
-          <mc:Fallback>
+          <mc:Fallback xmlns="">
             <p:sp>
               <p:nvSpPr>
                 <p:cNvPr id="146" name="TextBox 145">
@@ -10851,8 +10859,8 @@
             </p:sp>
           </mc:Fallback>
         </mc:AlternateContent>
-        <mc:AlternateContent xmlns:mc="http://schemas.openxmlformats.org/markup-compatibility/2006">
-          <mc:Choice xmlns:a14="http://schemas.microsoft.com/office/drawing/2010/main" Requires="a14">
+        <mc:AlternateContent xmlns:mc="http://schemas.openxmlformats.org/markup-compatibility/2006" xmlns:a14="http://schemas.microsoft.com/office/drawing/2010/main">
+          <mc:Choice Requires="a14">
             <p:sp>
               <p:nvSpPr>
                 <p:cNvPr id="147" name="TextBox 146">
@@ -10881,6 +10889,7 @@
                 </a:bodyPr>
                 <a:lstStyle/>
                 <a:p>
+                  <a:pPr/>
                   <a14:m>
                     <m:oMathPara xmlns:m="http://schemas.openxmlformats.org/officeDocument/2006/math">
                       <m:oMathParaPr>
@@ -10963,7 +10972,7 @@
               </p:txBody>
             </p:sp>
           </mc:Choice>
-          <mc:Fallback>
+          <mc:Fallback xmlns="">
             <p:sp>
               <p:nvSpPr>
                 <p:cNvPr id="147" name="TextBox 146">
@@ -11011,10 +11020,10 @@
       </p:grpSp>
       <p:grpSp>
         <p:nvGrpSpPr>
-          <p:cNvPr id="265" name="Group 264">
+          <p:cNvPr id="266" name="Group 265">
             <a:extLst>
               <a:ext uri="{FF2B5EF4-FFF2-40B4-BE49-F238E27FC236}">
-                <a16:creationId xmlns:a16="http://schemas.microsoft.com/office/drawing/2014/main" id="{471E0700-BE63-D0F0-2E1A-A6D4FF392126}"/>
+                <a16:creationId xmlns:a16="http://schemas.microsoft.com/office/drawing/2014/main" id="{4414F30A-087F-F228-4CC0-928CB67D83C2}"/>
               </a:ext>
             </a:extLst>
           </p:cNvPr>
@@ -11023,10 +11032,1463 @@
         </p:nvGrpSpPr>
         <p:grpSpPr>
           <a:xfrm>
-            <a:off x="6677646" y="672564"/>
-            <a:ext cx="5375129" cy="5300483"/>
-            <a:chOff x="6633693" y="925606"/>
-            <a:chExt cx="5375129" cy="5300483"/>
+            <a:off x="6892112" y="3779374"/>
+            <a:ext cx="4866907" cy="2511748"/>
+            <a:chOff x="6892112" y="3779374"/>
+            <a:chExt cx="4866907" cy="2511748"/>
+          </a:xfrm>
+        </p:grpSpPr>
+        <p:grpSp>
+          <p:nvGrpSpPr>
+            <p:cNvPr id="217" name="Group 216">
+              <a:extLst>
+                <a:ext uri="{FF2B5EF4-FFF2-40B4-BE49-F238E27FC236}">
+                  <a16:creationId xmlns:a16="http://schemas.microsoft.com/office/drawing/2014/main" id="{A2E7F47D-75CC-F9E2-CB22-FB68366D484C}"/>
+                </a:ext>
+              </a:extLst>
+            </p:cNvPr>
+            <p:cNvGrpSpPr/>
+            <p:nvPr/>
+          </p:nvGrpSpPr>
+          <p:grpSpPr>
+            <a:xfrm>
+              <a:off x="6892112" y="3779374"/>
+              <a:ext cx="4866907" cy="2511748"/>
+              <a:chOff x="4015836" y="3948726"/>
+              <a:chExt cx="4866907" cy="2511748"/>
+            </a:xfrm>
+          </p:grpSpPr>
+          <p:grpSp>
+            <p:nvGrpSpPr>
+              <p:cNvPr id="218" name="Group 217">
+                <a:extLst>
+                  <a:ext uri="{FF2B5EF4-FFF2-40B4-BE49-F238E27FC236}">
+                    <a16:creationId xmlns:a16="http://schemas.microsoft.com/office/drawing/2014/main" id="{179E2CF1-99FC-58F2-D4E9-9EBB6B98DEA3}"/>
+                  </a:ext>
+                </a:extLst>
+              </p:cNvPr>
+              <p:cNvGrpSpPr/>
+              <p:nvPr/>
+            </p:nvGrpSpPr>
+            <p:grpSpPr>
+              <a:xfrm>
+                <a:off x="4015836" y="3948726"/>
+                <a:ext cx="4866907" cy="2511748"/>
+                <a:chOff x="5850529" y="4022504"/>
+                <a:chExt cx="4866907" cy="2511748"/>
+              </a:xfrm>
+            </p:grpSpPr>
+            <p:sp>
+              <p:nvSpPr>
+                <p:cNvPr id="228" name="Rectangle 227">
+                  <a:extLst>
+                    <a:ext uri="{FF2B5EF4-FFF2-40B4-BE49-F238E27FC236}">
+                      <a16:creationId xmlns:a16="http://schemas.microsoft.com/office/drawing/2014/main" id="{842E1469-3885-F404-BDD0-B38102A876C7}"/>
+                    </a:ext>
+                  </a:extLst>
+                </p:cNvPr>
+                <p:cNvSpPr/>
+                <p:nvPr/>
+              </p:nvSpPr>
+              <p:spPr>
+                <a:xfrm>
+                  <a:off x="6001565" y="4022504"/>
+                  <a:ext cx="4540328" cy="2511748"/>
+                </a:xfrm>
+                <a:prstGeom prst="rect">
+                  <a:avLst/>
+                </a:prstGeom>
+                <a:solidFill>
+                  <a:schemeClr val="bg1">
+                    <a:lumMod val="95000"/>
+                  </a:schemeClr>
+                </a:solidFill>
+                <a:ln>
+                  <a:noFill/>
+                </a:ln>
+              </p:spPr>
+              <p:style>
+                <a:lnRef idx="2">
+                  <a:schemeClr val="accent1">
+                    <a:shade val="15000"/>
+                  </a:schemeClr>
+                </a:lnRef>
+                <a:fillRef idx="1">
+                  <a:schemeClr val="accent1"/>
+                </a:fillRef>
+                <a:effectRef idx="0">
+                  <a:schemeClr val="accent1"/>
+                </a:effectRef>
+                <a:fontRef idx="minor">
+                  <a:schemeClr val="lt1"/>
+                </a:fontRef>
+              </p:style>
+              <p:txBody>
+                <a:bodyPr rtlCol="0" anchor="ctr"/>
+                <a:lstStyle/>
+                <a:p>
+                  <a:pPr algn="ctr"/>
+                  <a:endParaRPr lang="en-PT" dirty="0"/>
+                </a:p>
+              </p:txBody>
+            </p:sp>
+            <p:cxnSp>
+              <p:nvCxnSpPr>
+                <p:cNvPr id="229" name="Straight Connector 228">
+                  <a:extLst>
+                    <a:ext uri="{FF2B5EF4-FFF2-40B4-BE49-F238E27FC236}">
+                      <a16:creationId xmlns:a16="http://schemas.microsoft.com/office/drawing/2014/main" id="{F9563F69-E0E3-2CAC-BACF-0C51253898CA}"/>
+                    </a:ext>
+                  </a:extLst>
+                </p:cNvPr>
+                <p:cNvCxnSpPr>
+                  <a:cxnSpLocks/>
+                </p:cNvCxnSpPr>
+                <p:nvPr/>
+              </p:nvCxnSpPr>
+              <p:spPr>
+                <a:xfrm>
+                  <a:off x="5850529" y="5161698"/>
+                  <a:ext cx="4866907" cy="0"/>
+                </a:xfrm>
+                <a:prstGeom prst="line">
+                  <a:avLst/>
+                </a:prstGeom>
+                <a:ln w="38100">
+                  <a:solidFill>
+                    <a:schemeClr val="tx1"/>
+                  </a:solidFill>
+                  <a:prstDash val="dash"/>
+                </a:ln>
+              </p:spPr>
+              <p:style>
+                <a:lnRef idx="2">
+                  <a:schemeClr val="accent1"/>
+                </a:lnRef>
+                <a:fillRef idx="0">
+                  <a:schemeClr val="accent1"/>
+                </a:fillRef>
+                <a:effectRef idx="1">
+                  <a:schemeClr val="accent1"/>
+                </a:effectRef>
+                <a:fontRef idx="minor">
+                  <a:schemeClr val="tx1"/>
+                </a:fontRef>
+              </p:style>
+            </p:cxnSp>
+            <mc:AlternateContent xmlns:mc="http://schemas.openxmlformats.org/markup-compatibility/2006" xmlns:a14="http://schemas.microsoft.com/office/drawing/2010/main">
+              <mc:Choice Requires="a14">
+                <p:sp>
+                  <p:nvSpPr>
+                    <p:cNvPr id="230" name="TextBox 229">
+                      <a:extLst>
+                        <a:ext uri="{FF2B5EF4-FFF2-40B4-BE49-F238E27FC236}">
+                          <a16:creationId xmlns:a16="http://schemas.microsoft.com/office/drawing/2014/main" id="{04EB949C-2CB6-9099-E84C-14585C3E069C}"/>
+                        </a:ext>
+                      </a:extLst>
+                    </p:cNvPr>
+                    <p:cNvSpPr txBox="1"/>
+                    <p:nvPr/>
+                  </p:nvSpPr>
+                  <p:spPr>
+                    <a:xfrm>
+                      <a:off x="9316125" y="4053412"/>
+                      <a:ext cx="1188209" cy="369332"/>
+                    </a:xfrm>
+                    <a:prstGeom prst="rect">
+                      <a:avLst/>
+                    </a:prstGeom>
+                    <a:noFill/>
+                  </p:spPr>
+                  <p:txBody>
+                    <a:bodyPr wrap="none" lIns="0" tIns="0" rIns="0" bIns="0" rtlCol="0">
+                      <a:spAutoFit/>
+                    </a:bodyPr>
+                    <a:lstStyle/>
+                    <a:p>
+                      <a:pPr/>
+                      <a14:m>
+                        <m:oMathPara xmlns:m="http://schemas.openxmlformats.org/officeDocument/2006/math">
+                          <m:oMathParaPr>
+                            <m:jc m:val="centerGroup"/>
+                          </m:oMathParaPr>
+                          <m:oMath xmlns:m="http://schemas.openxmlformats.org/officeDocument/2006/math">
+                            <m:sSub>
+                              <m:sSubPr>
+                                <m:ctrlPr>
+                                  <a:rPr lang="pt-PT" sz="2400" b="0" i="1" smtClean="0">
+                                    <a:latin typeface="Cambria Math" panose="02040503050406030204" pitchFamily="18" charset="0"/>
+                                  </a:rPr>
+                                </m:ctrlPr>
+                              </m:sSubPr>
+                              <m:e>
+                                <m:r>
+                                  <a:rPr lang="pt-PT" sz="2400" b="0" i="1" smtClean="0">
+                                    <a:latin typeface="Cambria Math" panose="02040503050406030204" pitchFamily="18" charset="0"/>
+                                  </a:rPr>
+                                  <m:t>𝑍</m:t>
+                                </m:r>
+                              </m:e>
+                              <m:sub>
+                                <m:r>
+                                  <a:rPr lang="pt-PT" sz="2400" b="0" i="1" smtClean="0">
+                                    <a:latin typeface="Cambria Math" panose="02040503050406030204" pitchFamily="18" charset="0"/>
+                                  </a:rPr>
+                                  <m:t>1</m:t>
+                                </m:r>
+                              </m:sub>
+                            </m:sSub>
+                            <m:r>
+                              <a:rPr lang="pt-PT" sz="2400" b="0" i="1" smtClean="0">
+                                <a:latin typeface="Cambria Math" panose="02040503050406030204" pitchFamily="18" charset="0"/>
+                              </a:rPr>
+                              <m:t>, </m:t>
+                            </m:r>
+                            <m:sSub>
+                              <m:sSubPr>
+                                <m:ctrlPr>
+                                  <a:rPr lang="pt-PT" sz="2400" b="0" i="1" smtClean="0">
+                                    <a:latin typeface="Cambria Math" panose="02040503050406030204" pitchFamily="18" charset="0"/>
+                                  </a:rPr>
+                                </m:ctrlPr>
+                              </m:sSubPr>
+                              <m:e>
+                                <m:r>
+                                  <a:rPr lang="pt-PT" sz="2400" b="0" i="1" smtClean="0">
+                                    <a:latin typeface="Cambria Math" panose="02040503050406030204" pitchFamily="18" charset="0"/>
+                                  </a:rPr>
+                                  <m:t>𝑐</m:t>
+                                </m:r>
+                              </m:e>
+                              <m:sub>
+                                <m:r>
+                                  <a:rPr lang="pt-PT" sz="2400" b="0" i="1" smtClean="0">
+                                    <a:latin typeface="Cambria Math" panose="02040503050406030204" pitchFamily="18" charset="0"/>
+                                  </a:rPr>
+                                  <m:t>1</m:t>
+                                </m:r>
+                              </m:sub>
+                            </m:sSub>
+                            <m:r>
+                              <a:rPr lang="pt-PT" sz="2400" b="0" i="1" smtClean="0">
+                                <a:latin typeface="Cambria Math" panose="02040503050406030204" pitchFamily="18" charset="0"/>
+                              </a:rPr>
+                              <m:t>, </m:t>
+                            </m:r>
+                            <m:sSub>
+                              <m:sSubPr>
+                                <m:ctrlPr>
+                                  <a:rPr lang="pt-PT" sz="2400" b="0" i="1" smtClean="0">
+                                    <a:latin typeface="Cambria Math" panose="02040503050406030204" pitchFamily="18" charset="0"/>
+                                  </a:rPr>
+                                </m:ctrlPr>
+                              </m:sSubPr>
+                              <m:e>
+                                <m:r>
+                                  <a:rPr lang="pt-PT" sz="2400" b="0" i="1" smtClean="0">
+                                    <a:latin typeface="Cambria Math" panose="02040503050406030204" pitchFamily="18" charset="0"/>
+                                  </a:rPr>
+                                  <m:t>𝛼</m:t>
+                                </m:r>
+                              </m:e>
+                              <m:sub>
+                                <m:r>
+                                  <a:rPr lang="pt-PT" sz="2400" b="0" i="1" smtClean="0">
+                                    <a:latin typeface="Cambria Math" panose="02040503050406030204" pitchFamily="18" charset="0"/>
+                                  </a:rPr>
+                                  <m:t>1</m:t>
+                                </m:r>
+                              </m:sub>
+                            </m:sSub>
+                          </m:oMath>
+                        </m:oMathPara>
+                      </a14:m>
+                      <a:endParaRPr lang="en-PT" sz="2400" dirty="0"/>
+                    </a:p>
+                  </p:txBody>
+                </p:sp>
+              </mc:Choice>
+              <mc:Fallback xmlns="">
+                <p:sp>
+                  <p:nvSpPr>
+                    <p:cNvPr id="230" name="TextBox 229">
+                      <a:extLst>
+                        <a:ext uri="{FF2B5EF4-FFF2-40B4-BE49-F238E27FC236}">
+                          <a16:creationId xmlns:a16="http://schemas.microsoft.com/office/drawing/2014/main" id="{04EB949C-2CB6-9099-E84C-14585C3E069C}"/>
+                        </a:ext>
+                      </a:extLst>
+                    </p:cNvPr>
+                    <p:cNvSpPr txBox="1">
+                      <a:spLocks noRot="1" noChangeAspect="1" noMove="1" noResize="1" noEditPoints="1" noAdjustHandles="1" noChangeArrowheads="1" noChangeShapeType="1" noTextEdit="1"/>
+                    </p:cNvSpPr>
+                    <p:nvPr/>
+                  </p:nvSpPr>
+                  <p:spPr>
+                    <a:xfrm>
+                      <a:off x="9316125" y="4053412"/>
+                      <a:ext cx="1188209" cy="369332"/>
+                    </a:xfrm>
+                    <a:prstGeom prst="rect">
+                      <a:avLst/>
+                    </a:prstGeom>
+                    <a:blipFill>
+                      <a:blip r:embed="rId10"/>
+                      <a:stretch>
+                        <a:fillRect l="-5263" r="-2105" b="-10000"/>
+                      </a:stretch>
+                    </a:blipFill>
+                  </p:spPr>
+                  <p:txBody>
+                    <a:bodyPr/>
+                    <a:lstStyle/>
+                    <a:p>
+                      <a:r>
+                        <a:rPr lang="en-PT">
+                          <a:noFill/>
+                        </a:rPr>
+                        <a:t> </a:t>
+                      </a:r>
+                    </a:p>
+                  </p:txBody>
+                </p:sp>
+              </mc:Fallback>
+            </mc:AlternateContent>
+          </p:grpSp>
+          <p:sp>
+            <p:nvSpPr>
+              <p:cNvPr id="219" name="Freeform 218">
+                <a:extLst>
+                  <a:ext uri="{FF2B5EF4-FFF2-40B4-BE49-F238E27FC236}">
+                    <a16:creationId xmlns:a16="http://schemas.microsoft.com/office/drawing/2014/main" id="{FA63AB39-69AC-A6EA-5DAD-C683F800C092}"/>
+                  </a:ext>
+                </a:extLst>
+              </p:cNvPr>
+              <p:cNvSpPr/>
+              <p:nvPr/>
+            </p:nvSpPr>
+            <p:spPr>
+              <a:xfrm>
+                <a:off x="4297680" y="4362979"/>
+                <a:ext cx="1476103" cy="1313523"/>
+              </a:xfrm>
+              <a:custGeom>
+                <a:avLst/>
+                <a:gdLst>
+                  <a:gd name="connsiteX0" fmla="*/ 0 w 1476103"/>
+                  <a:gd name="connsiteY0" fmla="*/ 600905 h 1084603"/>
+                  <a:gd name="connsiteX1" fmla="*/ 91440 w 1476103"/>
+                  <a:gd name="connsiteY1" fmla="*/ 404963 h 1084603"/>
+                  <a:gd name="connsiteX2" fmla="*/ 195943 w 1476103"/>
+                  <a:gd name="connsiteY2" fmla="*/ 875225 h 1084603"/>
+                  <a:gd name="connsiteX3" fmla="*/ 352697 w 1476103"/>
+                  <a:gd name="connsiteY3" fmla="*/ 130643 h 1084603"/>
+                  <a:gd name="connsiteX4" fmla="*/ 457200 w 1476103"/>
+                  <a:gd name="connsiteY4" fmla="*/ 1084231 h 1084603"/>
+                  <a:gd name="connsiteX5" fmla="*/ 587829 w 1476103"/>
+                  <a:gd name="connsiteY5" fmla="*/ 14 h 1084603"/>
+                  <a:gd name="connsiteX6" fmla="*/ 718457 w 1476103"/>
+                  <a:gd name="connsiteY6" fmla="*/ 1058105 h 1084603"/>
+                  <a:gd name="connsiteX7" fmla="*/ 875211 w 1476103"/>
+                  <a:gd name="connsiteY7" fmla="*/ 326585 h 1084603"/>
+                  <a:gd name="connsiteX8" fmla="*/ 953589 w 1476103"/>
+                  <a:gd name="connsiteY8" fmla="*/ 849100 h 1084603"/>
+                  <a:gd name="connsiteX9" fmla="*/ 1110343 w 1476103"/>
+                  <a:gd name="connsiteY9" fmla="*/ 444151 h 1084603"/>
+                  <a:gd name="connsiteX10" fmla="*/ 1214846 w 1476103"/>
+                  <a:gd name="connsiteY10" fmla="*/ 731534 h 1084603"/>
+                  <a:gd name="connsiteX11" fmla="*/ 1345474 w 1476103"/>
+                  <a:gd name="connsiteY11" fmla="*/ 548654 h 1084603"/>
+                  <a:gd name="connsiteX12" fmla="*/ 1476103 w 1476103"/>
+                  <a:gd name="connsiteY12" fmla="*/ 613968 h 1084603"/>
+                </a:gdLst>
+                <a:ahLst/>
+                <a:cxnLst>
+                  <a:cxn ang="0">
+                    <a:pos x="connsiteX0" y="connsiteY0"/>
+                  </a:cxn>
+                  <a:cxn ang="0">
+                    <a:pos x="connsiteX1" y="connsiteY1"/>
+                  </a:cxn>
+                  <a:cxn ang="0">
+                    <a:pos x="connsiteX2" y="connsiteY2"/>
+                  </a:cxn>
+                  <a:cxn ang="0">
+                    <a:pos x="connsiteX3" y="connsiteY3"/>
+                  </a:cxn>
+                  <a:cxn ang="0">
+                    <a:pos x="connsiteX4" y="connsiteY4"/>
+                  </a:cxn>
+                  <a:cxn ang="0">
+                    <a:pos x="connsiteX5" y="connsiteY5"/>
+                  </a:cxn>
+                  <a:cxn ang="0">
+                    <a:pos x="connsiteX6" y="connsiteY6"/>
+                  </a:cxn>
+                  <a:cxn ang="0">
+                    <a:pos x="connsiteX7" y="connsiteY7"/>
+                  </a:cxn>
+                  <a:cxn ang="0">
+                    <a:pos x="connsiteX8" y="connsiteY8"/>
+                  </a:cxn>
+                  <a:cxn ang="0">
+                    <a:pos x="connsiteX9" y="connsiteY9"/>
+                  </a:cxn>
+                  <a:cxn ang="0">
+                    <a:pos x="connsiteX10" y="connsiteY10"/>
+                  </a:cxn>
+                  <a:cxn ang="0">
+                    <a:pos x="connsiteX11" y="connsiteY11"/>
+                  </a:cxn>
+                  <a:cxn ang="0">
+                    <a:pos x="connsiteX12" y="connsiteY12"/>
+                  </a:cxn>
+                </a:cxnLst>
+                <a:rect l="l" t="t" r="r" b="b"/>
+                <a:pathLst>
+                  <a:path w="1476103" h="1084603">
+                    <a:moveTo>
+                      <a:pt x="0" y="600905"/>
+                    </a:moveTo>
+                    <a:cubicBezTo>
+                      <a:pt x="29391" y="480074"/>
+                      <a:pt x="58783" y="359243"/>
+                      <a:pt x="91440" y="404963"/>
+                    </a:cubicBezTo>
+                    <a:cubicBezTo>
+                      <a:pt x="124097" y="450683"/>
+                      <a:pt x="152400" y="920945"/>
+                      <a:pt x="195943" y="875225"/>
+                    </a:cubicBezTo>
+                    <a:cubicBezTo>
+                      <a:pt x="239486" y="829505"/>
+                      <a:pt x="309154" y="95809"/>
+                      <a:pt x="352697" y="130643"/>
+                    </a:cubicBezTo>
+                    <a:cubicBezTo>
+                      <a:pt x="396240" y="165477"/>
+                      <a:pt x="418011" y="1106003"/>
+                      <a:pt x="457200" y="1084231"/>
+                    </a:cubicBezTo>
+                    <a:cubicBezTo>
+                      <a:pt x="496389" y="1062459"/>
+                      <a:pt x="544286" y="4368"/>
+                      <a:pt x="587829" y="14"/>
+                    </a:cubicBezTo>
+                    <a:cubicBezTo>
+                      <a:pt x="631372" y="-4340"/>
+                      <a:pt x="670560" y="1003677"/>
+                      <a:pt x="718457" y="1058105"/>
+                    </a:cubicBezTo>
+                    <a:cubicBezTo>
+                      <a:pt x="766354" y="1112533"/>
+                      <a:pt x="836022" y="361419"/>
+                      <a:pt x="875211" y="326585"/>
+                    </a:cubicBezTo>
+                    <a:cubicBezTo>
+                      <a:pt x="914400" y="291751"/>
+                      <a:pt x="914400" y="829506"/>
+                      <a:pt x="953589" y="849100"/>
+                    </a:cubicBezTo>
+                    <a:cubicBezTo>
+                      <a:pt x="992778" y="868694"/>
+                      <a:pt x="1066800" y="463745"/>
+                      <a:pt x="1110343" y="444151"/>
+                    </a:cubicBezTo>
+                    <a:cubicBezTo>
+                      <a:pt x="1153886" y="424557"/>
+                      <a:pt x="1175658" y="714117"/>
+                      <a:pt x="1214846" y="731534"/>
+                    </a:cubicBezTo>
+                    <a:cubicBezTo>
+                      <a:pt x="1254034" y="748951"/>
+                      <a:pt x="1301931" y="568248"/>
+                      <a:pt x="1345474" y="548654"/>
+                    </a:cubicBezTo>
+                    <a:cubicBezTo>
+                      <a:pt x="1389017" y="529060"/>
+                      <a:pt x="1432560" y="571514"/>
+                      <a:pt x="1476103" y="613968"/>
+                    </a:cubicBezTo>
+                  </a:path>
+                </a:pathLst>
+              </a:custGeom>
+              <a:noFill/>
+            </p:spPr>
+            <p:style>
+              <a:lnRef idx="2">
+                <a:schemeClr val="accent1">
+                  <a:shade val="15000"/>
+                </a:schemeClr>
+              </a:lnRef>
+              <a:fillRef idx="1">
+                <a:schemeClr val="accent1"/>
+              </a:fillRef>
+              <a:effectRef idx="0">
+                <a:schemeClr val="accent1"/>
+              </a:effectRef>
+              <a:fontRef idx="minor">
+                <a:schemeClr val="lt1"/>
+              </a:fontRef>
+            </p:style>
+            <p:txBody>
+              <a:bodyPr rtlCol="0" anchor="ctr"/>
+              <a:lstStyle/>
+              <a:p>
+                <a:pPr algn="ctr"/>
+                <a:endParaRPr lang="en-PT"/>
+              </a:p>
+            </p:txBody>
+          </p:sp>
+          <p:sp>
+            <p:nvSpPr>
+              <p:cNvPr id="220" name="Freeform 219">
+                <a:extLst>
+                  <a:ext uri="{FF2B5EF4-FFF2-40B4-BE49-F238E27FC236}">
+                    <a16:creationId xmlns:a16="http://schemas.microsoft.com/office/drawing/2014/main" id="{B8AF9DCA-973D-53BE-F317-CEC6F10EC18B}"/>
+                  </a:ext>
+                </a:extLst>
+              </p:cNvPr>
+              <p:cNvSpPr/>
+              <p:nvPr/>
+            </p:nvSpPr>
+            <p:spPr>
+              <a:xfrm>
+                <a:off x="5819209" y="4724172"/>
+                <a:ext cx="1476103" cy="664311"/>
+              </a:xfrm>
+              <a:custGeom>
+                <a:avLst/>
+                <a:gdLst>
+                  <a:gd name="connsiteX0" fmla="*/ 0 w 1476103"/>
+                  <a:gd name="connsiteY0" fmla="*/ 600905 h 1084603"/>
+                  <a:gd name="connsiteX1" fmla="*/ 91440 w 1476103"/>
+                  <a:gd name="connsiteY1" fmla="*/ 404963 h 1084603"/>
+                  <a:gd name="connsiteX2" fmla="*/ 195943 w 1476103"/>
+                  <a:gd name="connsiteY2" fmla="*/ 875225 h 1084603"/>
+                  <a:gd name="connsiteX3" fmla="*/ 352697 w 1476103"/>
+                  <a:gd name="connsiteY3" fmla="*/ 130643 h 1084603"/>
+                  <a:gd name="connsiteX4" fmla="*/ 457200 w 1476103"/>
+                  <a:gd name="connsiteY4" fmla="*/ 1084231 h 1084603"/>
+                  <a:gd name="connsiteX5" fmla="*/ 587829 w 1476103"/>
+                  <a:gd name="connsiteY5" fmla="*/ 14 h 1084603"/>
+                  <a:gd name="connsiteX6" fmla="*/ 718457 w 1476103"/>
+                  <a:gd name="connsiteY6" fmla="*/ 1058105 h 1084603"/>
+                  <a:gd name="connsiteX7" fmla="*/ 875211 w 1476103"/>
+                  <a:gd name="connsiteY7" fmla="*/ 326585 h 1084603"/>
+                  <a:gd name="connsiteX8" fmla="*/ 953589 w 1476103"/>
+                  <a:gd name="connsiteY8" fmla="*/ 849100 h 1084603"/>
+                  <a:gd name="connsiteX9" fmla="*/ 1110343 w 1476103"/>
+                  <a:gd name="connsiteY9" fmla="*/ 444151 h 1084603"/>
+                  <a:gd name="connsiteX10" fmla="*/ 1214846 w 1476103"/>
+                  <a:gd name="connsiteY10" fmla="*/ 731534 h 1084603"/>
+                  <a:gd name="connsiteX11" fmla="*/ 1345474 w 1476103"/>
+                  <a:gd name="connsiteY11" fmla="*/ 548654 h 1084603"/>
+                  <a:gd name="connsiteX12" fmla="*/ 1476103 w 1476103"/>
+                  <a:gd name="connsiteY12" fmla="*/ 613968 h 1084603"/>
+                </a:gdLst>
+                <a:ahLst/>
+                <a:cxnLst>
+                  <a:cxn ang="0">
+                    <a:pos x="connsiteX0" y="connsiteY0"/>
+                  </a:cxn>
+                  <a:cxn ang="0">
+                    <a:pos x="connsiteX1" y="connsiteY1"/>
+                  </a:cxn>
+                  <a:cxn ang="0">
+                    <a:pos x="connsiteX2" y="connsiteY2"/>
+                  </a:cxn>
+                  <a:cxn ang="0">
+                    <a:pos x="connsiteX3" y="connsiteY3"/>
+                  </a:cxn>
+                  <a:cxn ang="0">
+                    <a:pos x="connsiteX4" y="connsiteY4"/>
+                  </a:cxn>
+                  <a:cxn ang="0">
+                    <a:pos x="connsiteX5" y="connsiteY5"/>
+                  </a:cxn>
+                  <a:cxn ang="0">
+                    <a:pos x="connsiteX6" y="connsiteY6"/>
+                  </a:cxn>
+                  <a:cxn ang="0">
+                    <a:pos x="connsiteX7" y="connsiteY7"/>
+                  </a:cxn>
+                  <a:cxn ang="0">
+                    <a:pos x="connsiteX8" y="connsiteY8"/>
+                  </a:cxn>
+                  <a:cxn ang="0">
+                    <a:pos x="connsiteX9" y="connsiteY9"/>
+                  </a:cxn>
+                  <a:cxn ang="0">
+                    <a:pos x="connsiteX10" y="connsiteY10"/>
+                  </a:cxn>
+                  <a:cxn ang="0">
+                    <a:pos x="connsiteX11" y="connsiteY11"/>
+                  </a:cxn>
+                  <a:cxn ang="0">
+                    <a:pos x="connsiteX12" y="connsiteY12"/>
+                  </a:cxn>
+                </a:cxnLst>
+                <a:rect l="l" t="t" r="r" b="b"/>
+                <a:pathLst>
+                  <a:path w="1476103" h="1084603">
+                    <a:moveTo>
+                      <a:pt x="0" y="600905"/>
+                    </a:moveTo>
+                    <a:cubicBezTo>
+                      <a:pt x="29391" y="480074"/>
+                      <a:pt x="58783" y="359243"/>
+                      <a:pt x="91440" y="404963"/>
+                    </a:cubicBezTo>
+                    <a:cubicBezTo>
+                      <a:pt x="124097" y="450683"/>
+                      <a:pt x="152400" y="920945"/>
+                      <a:pt x="195943" y="875225"/>
+                    </a:cubicBezTo>
+                    <a:cubicBezTo>
+                      <a:pt x="239486" y="829505"/>
+                      <a:pt x="309154" y="95809"/>
+                      <a:pt x="352697" y="130643"/>
+                    </a:cubicBezTo>
+                    <a:cubicBezTo>
+                      <a:pt x="396240" y="165477"/>
+                      <a:pt x="418011" y="1106003"/>
+                      <a:pt x="457200" y="1084231"/>
+                    </a:cubicBezTo>
+                    <a:cubicBezTo>
+                      <a:pt x="496389" y="1062459"/>
+                      <a:pt x="544286" y="4368"/>
+                      <a:pt x="587829" y="14"/>
+                    </a:cubicBezTo>
+                    <a:cubicBezTo>
+                      <a:pt x="631372" y="-4340"/>
+                      <a:pt x="670560" y="1003677"/>
+                      <a:pt x="718457" y="1058105"/>
+                    </a:cubicBezTo>
+                    <a:cubicBezTo>
+                      <a:pt x="766354" y="1112533"/>
+                      <a:pt x="836022" y="361419"/>
+                      <a:pt x="875211" y="326585"/>
+                    </a:cubicBezTo>
+                    <a:cubicBezTo>
+                      <a:pt x="914400" y="291751"/>
+                      <a:pt x="914400" y="829506"/>
+                      <a:pt x="953589" y="849100"/>
+                    </a:cubicBezTo>
+                    <a:cubicBezTo>
+                      <a:pt x="992778" y="868694"/>
+                      <a:pt x="1066800" y="463745"/>
+                      <a:pt x="1110343" y="444151"/>
+                    </a:cubicBezTo>
+                    <a:cubicBezTo>
+                      <a:pt x="1153886" y="424557"/>
+                      <a:pt x="1175658" y="714117"/>
+                      <a:pt x="1214846" y="731534"/>
+                    </a:cubicBezTo>
+                    <a:cubicBezTo>
+                      <a:pt x="1254034" y="748951"/>
+                      <a:pt x="1301931" y="568248"/>
+                      <a:pt x="1345474" y="548654"/>
+                    </a:cubicBezTo>
+                    <a:cubicBezTo>
+                      <a:pt x="1389017" y="529060"/>
+                      <a:pt x="1432560" y="571514"/>
+                      <a:pt x="1476103" y="613968"/>
+                    </a:cubicBezTo>
+                  </a:path>
+                </a:pathLst>
+              </a:custGeom>
+              <a:noFill/>
+            </p:spPr>
+            <p:style>
+              <a:lnRef idx="2">
+                <a:schemeClr val="accent1">
+                  <a:shade val="15000"/>
+                </a:schemeClr>
+              </a:lnRef>
+              <a:fillRef idx="1">
+                <a:schemeClr val="accent1"/>
+              </a:fillRef>
+              <a:effectRef idx="0">
+                <a:schemeClr val="accent1"/>
+              </a:effectRef>
+              <a:fontRef idx="minor">
+                <a:schemeClr val="lt1"/>
+              </a:fontRef>
+            </p:style>
+            <p:txBody>
+              <a:bodyPr rtlCol="0" anchor="ctr"/>
+              <a:lstStyle/>
+              <a:p>
+                <a:pPr algn="ctr"/>
+                <a:endParaRPr lang="en-PT"/>
+              </a:p>
+            </p:txBody>
+          </p:sp>
+          <p:sp>
+            <p:nvSpPr>
+              <p:cNvPr id="221" name="Freeform 220">
+                <a:extLst>
+                  <a:ext uri="{FF2B5EF4-FFF2-40B4-BE49-F238E27FC236}">
+                    <a16:creationId xmlns:a16="http://schemas.microsoft.com/office/drawing/2014/main" id="{771EE337-0B58-226C-EDA9-8535A60045D3}"/>
+                  </a:ext>
+                </a:extLst>
+              </p:cNvPr>
+              <p:cNvSpPr/>
+              <p:nvPr/>
+            </p:nvSpPr>
+            <p:spPr>
+              <a:xfrm>
+                <a:off x="7295312" y="4901264"/>
+                <a:ext cx="1476103" cy="321059"/>
+              </a:xfrm>
+              <a:custGeom>
+                <a:avLst/>
+                <a:gdLst>
+                  <a:gd name="connsiteX0" fmla="*/ 0 w 1476103"/>
+                  <a:gd name="connsiteY0" fmla="*/ 600905 h 1084603"/>
+                  <a:gd name="connsiteX1" fmla="*/ 91440 w 1476103"/>
+                  <a:gd name="connsiteY1" fmla="*/ 404963 h 1084603"/>
+                  <a:gd name="connsiteX2" fmla="*/ 195943 w 1476103"/>
+                  <a:gd name="connsiteY2" fmla="*/ 875225 h 1084603"/>
+                  <a:gd name="connsiteX3" fmla="*/ 352697 w 1476103"/>
+                  <a:gd name="connsiteY3" fmla="*/ 130643 h 1084603"/>
+                  <a:gd name="connsiteX4" fmla="*/ 457200 w 1476103"/>
+                  <a:gd name="connsiteY4" fmla="*/ 1084231 h 1084603"/>
+                  <a:gd name="connsiteX5" fmla="*/ 587829 w 1476103"/>
+                  <a:gd name="connsiteY5" fmla="*/ 14 h 1084603"/>
+                  <a:gd name="connsiteX6" fmla="*/ 718457 w 1476103"/>
+                  <a:gd name="connsiteY6" fmla="*/ 1058105 h 1084603"/>
+                  <a:gd name="connsiteX7" fmla="*/ 875211 w 1476103"/>
+                  <a:gd name="connsiteY7" fmla="*/ 326585 h 1084603"/>
+                  <a:gd name="connsiteX8" fmla="*/ 953589 w 1476103"/>
+                  <a:gd name="connsiteY8" fmla="*/ 849100 h 1084603"/>
+                  <a:gd name="connsiteX9" fmla="*/ 1110343 w 1476103"/>
+                  <a:gd name="connsiteY9" fmla="*/ 444151 h 1084603"/>
+                  <a:gd name="connsiteX10" fmla="*/ 1214846 w 1476103"/>
+                  <a:gd name="connsiteY10" fmla="*/ 731534 h 1084603"/>
+                  <a:gd name="connsiteX11" fmla="*/ 1345474 w 1476103"/>
+                  <a:gd name="connsiteY11" fmla="*/ 548654 h 1084603"/>
+                  <a:gd name="connsiteX12" fmla="*/ 1476103 w 1476103"/>
+                  <a:gd name="connsiteY12" fmla="*/ 613968 h 1084603"/>
+                </a:gdLst>
+                <a:ahLst/>
+                <a:cxnLst>
+                  <a:cxn ang="0">
+                    <a:pos x="connsiteX0" y="connsiteY0"/>
+                  </a:cxn>
+                  <a:cxn ang="0">
+                    <a:pos x="connsiteX1" y="connsiteY1"/>
+                  </a:cxn>
+                  <a:cxn ang="0">
+                    <a:pos x="connsiteX2" y="connsiteY2"/>
+                  </a:cxn>
+                  <a:cxn ang="0">
+                    <a:pos x="connsiteX3" y="connsiteY3"/>
+                  </a:cxn>
+                  <a:cxn ang="0">
+                    <a:pos x="connsiteX4" y="connsiteY4"/>
+                  </a:cxn>
+                  <a:cxn ang="0">
+                    <a:pos x="connsiteX5" y="connsiteY5"/>
+                  </a:cxn>
+                  <a:cxn ang="0">
+                    <a:pos x="connsiteX6" y="connsiteY6"/>
+                  </a:cxn>
+                  <a:cxn ang="0">
+                    <a:pos x="connsiteX7" y="connsiteY7"/>
+                  </a:cxn>
+                  <a:cxn ang="0">
+                    <a:pos x="connsiteX8" y="connsiteY8"/>
+                  </a:cxn>
+                  <a:cxn ang="0">
+                    <a:pos x="connsiteX9" y="connsiteY9"/>
+                  </a:cxn>
+                  <a:cxn ang="0">
+                    <a:pos x="connsiteX10" y="connsiteY10"/>
+                  </a:cxn>
+                  <a:cxn ang="0">
+                    <a:pos x="connsiteX11" y="connsiteY11"/>
+                  </a:cxn>
+                  <a:cxn ang="0">
+                    <a:pos x="connsiteX12" y="connsiteY12"/>
+                  </a:cxn>
+                </a:cxnLst>
+                <a:rect l="l" t="t" r="r" b="b"/>
+                <a:pathLst>
+                  <a:path w="1476103" h="1084603">
+                    <a:moveTo>
+                      <a:pt x="0" y="600905"/>
+                    </a:moveTo>
+                    <a:cubicBezTo>
+                      <a:pt x="29391" y="480074"/>
+                      <a:pt x="58783" y="359243"/>
+                      <a:pt x="91440" y="404963"/>
+                    </a:cubicBezTo>
+                    <a:cubicBezTo>
+                      <a:pt x="124097" y="450683"/>
+                      <a:pt x="152400" y="920945"/>
+                      <a:pt x="195943" y="875225"/>
+                    </a:cubicBezTo>
+                    <a:cubicBezTo>
+                      <a:pt x="239486" y="829505"/>
+                      <a:pt x="309154" y="95809"/>
+                      <a:pt x="352697" y="130643"/>
+                    </a:cubicBezTo>
+                    <a:cubicBezTo>
+                      <a:pt x="396240" y="165477"/>
+                      <a:pt x="418011" y="1106003"/>
+                      <a:pt x="457200" y="1084231"/>
+                    </a:cubicBezTo>
+                    <a:cubicBezTo>
+                      <a:pt x="496389" y="1062459"/>
+                      <a:pt x="544286" y="4368"/>
+                      <a:pt x="587829" y="14"/>
+                    </a:cubicBezTo>
+                    <a:cubicBezTo>
+                      <a:pt x="631372" y="-4340"/>
+                      <a:pt x="670560" y="1003677"/>
+                      <a:pt x="718457" y="1058105"/>
+                    </a:cubicBezTo>
+                    <a:cubicBezTo>
+                      <a:pt x="766354" y="1112533"/>
+                      <a:pt x="836022" y="361419"/>
+                      <a:pt x="875211" y="326585"/>
+                    </a:cubicBezTo>
+                    <a:cubicBezTo>
+                      <a:pt x="914400" y="291751"/>
+                      <a:pt x="914400" y="829506"/>
+                      <a:pt x="953589" y="849100"/>
+                    </a:cubicBezTo>
+                    <a:cubicBezTo>
+                      <a:pt x="992778" y="868694"/>
+                      <a:pt x="1066800" y="463745"/>
+                      <a:pt x="1110343" y="444151"/>
+                    </a:cubicBezTo>
+                    <a:cubicBezTo>
+                      <a:pt x="1153886" y="424557"/>
+                      <a:pt x="1175658" y="714117"/>
+                      <a:pt x="1214846" y="731534"/>
+                    </a:cubicBezTo>
+                    <a:cubicBezTo>
+                      <a:pt x="1254034" y="748951"/>
+                      <a:pt x="1301931" y="568248"/>
+                      <a:pt x="1345474" y="548654"/>
+                    </a:cubicBezTo>
+                    <a:cubicBezTo>
+                      <a:pt x="1389017" y="529060"/>
+                      <a:pt x="1432560" y="571514"/>
+                      <a:pt x="1476103" y="613968"/>
+                    </a:cubicBezTo>
+                  </a:path>
+                </a:pathLst>
+              </a:custGeom>
+              <a:noFill/>
+            </p:spPr>
+            <p:style>
+              <a:lnRef idx="2">
+                <a:schemeClr val="accent1">
+                  <a:shade val="15000"/>
+                </a:schemeClr>
+              </a:lnRef>
+              <a:fillRef idx="1">
+                <a:schemeClr val="accent1"/>
+              </a:fillRef>
+              <a:effectRef idx="0">
+                <a:schemeClr val="accent1"/>
+              </a:effectRef>
+              <a:fontRef idx="minor">
+                <a:schemeClr val="lt1"/>
+              </a:fontRef>
+            </p:style>
+            <p:txBody>
+              <a:bodyPr rtlCol="0" anchor="ctr"/>
+              <a:lstStyle/>
+              <a:p>
+                <a:pPr algn="ctr"/>
+                <a:endParaRPr lang="en-PT"/>
+              </a:p>
+            </p:txBody>
+          </p:sp>
+          <p:sp>
+            <p:nvSpPr>
+              <p:cNvPr id="222" name="Freeform 221">
+                <a:extLst>
+                  <a:ext uri="{FF2B5EF4-FFF2-40B4-BE49-F238E27FC236}">
+                    <a16:creationId xmlns:a16="http://schemas.microsoft.com/office/drawing/2014/main" id="{BB5E7646-78F9-F999-8754-3908447396A3}"/>
+                  </a:ext>
+                </a:extLst>
+              </p:cNvPr>
+              <p:cNvSpPr/>
+              <p:nvPr/>
+            </p:nvSpPr>
+            <p:spPr>
+              <a:xfrm>
+                <a:off x="4990012" y="4323805"/>
+                <a:ext cx="679268" cy="640080"/>
+              </a:xfrm>
+              <a:custGeom>
+                <a:avLst/>
+                <a:gdLst>
+                  <a:gd name="connsiteX0" fmla="*/ 0 w 679268"/>
+                  <a:gd name="connsiteY0" fmla="*/ 0 h 640080"/>
+                  <a:gd name="connsiteX1" fmla="*/ 195942 w 679268"/>
+                  <a:gd name="connsiteY1" fmla="*/ 391886 h 640080"/>
+                  <a:gd name="connsiteX2" fmla="*/ 679268 w 679268"/>
+                  <a:gd name="connsiteY2" fmla="*/ 640080 h 640080"/>
+                </a:gdLst>
+                <a:ahLst/>
+                <a:cxnLst>
+                  <a:cxn ang="0">
+                    <a:pos x="connsiteX0" y="connsiteY0"/>
+                  </a:cxn>
+                  <a:cxn ang="0">
+                    <a:pos x="connsiteX1" y="connsiteY1"/>
+                  </a:cxn>
+                  <a:cxn ang="0">
+                    <a:pos x="connsiteX2" y="connsiteY2"/>
+                  </a:cxn>
+                </a:cxnLst>
+                <a:rect l="l" t="t" r="r" b="b"/>
+                <a:pathLst>
+                  <a:path w="679268" h="640080">
+                    <a:moveTo>
+                      <a:pt x="0" y="0"/>
+                    </a:moveTo>
+                    <a:cubicBezTo>
+                      <a:pt x="41365" y="142603"/>
+                      <a:pt x="82731" y="285206"/>
+                      <a:pt x="195942" y="391886"/>
+                    </a:cubicBezTo>
+                    <a:cubicBezTo>
+                      <a:pt x="309153" y="498566"/>
+                      <a:pt x="494210" y="569323"/>
+                      <a:pt x="679268" y="640080"/>
+                    </a:cubicBezTo>
+                  </a:path>
+                </a:pathLst>
+              </a:custGeom>
+              <a:noFill/>
+              <a:ln w="31750">
+                <a:solidFill>
+                  <a:schemeClr val="accent5">
+                    <a:lumMod val="60000"/>
+                    <a:lumOff val="40000"/>
+                  </a:schemeClr>
+                </a:solidFill>
+                <a:tailEnd type="triangle"/>
+              </a:ln>
+            </p:spPr>
+            <p:style>
+              <a:lnRef idx="2">
+                <a:schemeClr val="accent1">
+                  <a:shade val="15000"/>
+                </a:schemeClr>
+              </a:lnRef>
+              <a:fillRef idx="1">
+                <a:schemeClr val="accent1"/>
+              </a:fillRef>
+              <a:effectRef idx="0">
+                <a:schemeClr val="accent1"/>
+              </a:effectRef>
+              <a:fontRef idx="minor">
+                <a:schemeClr val="lt1"/>
+              </a:fontRef>
+            </p:style>
+            <p:txBody>
+              <a:bodyPr rtlCol="0" anchor="ctr"/>
+              <a:lstStyle/>
+              <a:p>
+                <a:pPr algn="ctr"/>
+                <a:endParaRPr lang="en-PT"/>
+              </a:p>
+            </p:txBody>
+          </p:sp>
+          <p:sp>
+            <p:nvSpPr>
+              <p:cNvPr id="223" name="Freeform 222">
+                <a:extLst>
+                  <a:ext uri="{FF2B5EF4-FFF2-40B4-BE49-F238E27FC236}">
+                    <a16:creationId xmlns:a16="http://schemas.microsoft.com/office/drawing/2014/main" id="{5C9C708B-872A-76BF-3DB7-4DF2BC35A628}"/>
+                  </a:ext>
+                </a:extLst>
+              </p:cNvPr>
+              <p:cNvSpPr/>
+              <p:nvPr/>
+            </p:nvSpPr>
+            <p:spPr>
+              <a:xfrm flipV="1">
+                <a:off x="5040433" y="5201608"/>
+                <a:ext cx="628847" cy="611239"/>
+              </a:xfrm>
+              <a:custGeom>
+                <a:avLst/>
+                <a:gdLst>
+                  <a:gd name="connsiteX0" fmla="*/ 0 w 679268"/>
+                  <a:gd name="connsiteY0" fmla="*/ 0 h 640080"/>
+                  <a:gd name="connsiteX1" fmla="*/ 195942 w 679268"/>
+                  <a:gd name="connsiteY1" fmla="*/ 391886 h 640080"/>
+                  <a:gd name="connsiteX2" fmla="*/ 679268 w 679268"/>
+                  <a:gd name="connsiteY2" fmla="*/ 640080 h 640080"/>
+                </a:gdLst>
+                <a:ahLst/>
+                <a:cxnLst>
+                  <a:cxn ang="0">
+                    <a:pos x="connsiteX0" y="connsiteY0"/>
+                  </a:cxn>
+                  <a:cxn ang="0">
+                    <a:pos x="connsiteX1" y="connsiteY1"/>
+                  </a:cxn>
+                  <a:cxn ang="0">
+                    <a:pos x="connsiteX2" y="connsiteY2"/>
+                  </a:cxn>
+                </a:cxnLst>
+                <a:rect l="l" t="t" r="r" b="b"/>
+                <a:pathLst>
+                  <a:path w="679268" h="640080">
+                    <a:moveTo>
+                      <a:pt x="0" y="0"/>
+                    </a:moveTo>
+                    <a:cubicBezTo>
+                      <a:pt x="41365" y="142603"/>
+                      <a:pt x="82731" y="285206"/>
+                      <a:pt x="195942" y="391886"/>
+                    </a:cubicBezTo>
+                    <a:cubicBezTo>
+                      <a:pt x="309153" y="498566"/>
+                      <a:pt x="494210" y="569323"/>
+                      <a:pt x="679268" y="640080"/>
+                    </a:cubicBezTo>
+                  </a:path>
+                </a:pathLst>
+              </a:custGeom>
+              <a:noFill/>
+              <a:ln w="31750">
+                <a:solidFill>
+                  <a:schemeClr val="accent5">
+                    <a:lumMod val="60000"/>
+                    <a:lumOff val="40000"/>
+                  </a:schemeClr>
+                </a:solidFill>
+                <a:tailEnd type="triangle"/>
+              </a:ln>
+            </p:spPr>
+            <p:style>
+              <a:lnRef idx="2">
+                <a:schemeClr val="accent1">
+                  <a:shade val="15000"/>
+                </a:schemeClr>
+              </a:lnRef>
+              <a:fillRef idx="1">
+                <a:schemeClr val="accent1"/>
+              </a:fillRef>
+              <a:effectRef idx="0">
+                <a:schemeClr val="accent1"/>
+              </a:effectRef>
+              <a:fontRef idx="minor">
+                <a:schemeClr val="lt1"/>
+              </a:fontRef>
+            </p:style>
+            <p:txBody>
+              <a:bodyPr rtlCol="0" anchor="ctr"/>
+              <a:lstStyle/>
+              <a:p>
+                <a:pPr algn="ctr"/>
+                <a:endParaRPr lang="en-PT"/>
+              </a:p>
+            </p:txBody>
+          </p:sp>
+          <p:sp>
+            <p:nvSpPr>
+              <p:cNvPr id="224" name="Freeform 223">
+                <a:extLst>
+                  <a:ext uri="{FF2B5EF4-FFF2-40B4-BE49-F238E27FC236}">
+                    <a16:creationId xmlns:a16="http://schemas.microsoft.com/office/drawing/2014/main" id="{48B121E7-DF66-E31D-49D9-6AB2FFB7962B}"/>
+                  </a:ext>
+                </a:extLst>
+              </p:cNvPr>
+              <p:cNvSpPr/>
+              <p:nvPr/>
+            </p:nvSpPr>
+            <p:spPr>
+              <a:xfrm>
+                <a:off x="4310743" y="3958047"/>
+                <a:ext cx="4358898" cy="993528"/>
+              </a:xfrm>
+              <a:custGeom>
+                <a:avLst/>
+                <a:gdLst>
+                  <a:gd name="connsiteX0" fmla="*/ 0 w 4297680"/>
+                  <a:gd name="connsiteY0" fmla="*/ 0 h 1058091"/>
+                  <a:gd name="connsiteX1" fmla="*/ 1175657 w 4297680"/>
+                  <a:gd name="connsiteY1" fmla="*/ 640080 h 1058091"/>
+                  <a:gd name="connsiteX2" fmla="*/ 4297680 w 4297680"/>
+                  <a:gd name="connsiteY2" fmla="*/ 1058091 h 1058091"/>
+                </a:gdLst>
+                <a:ahLst/>
+                <a:cxnLst>
+                  <a:cxn ang="0">
+                    <a:pos x="connsiteX0" y="connsiteY0"/>
+                  </a:cxn>
+                  <a:cxn ang="0">
+                    <a:pos x="connsiteX1" y="connsiteY1"/>
+                  </a:cxn>
+                  <a:cxn ang="0">
+                    <a:pos x="connsiteX2" y="connsiteY2"/>
+                  </a:cxn>
+                </a:cxnLst>
+                <a:rect l="l" t="t" r="r" b="b"/>
+                <a:pathLst>
+                  <a:path w="4297680" h="1058091">
+                    <a:moveTo>
+                      <a:pt x="0" y="0"/>
+                    </a:moveTo>
+                    <a:cubicBezTo>
+                      <a:pt x="229688" y="231866"/>
+                      <a:pt x="459377" y="463732"/>
+                      <a:pt x="1175657" y="640080"/>
+                    </a:cubicBezTo>
+                    <a:cubicBezTo>
+                      <a:pt x="1891937" y="816429"/>
+                      <a:pt x="3094808" y="937260"/>
+                      <a:pt x="4297680" y="1058091"/>
+                    </a:cubicBezTo>
+                  </a:path>
+                </a:pathLst>
+              </a:custGeom>
+              <a:noFill/>
+              <a:ln w="31750">
+                <a:solidFill>
+                  <a:schemeClr val="tx2">
+                    <a:lumMod val="50000"/>
+                    <a:lumOff val="50000"/>
+                  </a:schemeClr>
+                </a:solidFill>
+                <a:tailEnd type="triangle"/>
+              </a:ln>
+            </p:spPr>
+            <p:style>
+              <a:lnRef idx="2">
+                <a:schemeClr val="accent1">
+                  <a:shade val="15000"/>
+                </a:schemeClr>
+              </a:lnRef>
+              <a:fillRef idx="1">
+                <a:schemeClr val="accent1"/>
+              </a:fillRef>
+              <a:effectRef idx="0">
+                <a:schemeClr val="accent1"/>
+              </a:effectRef>
+              <a:fontRef idx="minor">
+                <a:schemeClr val="lt1"/>
+              </a:fontRef>
+            </p:style>
+            <p:txBody>
+              <a:bodyPr rtlCol="0" anchor="ctr"/>
+              <a:lstStyle/>
+              <a:p>
+                <a:pPr algn="ctr"/>
+                <a:endParaRPr lang="en-PT"/>
+              </a:p>
+            </p:txBody>
+          </p:sp>
+          <p:sp>
+            <p:nvSpPr>
+              <p:cNvPr id="225" name="Freeform 224">
+                <a:extLst>
+                  <a:ext uri="{FF2B5EF4-FFF2-40B4-BE49-F238E27FC236}">
+                    <a16:creationId xmlns:a16="http://schemas.microsoft.com/office/drawing/2014/main" id="{EB1765D5-9118-DAE0-9140-A27E5DFAB514}"/>
+                  </a:ext>
+                </a:extLst>
+              </p:cNvPr>
+              <p:cNvSpPr/>
+              <p:nvPr/>
+            </p:nvSpPr>
+            <p:spPr>
+              <a:xfrm flipV="1">
+                <a:off x="4281206" y="5157435"/>
+                <a:ext cx="4358898" cy="993528"/>
+              </a:xfrm>
+              <a:custGeom>
+                <a:avLst/>
+                <a:gdLst>
+                  <a:gd name="connsiteX0" fmla="*/ 0 w 4297680"/>
+                  <a:gd name="connsiteY0" fmla="*/ 0 h 1058091"/>
+                  <a:gd name="connsiteX1" fmla="*/ 1175657 w 4297680"/>
+                  <a:gd name="connsiteY1" fmla="*/ 640080 h 1058091"/>
+                  <a:gd name="connsiteX2" fmla="*/ 4297680 w 4297680"/>
+                  <a:gd name="connsiteY2" fmla="*/ 1058091 h 1058091"/>
+                </a:gdLst>
+                <a:ahLst/>
+                <a:cxnLst>
+                  <a:cxn ang="0">
+                    <a:pos x="connsiteX0" y="connsiteY0"/>
+                  </a:cxn>
+                  <a:cxn ang="0">
+                    <a:pos x="connsiteX1" y="connsiteY1"/>
+                  </a:cxn>
+                  <a:cxn ang="0">
+                    <a:pos x="connsiteX2" y="connsiteY2"/>
+                  </a:cxn>
+                </a:cxnLst>
+                <a:rect l="l" t="t" r="r" b="b"/>
+                <a:pathLst>
+                  <a:path w="4297680" h="1058091">
+                    <a:moveTo>
+                      <a:pt x="0" y="0"/>
+                    </a:moveTo>
+                    <a:cubicBezTo>
+                      <a:pt x="229688" y="231866"/>
+                      <a:pt x="459377" y="463732"/>
+                      <a:pt x="1175657" y="640080"/>
+                    </a:cubicBezTo>
+                    <a:cubicBezTo>
+                      <a:pt x="1891937" y="816429"/>
+                      <a:pt x="3094808" y="937260"/>
+                      <a:pt x="4297680" y="1058091"/>
+                    </a:cubicBezTo>
+                  </a:path>
+                </a:pathLst>
+              </a:custGeom>
+              <a:noFill/>
+              <a:ln w="31750">
+                <a:solidFill>
+                  <a:schemeClr val="tx2">
+                    <a:lumMod val="50000"/>
+                    <a:lumOff val="50000"/>
+                  </a:schemeClr>
+                </a:solidFill>
+                <a:tailEnd type="triangle"/>
+              </a:ln>
+            </p:spPr>
+            <p:style>
+              <a:lnRef idx="2">
+                <a:schemeClr val="accent1">
+                  <a:shade val="15000"/>
+                </a:schemeClr>
+              </a:lnRef>
+              <a:fillRef idx="1">
+                <a:schemeClr val="accent1"/>
+              </a:fillRef>
+              <a:effectRef idx="0">
+                <a:schemeClr val="accent1"/>
+              </a:effectRef>
+              <a:fontRef idx="minor">
+                <a:schemeClr val="lt1"/>
+              </a:fontRef>
+            </p:style>
+            <p:txBody>
+              <a:bodyPr rtlCol="0" anchor="ctr"/>
+              <a:lstStyle/>
+              <a:p>
+                <a:pPr algn="ctr"/>
+                <a:endParaRPr lang="en-PT"/>
+              </a:p>
+            </p:txBody>
+          </p:sp>
+          <p:sp>
+            <p:nvSpPr>
+              <p:cNvPr id="226" name="TextBox 225">
+                <a:extLst>
+                  <a:ext uri="{FF2B5EF4-FFF2-40B4-BE49-F238E27FC236}">
+                    <a16:creationId xmlns:a16="http://schemas.microsoft.com/office/drawing/2014/main" id="{3ABE7671-2A8C-5BA4-9DBE-093ACCF2A69D}"/>
+                  </a:ext>
+                </a:extLst>
+              </p:cNvPr>
+              <p:cNvSpPr txBox="1"/>
+              <p:nvPr/>
+            </p:nvSpPr>
+            <p:spPr>
+              <a:xfrm>
+                <a:off x="6361612" y="4148991"/>
+                <a:ext cx="65" cy="369332"/>
+              </a:xfrm>
+              <a:prstGeom prst="rect">
+                <a:avLst/>
+              </a:prstGeom>
+              <a:noFill/>
+            </p:spPr>
+            <p:txBody>
+              <a:bodyPr wrap="none" lIns="0" tIns="0" rIns="0" bIns="0" rtlCol="0">
+                <a:spAutoFit/>
+              </a:bodyPr>
+              <a:lstStyle/>
+              <a:p>
+                <a:endParaRPr lang="en-PT" sz="2400" dirty="0">
+                  <a:solidFill>
+                    <a:schemeClr val="accent5">
+                      <a:lumMod val="60000"/>
+                      <a:lumOff val="40000"/>
+                    </a:schemeClr>
+                  </a:solidFill>
+                </a:endParaRPr>
+              </a:p>
+            </p:txBody>
+          </p:sp>
+          <p:sp>
+            <p:nvSpPr>
+              <p:cNvPr id="227" name="TextBox 226">
+                <a:extLst>
+                  <a:ext uri="{FF2B5EF4-FFF2-40B4-BE49-F238E27FC236}">
+                    <a16:creationId xmlns:a16="http://schemas.microsoft.com/office/drawing/2014/main" id="{0FDFC3D0-E8CB-1120-5492-0EABD5CDFA49}"/>
+                  </a:ext>
+                </a:extLst>
+              </p:cNvPr>
+              <p:cNvSpPr txBox="1"/>
+              <p:nvPr/>
+            </p:nvSpPr>
+            <p:spPr>
+              <a:xfrm>
+                <a:off x="5655803" y="4215296"/>
+                <a:ext cx="65" cy="369332"/>
+              </a:xfrm>
+              <a:prstGeom prst="rect">
+                <a:avLst/>
+              </a:prstGeom>
+              <a:noFill/>
+            </p:spPr>
+            <p:txBody>
+              <a:bodyPr wrap="none" lIns="0" tIns="0" rIns="0" bIns="0" rtlCol="0">
+                <a:spAutoFit/>
+              </a:bodyPr>
+              <a:lstStyle/>
+              <a:p>
+                <a:endParaRPr lang="en-PT" sz="2400" dirty="0">
+                  <a:solidFill>
+                    <a:schemeClr val="tx2">
+                      <a:lumMod val="50000"/>
+                      <a:lumOff val="50000"/>
+                    </a:schemeClr>
+                  </a:solidFill>
+                </a:endParaRPr>
+              </a:p>
+            </p:txBody>
+          </p:sp>
+        </p:grpSp>
+        <p:sp>
+          <p:nvSpPr>
+            <p:cNvPr id="257" name="TextBox 256">
+              <a:extLst>
+                <a:ext uri="{FF2B5EF4-FFF2-40B4-BE49-F238E27FC236}">
+                  <a16:creationId xmlns:a16="http://schemas.microsoft.com/office/drawing/2014/main" id="{4D734AF4-F696-8FCA-F74C-5614DBA07039}"/>
+                </a:ext>
+              </a:extLst>
+            </p:cNvPr>
+            <p:cNvSpPr txBox="1"/>
+            <p:nvPr/>
+          </p:nvSpPr>
+          <p:spPr>
+            <a:xfrm>
+              <a:off x="8070501" y="3898966"/>
+              <a:ext cx="933700" cy="461665"/>
+            </a:xfrm>
+            <a:prstGeom prst="rect">
+              <a:avLst/>
+            </a:prstGeom>
+            <a:noFill/>
+          </p:spPr>
+          <p:txBody>
+            <a:bodyPr wrap="square" rtlCol="0">
+              <a:spAutoFit/>
+            </a:bodyPr>
+            <a:lstStyle/>
+            <a:p>
+              <a:r>
+                <a:rPr lang="en-PT" sz="2400" dirty="0">
+                  <a:solidFill>
+                    <a:schemeClr val="tx2">
+                      <a:lumMod val="50000"/>
+                      <a:lumOff val="50000"/>
+                    </a:schemeClr>
+                  </a:solidFill>
+                </a:rPr>
+                <a:t>DR</a:t>
+              </a:r>
+              <a:r>
+                <a:rPr lang="en-PT" sz="2400" baseline="-25000" dirty="0">
+                  <a:solidFill>
+                    <a:schemeClr val="tx2">
+                      <a:lumMod val="50000"/>
+                      <a:lumOff val="50000"/>
+                    </a:schemeClr>
+                  </a:solidFill>
+                </a:rPr>
+                <a:t>P</a:t>
+              </a:r>
+            </a:p>
+          </p:txBody>
+        </p:sp>
+        <p:sp>
+          <p:nvSpPr>
+            <p:cNvPr id="258" name="TextBox 257">
+              <a:extLst>
+                <a:ext uri="{FF2B5EF4-FFF2-40B4-BE49-F238E27FC236}">
+                  <a16:creationId xmlns:a16="http://schemas.microsoft.com/office/drawing/2014/main" id="{035264BD-247F-D0F4-50E7-AA24E1E41D96}"/>
+                </a:ext>
+              </a:extLst>
+            </p:cNvPr>
+            <p:cNvSpPr txBox="1"/>
+            <p:nvPr/>
+          </p:nvSpPr>
+          <p:spPr>
+            <a:xfrm>
+              <a:off x="8435245" y="4414199"/>
+              <a:ext cx="679268" cy="461665"/>
+            </a:xfrm>
+            <a:prstGeom prst="rect">
+              <a:avLst/>
+            </a:prstGeom>
+            <a:noFill/>
+          </p:spPr>
+          <p:txBody>
+            <a:bodyPr wrap="square" rtlCol="0">
+              <a:spAutoFit/>
+            </a:bodyPr>
+            <a:lstStyle/>
+            <a:p>
+              <a:r>
+                <a:rPr lang="en-PT" sz="2400" dirty="0">
+                  <a:solidFill>
+                    <a:schemeClr val="accent5">
+                      <a:lumMod val="60000"/>
+                      <a:lumOff val="40000"/>
+                    </a:schemeClr>
+                  </a:solidFill>
+                </a:rPr>
+                <a:t>DR</a:t>
+              </a:r>
+              <a:r>
+                <a:rPr lang="en-PT" sz="2400" baseline="-25000" dirty="0">
+                  <a:solidFill>
+                    <a:schemeClr val="accent5">
+                      <a:lumMod val="60000"/>
+                      <a:lumOff val="40000"/>
+                    </a:schemeClr>
+                  </a:solidFill>
+                </a:rPr>
+                <a:t>I</a:t>
+              </a:r>
+            </a:p>
+          </p:txBody>
+        </p:sp>
+      </p:grpSp>
+      <p:grpSp>
+        <p:nvGrpSpPr>
+          <p:cNvPr id="267" name="Group 266">
+            <a:extLst>
+              <a:ext uri="{FF2B5EF4-FFF2-40B4-BE49-F238E27FC236}">
+                <a16:creationId xmlns:a16="http://schemas.microsoft.com/office/drawing/2014/main" id="{00C20B2A-E690-A8FC-9872-91E171090BD8}"/>
+              </a:ext>
+            </a:extLst>
+          </p:cNvPr>
+          <p:cNvGrpSpPr/>
+          <p:nvPr/>
+        </p:nvGrpSpPr>
+        <p:grpSpPr>
+          <a:xfrm>
+            <a:off x="6892112" y="200735"/>
+            <a:ext cx="5224093" cy="2774902"/>
+            <a:chOff x="7215245" y="258743"/>
+            <a:chExt cx="5224093" cy="2774902"/>
           </a:xfrm>
         </p:grpSpPr>
         <p:sp>
@@ -11043,7 +12505,7 @@
           </p:nvSpPr>
           <p:spPr>
             <a:xfrm>
-              <a:off x="11257961" y="2138535"/>
+              <a:off x="11688477" y="1471672"/>
               <a:ext cx="750861" cy="461665"/>
             </a:xfrm>
             <a:prstGeom prst="rect">
@@ -11068,12 +12530,201 @@
             </a:p>
           </p:txBody>
         </p:sp>
+        <p:sp>
+          <p:nvSpPr>
+            <p:cNvPr id="244" name="Freeform 243">
+              <a:extLst>
+                <a:ext uri="{FF2B5EF4-FFF2-40B4-BE49-F238E27FC236}">
+                  <a16:creationId xmlns:a16="http://schemas.microsoft.com/office/drawing/2014/main" id="{A88EAC6F-E232-BCC8-EA70-FA1619A0404F}"/>
+                </a:ext>
+              </a:extLst>
+            </p:cNvPr>
+            <p:cNvSpPr/>
+            <p:nvPr/>
+          </p:nvSpPr>
+          <p:spPr>
+            <a:xfrm>
+              <a:off x="7380979" y="638680"/>
+              <a:ext cx="4200740" cy="2000680"/>
+            </a:xfrm>
+            <a:custGeom>
+              <a:avLst/>
+              <a:gdLst>
+                <a:gd name="connsiteX0" fmla="*/ 0 w 4200740"/>
+                <a:gd name="connsiteY0" fmla="*/ 0 h 2000680"/>
+                <a:gd name="connsiteX1" fmla="*/ 4180114 w 4200740"/>
+                <a:gd name="connsiteY1" fmla="*/ 1251285 h 2000680"/>
+                <a:gd name="connsiteX2" fmla="*/ 4200740 w 4200740"/>
+                <a:gd name="connsiteY2" fmla="*/ 2000680 h 2000680"/>
+                <a:gd name="connsiteX3" fmla="*/ 0 w 4200740"/>
+                <a:gd name="connsiteY3" fmla="*/ 735645 h 2000680"/>
+                <a:gd name="connsiteX4" fmla="*/ 0 w 4200740"/>
+                <a:gd name="connsiteY4" fmla="*/ 0 h 2000680"/>
+              </a:gdLst>
+              <a:ahLst/>
+              <a:cxnLst>
+                <a:cxn ang="0">
+                  <a:pos x="connsiteX0" y="connsiteY0"/>
+                </a:cxn>
+                <a:cxn ang="0">
+                  <a:pos x="connsiteX1" y="connsiteY1"/>
+                </a:cxn>
+                <a:cxn ang="0">
+                  <a:pos x="connsiteX2" y="connsiteY2"/>
+                </a:cxn>
+                <a:cxn ang="0">
+                  <a:pos x="connsiteX3" y="connsiteY3"/>
+                </a:cxn>
+                <a:cxn ang="0">
+                  <a:pos x="connsiteX4" y="connsiteY4"/>
+                </a:cxn>
+              </a:cxnLst>
+              <a:rect l="l" t="t" r="r" b="b"/>
+              <a:pathLst>
+                <a:path w="4200740" h="2000680">
+                  <a:moveTo>
+                    <a:pt x="0" y="0"/>
+                  </a:moveTo>
+                  <a:lnTo>
+                    <a:pt x="4180114" y="1251285"/>
+                  </a:lnTo>
+                  <a:lnTo>
+                    <a:pt x="4200740" y="2000680"/>
+                  </a:lnTo>
+                  <a:lnTo>
+                    <a:pt x="0" y="735645"/>
+                  </a:lnTo>
+                  <a:lnTo>
+                    <a:pt x="0" y="0"/>
+                  </a:lnTo>
+                  <a:close/>
+                </a:path>
+              </a:pathLst>
+            </a:custGeom>
+            <a:solidFill>
+              <a:schemeClr val="bg2"/>
+            </a:solidFill>
+            <a:ln>
+              <a:noFill/>
+            </a:ln>
+          </p:spPr>
+          <p:style>
+            <a:lnRef idx="2">
+              <a:schemeClr val="accent1">
+                <a:shade val="15000"/>
+              </a:schemeClr>
+            </a:lnRef>
+            <a:fillRef idx="1">
+              <a:schemeClr val="accent1"/>
+            </a:fillRef>
+            <a:effectRef idx="0">
+              <a:schemeClr val="accent1"/>
+            </a:effectRef>
+            <a:fontRef idx="minor">
+              <a:schemeClr val="lt1"/>
+            </a:fontRef>
+          </p:style>
+          <p:txBody>
+            <a:bodyPr rtlCol="0" anchor="ctr"/>
+            <a:lstStyle/>
+            <a:p>
+              <a:pPr algn="ctr"/>
+              <a:endParaRPr lang="en-PT"/>
+            </a:p>
+          </p:txBody>
+        </p:sp>
+        <p:cxnSp>
+          <p:nvCxnSpPr>
+            <p:cNvPr id="232" name="Straight Arrow Connector 231">
+              <a:extLst>
+                <a:ext uri="{FF2B5EF4-FFF2-40B4-BE49-F238E27FC236}">
+                  <a16:creationId xmlns:a16="http://schemas.microsoft.com/office/drawing/2014/main" id="{8CE37266-FDBB-43FF-41A5-E5F07F859EF1}"/>
+                </a:ext>
+              </a:extLst>
+            </p:cNvPr>
+            <p:cNvCxnSpPr/>
+            <p:nvPr/>
+          </p:nvCxnSpPr>
+          <p:spPr>
+            <a:xfrm flipV="1">
+              <a:off x="7371334" y="480083"/>
+              <a:ext cx="0" cy="2419815"/>
+            </a:xfrm>
+            <a:prstGeom prst="straightConnector1">
+              <a:avLst/>
+            </a:prstGeom>
+            <a:ln w="25400">
+              <a:solidFill>
+                <a:schemeClr val="tx1"/>
+              </a:solidFill>
+              <a:tailEnd type="triangle"/>
+            </a:ln>
+          </p:spPr>
+          <p:style>
+            <a:lnRef idx="2">
+              <a:schemeClr val="accent1"/>
+            </a:lnRef>
+            <a:fillRef idx="0">
+              <a:schemeClr val="accent1"/>
+            </a:fillRef>
+            <a:effectRef idx="1">
+              <a:schemeClr val="accent1"/>
+            </a:effectRef>
+            <a:fontRef idx="minor">
+              <a:schemeClr val="tx1"/>
+            </a:fontRef>
+          </p:style>
+        </p:cxnSp>
+        <p:cxnSp>
+          <p:nvCxnSpPr>
+            <p:cNvPr id="233" name="Straight Arrow Connector 232">
+              <a:extLst>
+                <a:ext uri="{FF2B5EF4-FFF2-40B4-BE49-F238E27FC236}">
+                  <a16:creationId xmlns:a16="http://schemas.microsoft.com/office/drawing/2014/main" id="{C9697835-1438-42F0-514B-6BCB9B17A9FA}"/>
+                </a:ext>
+              </a:extLst>
+            </p:cNvPr>
+            <p:cNvCxnSpPr>
+              <a:cxnSpLocks/>
+            </p:cNvCxnSpPr>
+            <p:nvPr/>
+          </p:nvCxnSpPr>
+          <p:spPr>
+            <a:xfrm>
+              <a:off x="7215245" y="2762137"/>
+              <a:ext cx="4473232" cy="0"/>
+            </a:xfrm>
+            <a:prstGeom prst="straightConnector1">
+              <a:avLst/>
+            </a:prstGeom>
+            <a:ln w="25400">
+              <a:solidFill>
+                <a:schemeClr val="tx1"/>
+              </a:solidFill>
+              <a:tailEnd type="triangle"/>
+            </a:ln>
+          </p:spPr>
+          <p:style>
+            <a:lnRef idx="2">
+              <a:schemeClr val="accent1"/>
+            </a:lnRef>
+            <a:fillRef idx="0">
+              <a:schemeClr val="accent1"/>
+            </a:fillRef>
+            <a:effectRef idx="1">
+              <a:schemeClr val="accent1"/>
+            </a:effectRef>
+            <a:fontRef idx="minor">
+              <a:schemeClr val="tx1"/>
+            </a:fontRef>
+          </p:style>
+        </p:cxnSp>
         <p:grpSp>
           <p:nvGrpSpPr>
-            <p:cNvPr id="264" name="Group 263">
+            <p:cNvPr id="242" name="Group 241">
               <a:extLst>
                 <a:ext uri="{FF2B5EF4-FFF2-40B4-BE49-F238E27FC236}">
-                  <a16:creationId xmlns:a16="http://schemas.microsoft.com/office/drawing/2014/main" id="{A701855A-FED5-0040-0E36-F21A4EC69771}"/>
+                  <a16:creationId xmlns:a16="http://schemas.microsoft.com/office/drawing/2014/main" id="{C399EDD9-1D82-8032-1869-C52BAC4AE0AD}"/>
                 </a:ext>
               </a:extLst>
             </p:cNvPr>
@@ -11082,18 +12733,492 @@
           </p:nvGrpSpPr>
           <p:grpSpPr>
             <a:xfrm>
-              <a:off x="6633693" y="925606"/>
-              <a:ext cx="5002048" cy="5300483"/>
-              <a:chOff x="6633693" y="925606"/>
-              <a:chExt cx="5002048" cy="5300483"/>
+              <a:off x="7371334" y="624983"/>
+              <a:ext cx="4196874" cy="1991231"/>
+              <a:chOff x="6940818" y="1291846"/>
+              <a:chExt cx="4196874" cy="1991231"/>
+            </a:xfrm>
+          </p:grpSpPr>
+          <p:cxnSp>
+            <p:nvCxnSpPr>
+              <p:cNvPr id="237" name="Straight Connector 236">
+                <a:extLst>
+                  <a:ext uri="{FF2B5EF4-FFF2-40B4-BE49-F238E27FC236}">
+                    <a16:creationId xmlns:a16="http://schemas.microsoft.com/office/drawing/2014/main" id="{118DC9A1-CF20-0167-9501-20426CBB005D}"/>
+                  </a:ext>
+                </a:extLst>
+              </p:cNvPr>
+              <p:cNvCxnSpPr>
+                <a:cxnSpLocks/>
+              </p:cNvCxnSpPr>
+              <p:nvPr/>
+            </p:nvCxnSpPr>
+            <p:spPr>
+              <a:xfrm>
+                <a:off x="6940818" y="1291846"/>
+                <a:ext cx="4196874" cy="1255148"/>
+              </a:xfrm>
+              <a:prstGeom prst="line">
+                <a:avLst/>
+              </a:prstGeom>
+              <a:ln w="31750">
+                <a:solidFill>
+                  <a:schemeClr val="bg2">
+                    <a:lumMod val="25000"/>
+                  </a:schemeClr>
+                </a:solidFill>
+              </a:ln>
+            </p:spPr>
+            <p:style>
+              <a:lnRef idx="2">
+                <a:schemeClr val="accent1"/>
+              </a:lnRef>
+              <a:fillRef idx="0">
+                <a:schemeClr val="accent1"/>
+              </a:fillRef>
+              <a:effectRef idx="1">
+                <a:schemeClr val="accent1"/>
+              </a:effectRef>
+              <a:fontRef idx="minor">
+                <a:schemeClr val="tx1"/>
+              </a:fontRef>
+            </p:style>
+          </p:cxnSp>
+          <p:cxnSp>
+            <p:nvCxnSpPr>
+              <p:cNvPr id="241" name="Straight Connector 240">
+                <a:extLst>
+                  <a:ext uri="{FF2B5EF4-FFF2-40B4-BE49-F238E27FC236}">
+                    <a16:creationId xmlns:a16="http://schemas.microsoft.com/office/drawing/2014/main" id="{032EE2D0-2AE2-A453-DE88-0664A62AB300}"/>
+                  </a:ext>
+                </a:extLst>
+              </p:cNvPr>
+              <p:cNvCxnSpPr>
+                <a:cxnSpLocks/>
+              </p:cNvCxnSpPr>
+              <p:nvPr/>
+            </p:nvCxnSpPr>
+            <p:spPr>
+              <a:xfrm>
+                <a:off x="6940818" y="2027929"/>
+                <a:ext cx="4196874" cy="1255148"/>
+              </a:xfrm>
+              <a:prstGeom prst="line">
+                <a:avLst/>
+              </a:prstGeom>
+              <a:ln w="31750">
+                <a:solidFill>
+                  <a:schemeClr val="bg2">
+                    <a:lumMod val="25000"/>
+                  </a:schemeClr>
+                </a:solidFill>
+              </a:ln>
+            </p:spPr>
+            <p:style>
+              <a:lnRef idx="2">
+                <a:schemeClr val="accent1"/>
+              </a:lnRef>
+              <a:fillRef idx="0">
+                <a:schemeClr val="accent1"/>
+              </a:fillRef>
+              <a:effectRef idx="1">
+                <a:schemeClr val="accent1"/>
+              </a:effectRef>
+              <a:fontRef idx="minor">
+                <a:schemeClr val="tx1"/>
+              </a:fontRef>
+            </p:style>
+          </p:cxnSp>
+        </p:grpSp>
+        <p:cxnSp>
+          <p:nvCxnSpPr>
+            <p:cNvPr id="247" name="Straight Arrow Connector 246">
+              <a:extLst>
+                <a:ext uri="{FF2B5EF4-FFF2-40B4-BE49-F238E27FC236}">
+                  <a16:creationId xmlns:a16="http://schemas.microsoft.com/office/drawing/2014/main" id="{EA4A79A6-BCDE-8426-1D40-1007830DC68A}"/>
+                </a:ext>
+              </a:extLst>
+            </p:cNvPr>
+            <p:cNvCxnSpPr>
+              <a:cxnSpLocks/>
+            </p:cNvCxnSpPr>
+            <p:nvPr/>
+          </p:nvCxnSpPr>
+          <p:spPr>
+            <a:xfrm>
+              <a:off x="11460466" y="564187"/>
+              <a:ext cx="0" cy="1207394"/>
+            </a:xfrm>
+            <a:prstGeom prst="straightConnector1">
+              <a:avLst/>
+            </a:prstGeom>
+            <a:ln w="25400">
+              <a:solidFill>
+                <a:schemeClr val="tx1"/>
+              </a:solidFill>
+              <a:headEnd type="triangle"/>
+              <a:tailEnd type="triangle"/>
+            </a:ln>
+          </p:spPr>
+          <p:style>
+            <a:lnRef idx="2">
+              <a:schemeClr val="accent1"/>
+            </a:lnRef>
+            <a:fillRef idx="0">
+              <a:schemeClr val="accent1"/>
+            </a:fillRef>
+            <a:effectRef idx="1">
+              <a:schemeClr val="accent1"/>
+            </a:effectRef>
+            <a:fontRef idx="minor">
+              <a:schemeClr val="tx1"/>
+            </a:fontRef>
+          </p:style>
+        </p:cxnSp>
+        <p:cxnSp>
+          <p:nvCxnSpPr>
+            <p:cNvPr id="250" name="Straight Arrow Connector 249">
+              <a:extLst>
+                <a:ext uri="{FF2B5EF4-FFF2-40B4-BE49-F238E27FC236}">
+                  <a16:creationId xmlns:a16="http://schemas.microsoft.com/office/drawing/2014/main" id="{7B150BDC-A92D-2E02-6ACC-9300EAE8A63B}"/>
+                </a:ext>
+              </a:extLst>
+            </p:cNvPr>
+            <p:cNvCxnSpPr>
+              <a:cxnSpLocks/>
+            </p:cNvCxnSpPr>
+            <p:nvPr/>
+          </p:nvCxnSpPr>
+          <p:spPr>
+            <a:xfrm flipH="1">
+              <a:off x="11452846" y="1880131"/>
+              <a:ext cx="394" cy="685692"/>
+            </a:xfrm>
+            <a:prstGeom prst="straightConnector1">
+              <a:avLst/>
+            </a:prstGeom>
+            <a:ln w="25400">
+              <a:solidFill>
+                <a:schemeClr val="tx1"/>
+              </a:solidFill>
+              <a:headEnd type="triangle"/>
+              <a:tailEnd type="triangle"/>
+            </a:ln>
+          </p:spPr>
+          <p:style>
+            <a:lnRef idx="2">
+              <a:schemeClr val="accent1"/>
+            </a:lnRef>
+            <a:fillRef idx="0">
+              <a:schemeClr val="accent1"/>
+            </a:fillRef>
+            <a:effectRef idx="1">
+              <a:schemeClr val="accent1"/>
+            </a:effectRef>
+            <a:fontRef idx="minor">
+              <a:schemeClr val="tx1"/>
+            </a:fontRef>
+          </p:style>
+        </p:cxnSp>
+        <p:cxnSp>
+          <p:nvCxnSpPr>
+            <p:cNvPr id="254" name="Straight Arrow Connector 253">
+              <a:extLst>
+                <a:ext uri="{FF2B5EF4-FFF2-40B4-BE49-F238E27FC236}">
+                  <a16:creationId xmlns:a16="http://schemas.microsoft.com/office/drawing/2014/main" id="{CBE26EBC-6126-26A2-DF48-191B6921DA67}"/>
+                </a:ext>
+              </a:extLst>
+            </p:cNvPr>
+            <p:cNvCxnSpPr>
+              <a:cxnSpLocks/>
+            </p:cNvCxnSpPr>
+            <p:nvPr/>
+          </p:nvCxnSpPr>
+          <p:spPr>
+            <a:xfrm>
+              <a:off x="11688477" y="564187"/>
+              <a:ext cx="0" cy="2052027"/>
+            </a:xfrm>
+            <a:prstGeom prst="straightConnector1">
+              <a:avLst/>
+            </a:prstGeom>
+            <a:ln w="25400">
+              <a:solidFill>
+                <a:schemeClr val="tx1"/>
+              </a:solidFill>
+              <a:headEnd type="triangle"/>
+              <a:tailEnd type="triangle"/>
+            </a:ln>
+          </p:spPr>
+          <p:style>
+            <a:lnRef idx="2">
+              <a:schemeClr val="accent1"/>
+            </a:lnRef>
+            <a:fillRef idx="0">
+              <a:schemeClr val="accent1"/>
+            </a:fillRef>
+            <a:effectRef idx="1">
+              <a:schemeClr val="accent1"/>
+            </a:effectRef>
+            <a:fontRef idx="minor">
+              <a:schemeClr val="tx1"/>
+            </a:fontRef>
+          </p:style>
+        </p:cxnSp>
+        <p:sp>
+          <p:nvSpPr>
+            <p:cNvPr id="259" name="TextBox 258">
+              <a:extLst>
+                <a:ext uri="{FF2B5EF4-FFF2-40B4-BE49-F238E27FC236}">
+                  <a16:creationId xmlns:a16="http://schemas.microsoft.com/office/drawing/2014/main" id="{35B0D096-F3D2-47C0-F335-33CBB2DCC7AE}"/>
+                </a:ext>
+              </a:extLst>
+            </p:cNvPr>
+            <p:cNvSpPr txBox="1"/>
+            <p:nvPr/>
+          </p:nvSpPr>
+          <p:spPr>
+            <a:xfrm>
+              <a:off x="10677156" y="1880131"/>
+              <a:ext cx="679268" cy="461665"/>
+            </a:xfrm>
+            <a:prstGeom prst="rect">
+              <a:avLst/>
+            </a:prstGeom>
+            <a:noFill/>
+          </p:spPr>
+          <p:txBody>
+            <a:bodyPr wrap="square" rtlCol="0">
+              <a:spAutoFit/>
+            </a:bodyPr>
+            <a:lstStyle/>
+            <a:p>
+              <a:r>
+                <a:rPr lang="en-PT" sz="2400" dirty="0">
+                  <a:solidFill>
+                    <a:schemeClr val="accent5">
+                      <a:lumMod val="60000"/>
+                      <a:lumOff val="40000"/>
+                    </a:schemeClr>
+                  </a:solidFill>
+                </a:rPr>
+                <a:t>DR</a:t>
+              </a:r>
+              <a:r>
+                <a:rPr lang="en-PT" sz="2400" baseline="-25000" dirty="0">
+                  <a:solidFill>
+                    <a:schemeClr val="accent5">
+                      <a:lumMod val="60000"/>
+                      <a:lumOff val="40000"/>
+                    </a:schemeClr>
+                  </a:solidFill>
+                </a:rPr>
+                <a:t>I</a:t>
+              </a:r>
+            </a:p>
+          </p:txBody>
+        </p:sp>
+        <p:sp>
+          <p:nvSpPr>
+            <p:cNvPr id="260" name="TextBox 259">
+              <a:extLst>
+                <a:ext uri="{FF2B5EF4-FFF2-40B4-BE49-F238E27FC236}">
+                  <a16:creationId xmlns:a16="http://schemas.microsoft.com/office/drawing/2014/main" id="{B314E928-2201-A154-E027-0496F0DC558B}"/>
+                </a:ext>
+              </a:extLst>
+            </p:cNvPr>
+            <p:cNvSpPr txBox="1"/>
+            <p:nvPr/>
+          </p:nvSpPr>
+          <p:spPr>
+            <a:xfrm>
+              <a:off x="10657663" y="917781"/>
+              <a:ext cx="933700" cy="461665"/>
+            </a:xfrm>
+            <a:prstGeom prst="rect">
+              <a:avLst/>
+            </a:prstGeom>
+            <a:noFill/>
+          </p:spPr>
+          <p:txBody>
+            <a:bodyPr wrap="square" rtlCol="0">
+              <a:spAutoFit/>
+            </a:bodyPr>
+            <a:lstStyle/>
+            <a:p>
+              <a:r>
+                <a:rPr lang="en-PT" sz="2400" dirty="0">
+                  <a:solidFill>
+                    <a:schemeClr val="tx2">
+                      <a:lumMod val="50000"/>
+                      <a:lumOff val="50000"/>
+                    </a:schemeClr>
+                  </a:solidFill>
+                </a:rPr>
+                <a:t>DR</a:t>
+              </a:r>
+              <a:r>
+                <a:rPr lang="en-PT" sz="2400" baseline="-25000" dirty="0">
+                  <a:solidFill>
+                    <a:schemeClr val="tx2">
+                      <a:lumMod val="50000"/>
+                      <a:lumOff val="50000"/>
+                    </a:schemeClr>
+                  </a:solidFill>
+                </a:rPr>
+                <a:t>P</a:t>
+              </a:r>
+            </a:p>
+          </p:txBody>
+        </p:sp>
+        <p:sp>
+          <p:nvSpPr>
+            <p:cNvPr id="262" name="TextBox 261">
+              <a:extLst>
+                <a:ext uri="{FF2B5EF4-FFF2-40B4-BE49-F238E27FC236}">
+                  <a16:creationId xmlns:a16="http://schemas.microsoft.com/office/drawing/2014/main" id="{0C0E2AF1-6C71-2084-DE48-5E2575D9846E}"/>
+                </a:ext>
+              </a:extLst>
+            </p:cNvPr>
+            <p:cNvSpPr txBox="1"/>
+            <p:nvPr/>
+          </p:nvSpPr>
+          <p:spPr>
+            <a:xfrm>
+              <a:off x="11665323" y="2571980"/>
+              <a:ext cx="400934" cy="461665"/>
+            </a:xfrm>
+            <a:prstGeom prst="rect">
+              <a:avLst/>
+            </a:prstGeom>
+            <a:noFill/>
+          </p:spPr>
+          <p:txBody>
+            <a:bodyPr wrap="square" rtlCol="0">
+              <a:spAutoFit/>
+            </a:bodyPr>
+            <a:lstStyle/>
+            <a:p>
+              <a:r>
+                <a:rPr lang="en-PT" sz="2400" dirty="0"/>
+                <a:t>t</a:t>
+              </a:r>
+              <a:endParaRPr lang="en-PT" sz="2400" baseline="-25000" dirty="0"/>
+            </a:p>
+          </p:txBody>
+        </p:sp>
+        <p:sp>
+          <p:nvSpPr>
+            <p:cNvPr id="263" name="TextBox 262">
+              <a:extLst>
+                <a:ext uri="{FF2B5EF4-FFF2-40B4-BE49-F238E27FC236}">
+                  <a16:creationId xmlns:a16="http://schemas.microsoft.com/office/drawing/2014/main" id="{0A2D03E5-7A69-7B47-0BB3-07AB8E90B1DF}"/>
+                </a:ext>
+              </a:extLst>
+            </p:cNvPr>
+            <p:cNvSpPr txBox="1"/>
+            <p:nvPr/>
+          </p:nvSpPr>
+          <p:spPr>
+            <a:xfrm>
+              <a:off x="7417969" y="258743"/>
+              <a:ext cx="1134168" cy="461665"/>
+            </a:xfrm>
+            <a:prstGeom prst="rect">
+              <a:avLst/>
+            </a:prstGeom>
+            <a:noFill/>
+          </p:spPr>
+          <p:txBody>
+            <a:bodyPr wrap="square" rtlCol="0">
+              <a:spAutoFit/>
+            </a:bodyPr>
+            <a:lstStyle/>
+            <a:p>
+              <a:r>
+                <a:rPr lang="en-PT" sz="2400" dirty="0"/>
+                <a:t>P (dB)</a:t>
+              </a:r>
+            </a:p>
+          </p:txBody>
+        </p:sp>
+      </p:grpSp>
+    </p:spTree>
+    <p:extLst>
+      <p:ext uri="{BB962C8B-B14F-4D97-AF65-F5344CB8AC3E}">
+        <p14:creationId xmlns:p14="http://schemas.microsoft.com/office/powerpoint/2010/main" val="676191022"/>
+      </p:ext>
+    </p:extLst>
+  </p:cSld>
+  <p:clrMapOvr>
+    <a:masterClrMapping/>
+  </p:clrMapOvr>
+</p:sld>
+</file>
+
+<file path=ppt/slides/slide4.xml><?xml version="1.0" encoding="utf-8"?>
+<p:sld xmlns:a="http://schemas.openxmlformats.org/drawingml/2006/main" xmlns:r="http://schemas.openxmlformats.org/officeDocument/2006/relationships" xmlns:p="http://schemas.openxmlformats.org/presentationml/2006/main">
+  <p:cSld>
+    <p:spTree>
+      <p:nvGrpSpPr>
+        <p:cNvPr id="1" name=""/>
+        <p:cNvGrpSpPr/>
+        <p:nvPr/>
+      </p:nvGrpSpPr>
+      <p:grpSpPr>
+        <a:xfrm>
+          <a:off x="0" y="0"/>
+          <a:ext cx="0" cy="0"/>
+          <a:chOff x="0" y="0"/>
+          <a:chExt cx="0" cy="0"/>
+        </a:xfrm>
+      </p:grpSpPr>
+      <p:grpSp>
+        <p:nvGrpSpPr>
+          <p:cNvPr id="97" name="Group 96">
+            <a:extLst>
+              <a:ext uri="{FF2B5EF4-FFF2-40B4-BE49-F238E27FC236}">
+                <a16:creationId xmlns:a16="http://schemas.microsoft.com/office/drawing/2014/main" id="{B4F8DA23-110D-06C1-8F96-24657990EA22}"/>
+              </a:ext>
+            </a:extLst>
+          </p:cNvPr>
+          <p:cNvGrpSpPr/>
+          <p:nvPr/>
+        </p:nvGrpSpPr>
+        <p:grpSpPr>
+          <a:xfrm>
+            <a:off x="508716" y="519050"/>
+            <a:ext cx="3790389" cy="2582883"/>
+            <a:chOff x="508716" y="519050"/>
+            <a:chExt cx="3790389" cy="2582883"/>
+          </a:xfrm>
+        </p:grpSpPr>
+        <p:grpSp>
+          <p:nvGrpSpPr>
+            <p:cNvPr id="30" name="Group 29">
+              <a:extLst>
+                <a:ext uri="{FF2B5EF4-FFF2-40B4-BE49-F238E27FC236}">
+                  <a16:creationId xmlns:a16="http://schemas.microsoft.com/office/drawing/2014/main" id="{CD6E8EA1-CA4E-3864-825D-7305289B9E57}"/>
+                </a:ext>
+              </a:extLst>
+            </p:cNvPr>
+            <p:cNvGrpSpPr/>
+            <p:nvPr/>
+          </p:nvGrpSpPr>
+          <p:grpSpPr>
+            <a:xfrm>
+              <a:off x="508716" y="519050"/>
+              <a:ext cx="3018863" cy="2582883"/>
+              <a:chOff x="1025236" y="1052946"/>
+              <a:chExt cx="3018863" cy="2582883"/>
             </a:xfrm>
           </p:grpSpPr>
           <p:sp>
             <p:nvSpPr>
-              <p:cNvPr id="244" name="Freeform 243">
+              <p:cNvPr id="4" name="Rectangle 3">
                 <a:extLst>
                   <a:ext uri="{FF2B5EF4-FFF2-40B4-BE49-F238E27FC236}">
-                    <a16:creationId xmlns:a16="http://schemas.microsoft.com/office/drawing/2014/main" id="{A88EAC6F-E232-BCC8-EA70-FA1619A0404F}"/>
+                    <a16:creationId xmlns:a16="http://schemas.microsoft.com/office/drawing/2014/main" id="{7325DE0B-D611-8A81-630F-355D9D6F3439}"/>
                   </a:ext>
                 </a:extLst>
               </p:cNvPr>
@@ -11102,65 +13227,699 @@
             </p:nvSpPr>
             <p:spPr>
               <a:xfrm>
-                <a:off x="6950463" y="1305543"/>
-                <a:ext cx="4200740" cy="2000680"/>
+                <a:off x="1025236" y="1052946"/>
+                <a:ext cx="2549236" cy="401781"/>
               </a:xfrm>
-              <a:custGeom>
+              <a:prstGeom prst="rect">
                 <a:avLst/>
-                <a:gdLst>
-                  <a:gd name="connsiteX0" fmla="*/ 0 w 4200740"/>
-                  <a:gd name="connsiteY0" fmla="*/ 0 h 2000680"/>
-                  <a:gd name="connsiteX1" fmla="*/ 4180114 w 4200740"/>
-                  <a:gd name="connsiteY1" fmla="*/ 1251285 h 2000680"/>
-                  <a:gd name="connsiteX2" fmla="*/ 4200740 w 4200740"/>
-                  <a:gd name="connsiteY2" fmla="*/ 2000680 h 2000680"/>
-                  <a:gd name="connsiteX3" fmla="*/ 0 w 4200740"/>
-                  <a:gd name="connsiteY3" fmla="*/ 735645 h 2000680"/>
-                  <a:gd name="connsiteX4" fmla="*/ 0 w 4200740"/>
-                  <a:gd name="connsiteY4" fmla="*/ 0 h 2000680"/>
-                </a:gdLst>
-                <a:ahLst/>
-                <a:cxnLst>
-                  <a:cxn ang="0">
-                    <a:pos x="connsiteX0" y="connsiteY0"/>
-                  </a:cxn>
-                  <a:cxn ang="0">
-                    <a:pos x="connsiteX1" y="connsiteY1"/>
-                  </a:cxn>
-                  <a:cxn ang="0">
-                    <a:pos x="connsiteX2" y="connsiteY2"/>
-                  </a:cxn>
-                  <a:cxn ang="0">
-                    <a:pos x="connsiteX3" y="connsiteY3"/>
-                  </a:cxn>
-                  <a:cxn ang="0">
-                    <a:pos x="connsiteX4" y="connsiteY4"/>
-                  </a:cxn>
-                </a:cxnLst>
-                <a:rect l="l" t="t" r="r" b="b"/>
-                <a:pathLst>
-                  <a:path w="4200740" h="2000680">
-                    <a:moveTo>
-                      <a:pt x="0" y="0"/>
-                    </a:moveTo>
-                    <a:lnTo>
-                      <a:pt x="4180114" y="1251285"/>
-                    </a:lnTo>
-                    <a:lnTo>
-                      <a:pt x="4200740" y="2000680"/>
-                    </a:lnTo>
-                    <a:lnTo>
-                      <a:pt x="0" y="735645"/>
-                    </a:lnTo>
-                    <a:lnTo>
-                      <a:pt x="0" y="0"/>
-                    </a:lnTo>
-                    <a:close/>
-                  </a:path>
-                </a:pathLst>
-              </a:custGeom>
+              </a:prstGeom>
               <a:solidFill>
-                <a:schemeClr val="bg2"/>
+                <a:schemeClr val="accent5">
+                  <a:lumMod val="40000"/>
+                  <a:lumOff val="60000"/>
+                </a:schemeClr>
+              </a:solidFill>
+            </p:spPr>
+            <p:style>
+              <a:lnRef idx="2">
+                <a:schemeClr val="accent1">
+                  <a:shade val="15000"/>
+                </a:schemeClr>
+              </a:lnRef>
+              <a:fillRef idx="1">
+                <a:schemeClr val="accent1"/>
+              </a:fillRef>
+              <a:effectRef idx="0">
+                <a:schemeClr val="accent1"/>
+              </a:effectRef>
+              <a:fontRef idx="minor">
+                <a:schemeClr val="lt1"/>
+              </a:fontRef>
+            </p:style>
+            <p:txBody>
+              <a:bodyPr rtlCol="0" anchor="ctr"/>
+              <a:lstStyle/>
+              <a:p>
+                <a:pPr algn="ctr"/>
+                <a:r>
+                  <a:rPr lang="en-PT" dirty="0">
+                    <a:solidFill>
+                      <a:schemeClr val="tx1"/>
+                    </a:solidFill>
+                  </a:rPr>
+                  <a:t>Matching Layer</a:t>
+                </a:r>
+              </a:p>
+            </p:txBody>
+          </p:sp>
+          <p:sp>
+            <p:nvSpPr>
+              <p:cNvPr id="5" name="Rectangle 4">
+                <a:extLst>
+                  <a:ext uri="{FF2B5EF4-FFF2-40B4-BE49-F238E27FC236}">
+                    <a16:creationId xmlns:a16="http://schemas.microsoft.com/office/drawing/2014/main" id="{022097D7-EB63-D043-F1BA-01346770552C}"/>
+                  </a:ext>
+                </a:extLst>
+              </p:cNvPr>
+              <p:cNvSpPr/>
+              <p:nvPr/>
+            </p:nvSpPr>
+            <p:spPr>
+              <a:xfrm>
+                <a:off x="1025236" y="1454727"/>
+                <a:ext cx="2549236" cy="169222"/>
+              </a:xfrm>
+              <a:prstGeom prst="rect">
+                <a:avLst/>
+              </a:prstGeom>
+              <a:solidFill>
+                <a:schemeClr val="accent2">
+                  <a:lumMod val="60000"/>
+                  <a:lumOff val="40000"/>
+                </a:schemeClr>
+              </a:solidFill>
+            </p:spPr>
+            <p:style>
+              <a:lnRef idx="2">
+                <a:schemeClr val="accent1">
+                  <a:shade val="15000"/>
+                </a:schemeClr>
+              </a:lnRef>
+              <a:fillRef idx="1">
+                <a:schemeClr val="accent1"/>
+              </a:fillRef>
+              <a:effectRef idx="0">
+                <a:schemeClr val="accent1"/>
+              </a:effectRef>
+              <a:fontRef idx="minor">
+                <a:schemeClr val="lt1"/>
+              </a:fontRef>
+            </p:style>
+            <p:txBody>
+              <a:bodyPr rtlCol="0" anchor="ctr"/>
+              <a:lstStyle/>
+              <a:p>
+                <a:pPr algn="ctr"/>
+                <a:endParaRPr lang="en-PT" dirty="0"/>
+              </a:p>
+            </p:txBody>
+          </p:sp>
+          <p:sp>
+            <p:nvSpPr>
+              <p:cNvPr id="6" name="Rectangle 5">
+                <a:extLst>
+                  <a:ext uri="{FF2B5EF4-FFF2-40B4-BE49-F238E27FC236}">
+                    <a16:creationId xmlns:a16="http://schemas.microsoft.com/office/drawing/2014/main" id="{AA42321D-BA69-DEE4-6E5B-FC022DA2ACD5}"/>
+                  </a:ext>
+                </a:extLst>
+              </p:cNvPr>
+              <p:cNvSpPr/>
+              <p:nvPr/>
+            </p:nvSpPr>
+            <p:spPr>
+              <a:xfrm>
+                <a:off x="1025236" y="2358242"/>
+                <a:ext cx="2549236" cy="169222"/>
+              </a:xfrm>
+              <a:prstGeom prst="rect">
+                <a:avLst/>
+              </a:prstGeom>
+              <a:solidFill>
+                <a:schemeClr val="accent2">
+                  <a:lumMod val="60000"/>
+                  <a:lumOff val="40000"/>
+                </a:schemeClr>
+              </a:solidFill>
+            </p:spPr>
+            <p:style>
+              <a:lnRef idx="2">
+                <a:schemeClr val="accent1">
+                  <a:shade val="15000"/>
+                </a:schemeClr>
+              </a:lnRef>
+              <a:fillRef idx="1">
+                <a:schemeClr val="accent1"/>
+              </a:fillRef>
+              <a:effectRef idx="0">
+                <a:schemeClr val="accent1"/>
+              </a:effectRef>
+              <a:fontRef idx="minor">
+                <a:schemeClr val="lt1"/>
+              </a:fontRef>
+            </p:style>
+            <p:txBody>
+              <a:bodyPr rtlCol="0" anchor="ctr"/>
+              <a:lstStyle/>
+              <a:p>
+                <a:pPr algn="ctr"/>
+                <a:endParaRPr lang="en-PT" dirty="0"/>
+              </a:p>
+            </p:txBody>
+          </p:sp>
+          <p:sp>
+            <p:nvSpPr>
+              <p:cNvPr id="7" name="Rectangle 6">
+                <a:extLst>
+                  <a:ext uri="{FF2B5EF4-FFF2-40B4-BE49-F238E27FC236}">
+                    <a16:creationId xmlns:a16="http://schemas.microsoft.com/office/drawing/2014/main" id="{F05C9C2E-F64C-0465-7667-61BFA3947A44}"/>
+                  </a:ext>
+                </a:extLst>
+              </p:cNvPr>
+              <p:cNvSpPr/>
+              <p:nvPr/>
+            </p:nvSpPr>
+            <p:spPr>
+              <a:xfrm>
+                <a:off x="1025236" y="1623949"/>
+                <a:ext cx="2549236" cy="734293"/>
+              </a:xfrm>
+              <a:prstGeom prst="rect">
+                <a:avLst/>
+              </a:prstGeom>
+              <a:solidFill>
+                <a:schemeClr val="tx2">
+                  <a:lumMod val="50000"/>
+                  <a:lumOff val="50000"/>
+                </a:schemeClr>
+              </a:solidFill>
+            </p:spPr>
+            <p:style>
+              <a:lnRef idx="2">
+                <a:schemeClr val="accent1">
+                  <a:shade val="15000"/>
+                </a:schemeClr>
+              </a:lnRef>
+              <a:fillRef idx="1">
+                <a:schemeClr val="accent1"/>
+              </a:fillRef>
+              <a:effectRef idx="0">
+                <a:schemeClr val="accent1"/>
+              </a:effectRef>
+              <a:fontRef idx="minor">
+                <a:schemeClr val="lt1"/>
+              </a:fontRef>
+            </p:style>
+            <p:txBody>
+              <a:bodyPr rtlCol="0" anchor="ctr"/>
+              <a:lstStyle/>
+              <a:p>
+                <a:pPr algn="ctr"/>
+                <a:r>
+                  <a:rPr lang="en-PT" dirty="0"/>
+                  <a:t>Bulk Piezoelectric</a:t>
+                </a:r>
+              </a:p>
+            </p:txBody>
+          </p:sp>
+          <p:sp>
+            <p:nvSpPr>
+              <p:cNvPr id="8" name="Rectangle 7">
+                <a:extLst>
+                  <a:ext uri="{FF2B5EF4-FFF2-40B4-BE49-F238E27FC236}">
+                    <a16:creationId xmlns:a16="http://schemas.microsoft.com/office/drawing/2014/main" id="{9B7461A8-FA84-1C8E-9317-C5D321F6D913}"/>
+                  </a:ext>
+                </a:extLst>
+              </p:cNvPr>
+              <p:cNvSpPr/>
+              <p:nvPr/>
+            </p:nvSpPr>
+            <p:spPr>
+              <a:xfrm>
+                <a:off x="1025236" y="2527464"/>
+                <a:ext cx="2549236" cy="1108365"/>
+              </a:xfrm>
+              <a:prstGeom prst="rect">
+                <a:avLst/>
+              </a:prstGeom>
+              <a:solidFill>
+                <a:schemeClr val="accent6">
+                  <a:lumMod val="75000"/>
+                </a:schemeClr>
+              </a:solidFill>
+            </p:spPr>
+            <p:style>
+              <a:lnRef idx="2">
+                <a:schemeClr val="accent1">
+                  <a:shade val="15000"/>
+                </a:schemeClr>
+              </a:lnRef>
+              <a:fillRef idx="1">
+                <a:schemeClr val="accent1"/>
+              </a:fillRef>
+              <a:effectRef idx="0">
+                <a:schemeClr val="accent1"/>
+              </a:effectRef>
+              <a:fontRef idx="minor">
+                <a:schemeClr val="lt1"/>
+              </a:fontRef>
+            </p:style>
+            <p:txBody>
+              <a:bodyPr rtlCol="0" anchor="ctr"/>
+              <a:lstStyle/>
+              <a:p>
+                <a:pPr algn="ctr"/>
+                <a:r>
+                  <a:rPr lang="en-PT" dirty="0"/>
+                  <a:t>Matching Layer</a:t>
+                </a:r>
+              </a:p>
+            </p:txBody>
+          </p:sp>
+          <p:cxnSp>
+            <p:nvCxnSpPr>
+              <p:cNvPr id="15" name="Elbow Connector 14">
+                <a:extLst>
+                  <a:ext uri="{FF2B5EF4-FFF2-40B4-BE49-F238E27FC236}">
+                    <a16:creationId xmlns:a16="http://schemas.microsoft.com/office/drawing/2014/main" id="{411C62E0-A01D-0BB7-42FC-35782566ECEF}"/>
+                  </a:ext>
+                </a:extLst>
+              </p:cNvPr>
+              <p:cNvCxnSpPr>
+                <a:cxnSpLocks/>
+              </p:cNvCxnSpPr>
+              <p:nvPr/>
+            </p:nvCxnSpPr>
+            <p:spPr>
+              <a:xfrm>
+                <a:off x="3379937" y="1529191"/>
+                <a:ext cx="664162" cy="178649"/>
+              </a:xfrm>
+              <a:prstGeom prst="bentConnector3">
+                <a:avLst>
+                  <a:gd name="adj1" fmla="val 99749"/>
+                </a:avLst>
+              </a:prstGeom>
+              <a:ln w="44450">
+                <a:solidFill>
+                  <a:schemeClr val="accent2">
+                    <a:lumMod val="60000"/>
+                    <a:lumOff val="40000"/>
+                  </a:schemeClr>
+                </a:solidFill>
+                <a:tailEnd type="oval"/>
+              </a:ln>
+            </p:spPr>
+            <p:style>
+              <a:lnRef idx="2">
+                <a:schemeClr val="accent1"/>
+              </a:lnRef>
+              <a:fillRef idx="0">
+                <a:schemeClr val="accent1"/>
+              </a:fillRef>
+              <a:effectRef idx="1">
+                <a:schemeClr val="accent1"/>
+              </a:effectRef>
+              <a:fontRef idx="minor">
+                <a:schemeClr val="tx1"/>
+              </a:fontRef>
+            </p:style>
+          </p:cxnSp>
+          <p:cxnSp>
+            <p:nvCxnSpPr>
+              <p:cNvPr id="22" name="Elbow Connector 21">
+                <a:extLst>
+                  <a:ext uri="{FF2B5EF4-FFF2-40B4-BE49-F238E27FC236}">
+                    <a16:creationId xmlns:a16="http://schemas.microsoft.com/office/drawing/2014/main" id="{6515AFDB-36F9-83E6-025B-3EE33F83EF68}"/>
+                  </a:ext>
+                </a:extLst>
+              </p:cNvPr>
+              <p:cNvCxnSpPr>
+                <a:cxnSpLocks/>
+              </p:cNvCxnSpPr>
+              <p:nvPr/>
+            </p:nvCxnSpPr>
+            <p:spPr>
+              <a:xfrm flipV="1">
+                <a:off x="3379936" y="2219357"/>
+                <a:ext cx="664163" cy="224216"/>
+              </a:xfrm>
+              <a:prstGeom prst="bentConnector3">
+                <a:avLst>
+                  <a:gd name="adj1" fmla="val 100572"/>
+                </a:avLst>
+              </a:prstGeom>
+              <a:ln w="44450">
+                <a:solidFill>
+                  <a:schemeClr val="accent2">
+                    <a:lumMod val="60000"/>
+                    <a:lumOff val="40000"/>
+                  </a:schemeClr>
+                </a:solidFill>
+                <a:tailEnd type="oval"/>
+              </a:ln>
+            </p:spPr>
+            <p:style>
+              <a:lnRef idx="2">
+                <a:schemeClr val="accent1"/>
+              </a:lnRef>
+              <a:fillRef idx="0">
+                <a:schemeClr val="accent1"/>
+              </a:fillRef>
+              <a:effectRef idx="1">
+                <a:schemeClr val="accent1"/>
+              </a:effectRef>
+              <a:fontRef idx="minor">
+                <a:schemeClr val="tx1"/>
+              </a:fontRef>
+            </p:style>
+          </p:cxnSp>
+        </p:grpSp>
+        <p:sp>
+          <p:nvSpPr>
+            <p:cNvPr id="88" name="TextBox 87">
+              <a:extLst>
+                <a:ext uri="{FF2B5EF4-FFF2-40B4-BE49-F238E27FC236}">
+                  <a16:creationId xmlns:a16="http://schemas.microsoft.com/office/drawing/2014/main" id="{1DE55D12-236D-684D-B395-3BFBA58CC1B9}"/>
+                </a:ext>
+              </a:extLst>
+            </p:cNvPr>
+            <p:cNvSpPr txBox="1"/>
+            <p:nvPr/>
+          </p:nvSpPr>
+          <p:spPr>
+            <a:xfrm>
+              <a:off x="3527579" y="1017575"/>
+              <a:ext cx="349776" cy="461665"/>
+            </a:xfrm>
+            <a:prstGeom prst="rect">
+              <a:avLst/>
+            </a:prstGeom>
+            <a:noFill/>
+          </p:spPr>
+          <p:txBody>
+            <a:bodyPr wrap="none" rtlCol="0">
+              <a:spAutoFit/>
+            </a:bodyPr>
+            <a:lstStyle/>
+            <a:p>
+              <a:r>
+                <a:rPr lang="en-PT" sz="2400" dirty="0"/>
+                <a:t>+</a:t>
+              </a:r>
+            </a:p>
+          </p:txBody>
+        </p:sp>
+        <p:sp>
+          <p:nvSpPr>
+            <p:cNvPr id="89" name="TextBox 88">
+              <a:extLst>
+                <a:ext uri="{FF2B5EF4-FFF2-40B4-BE49-F238E27FC236}">
+                  <a16:creationId xmlns:a16="http://schemas.microsoft.com/office/drawing/2014/main" id="{E401ED82-340E-7253-E297-0FDCD353CD28}"/>
+                </a:ext>
+              </a:extLst>
+            </p:cNvPr>
+            <p:cNvSpPr txBox="1"/>
+            <p:nvPr/>
+          </p:nvSpPr>
+          <p:spPr>
+            <a:xfrm>
+              <a:off x="3538465" y="1351518"/>
+              <a:ext cx="288862" cy="461665"/>
+            </a:xfrm>
+            <a:prstGeom prst="rect">
+              <a:avLst/>
+            </a:prstGeom>
+            <a:noFill/>
+          </p:spPr>
+          <p:txBody>
+            <a:bodyPr wrap="none" rtlCol="0">
+              <a:spAutoFit/>
+            </a:bodyPr>
+            <a:lstStyle/>
+            <a:p>
+              <a:r>
+                <a:rPr lang="en-PT" sz="2400" dirty="0"/>
+                <a:t>-</a:t>
+              </a:r>
+            </a:p>
+          </p:txBody>
+        </p:sp>
+        <p:sp>
+          <p:nvSpPr>
+            <p:cNvPr id="90" name="TextBox 89">
+              <a:extLst>
+                <a:ext uri="{FF2B5EF4-FFF2-40B4-BE49-F238E27FC236}">
+                  <a16:creationId xmlns:a16="http://schemas.microsoft.com/office/drawing/2014/main" id="{BBDA167D-3D7D-3640-6805-682F309CC367}"/>
+                </a:ext>
+              </a:extLst>
+            </p:cNvPr>
+            <p:cNvSpPr txBox="1"/>
+            <p:nvPr/>
+          </p:nvSpPr>
+          <p:spPr>
+            <a:xfrm>
+              <a:off x="3702467" y="1195060"/>
+              <a:ext cx="596638" cy="461665"/>
+            </a:xfrm>
+            <a:prstGeom prst="rect">
+              <a:avLst/>
+            </a:prstGeom>
+            <a:noFill/>
+          </p:spPr>
+          <p:txBody>
+            <a:bodyPr wrap="none" rtlCol="0">
+              <a:spAutoFit/>
+            </a:bodyPr>
+            <a:lstStyle/>
+            <a:p>
+              <a:r>
+                <a:rPr lang="en-PT" sz="2400" dirty="0"/>
+                <a:t>V</a:t>
+              </a:r>
+              <a:r>
+                <a:rPr lang="en-PT" sz="2400" baseline="-25000" dirty="0"/>
+                <a:t>RF</a:t>
+              </a:r>
+            </a:p>
+          </p:txBody>
+        </p:sp>
+      </p:grpSp>
+      <p:grpSp>
+        <p:nvGrpSpPr>
+          <p:cNvPr id="98" name="Group 97">
+            <a:extLst>
+              <a:ext uri="{FF2B5EF4-FFF2-40B4-BE49-F238E27FC236}">
+                <a16:creationId xmlns:a16="http://schemas.microsoft.com/office/drawing/2014/main" id="{BB675EEE-113A-F998-CB55-4501B3183971}"/>
+              </a:ext>
+            </a:extLst>
+          </p:cNvPr>
+          <p:cNvGrpSpPr/>
+          <p:nvPr/>
+        </p:nvGrpSpPr>
+        <p:grpSpPr>
+          <a:xfrm>
+            <a:off x="563803" y="3668991"/>
+            <a:ext cx="3801622" cy="2390883"/>
+            <a:chOff x="563803" y="3668991"/>
+            <a:chExt cx="3801622" cy="2390883"/>
+          </a:xfrm>
+        </p:grpSpPr>
+        <p:grpSp>
+          <p:nvGrpSpPr>
+            <p:cNvPr id="64" name="Group 63">
+              <a:extLst>
+                <a:ext uri="{FF2B5EF4-FFF2-40B4-BE49-F238E27FC236}">
+                  <a16:creationId xmlns:a16="http://schemas.microsoft.com/office/drawing/2014/main" id="{C2109DA7-D48E-6D85-BE4E-F91DA712B0D9}"/>
+                </a:ext>
+              </a:extLst>
+            </p:cNvPr>
+            <p:cNvGrpSpPr/>
+            <p:nvPr/>
+          </p:nvGrpSpPr>
+          <p:grpSpPr>
+            <a:xfrm>
+              <a:off x="563803" y="3668991"/>
+              <a:ext cx="3073732" cy="2390883"/>
+              <a:chOff x="4744994" y="533965"/>
+              <a:chExt cx="3073732" cy="2390883"/>
+            </a:xfrm>
+          </p:grpSpPr>
+          <p:sp>
+            <p:nvSpPr>
+              <p:cNvPr id="39" name="Rectangle 38">
+                <a:extLst>
+                  <a:ext uri="{FF2B5EF4-FFF2-40B4-BE49-F238E27FC236}">
+                    <a16:creationId xmlns:a16="http://schemas.microsoft.com/office/drawing/2014/main" id="{BF591D0A-1F11-C1E0-A4CC-20F678833F62}"/>
+                  </a:ext>
+                </a:extLst>
+              </p:cNvPr>
+              <p:cNvSpPr/>
+              <p:nvPr/>
+            </p:nvSpPr>
+            <p:spPr>
+              <a:xfrm>
+                <a:off x="4747452" y="2567699"/>
+                <a:ext cx="2446638" cy="84611"/>
+              </a:xfrm>
+              <a:prstGeom prst="rect">
+                <a:avLst/>
+              </a:prstGeom>
+              <a:solidFill>
+                <a:schemeClr val="accent5">
+                  <a:lumMod val="40000"/>
+                  <a:lumOff val="60000"/>
+                </a:schemeClr>
+              </a:solidFill>
+            </p:spPr>
+            <p:style>
+              <a:lnRef idx="2">
+                <a:schemeClr val="accent1">
+                  <a:shade val="15000"/>
+                </a:schemeClr>
+              </a:lnRef>
+              <a:fillRef idx="1">
+                <a:schemeClr val="accent1"/>
+              </a:fillRef>
+              <a:effectRef idx="0">
+                <a:schemeClr val="accent1"/>
+              </a:effectRef>
+              <a:fontRef idx="minor">
+                <a:schemeClr val="lt1"/>
+              </a:fontRef>
+            </p:style>
+            <p:txBody>
+              <a:bodyPr rtlCol="0" anchor="ctr"/>
+              <a:lstStyle/>
+              <a:p>
+                <a:pPr algn="ctr"/>
+                <a:endParaRPr lang="en-PT"/>
+              </a:p>
+            </p:txBody>
+          </p:sp>
+          <p:sp>
+            <p:nvSpPr>
+              <p:cNvPr id="40" name="Rectangle 39">
+                <a:extLst>
+                  <a:ext uri="{FF2B5EF4-FFF2-40B4-BE49-F238E27FC236}">
+                    <a16:creationId xmlns:a16="http://schemas.microsoft.com/office/drawing/2014/main" id="{ECD3AF8C-97AD-C1F4-97E3-99C2984D3B09}"/>
+                  </a:ext>
+                </a:extLst>
+              </p:cNvPr>
+              <p:cNvSpPr/>
+              <p:nvPr/>
+            </p:nvSpPr>
+            <p:spPr>
+              <a:xfrm>
+                <a:off x="4747452" y="2650768"/>
+                <a:ext cx="2446638" cy="274080"/>
+              </a:xfrm>
+              <a:prstGeom prst="rect">
+                <a:avLst/>
+              </a:prstGeom>
+            </p:spPr>
+            <p:style>
+              <a:lnRef idx="2">
+                <a:schemeClr val="accent1">
+                  <a:shade val="15000"/>
+                </a:schemeClr>
+              </a:lnRef>
+              <a:fillRef idx="1">
+                <a:schemeClr val="accent1"/>
+              </a:fillRef>
+              <a:effectRef idx="0">
+                <a:schemeClr val="accent1"/>
+              </a:effectRef>
+              <a:fontRef idx="minor">
+                <a:schemeClr val="lt1"/>
+              </a:fontRef>
+            </p:style>
+            <p:txBody>
+              <a:bodyPr rtlCol="0" anchor="ctr"/>
+              <a:lstStyle/>
+              <a:p>
+                <a:pPr algn="ctr"/>
+                <a:r>
+                  <a:rPr lang="en-PT" dirty="0"/>
+                  <a:t>Sillicon Substrate</a:t>
+                </a:r>
+              </a:p>
+            </p:txBody>
+          </p:sp>
+          <p:sp>
+            <p:nvSpPr>
+              <p:cNvPr id="41" name="Rectangle 40">
+                <a:extLst>
+                  <a:ext uri="{FF2B5EF4-FFF2-40B4-BE49-F238E27FC236}">
+                    <a16:creationId xmlns:a16="http://schemas.microsoft.com/office/drawing/2014/main" id="{0FEDEDF6-698E-2A52-7844-FE3213B56F56}"/>
+                  </a:ext>
+                </a:extLst>
+              </p:cNvPr>
+              <p:cNvSpPr/>
+              <p:nvPr/>
+            </p:nvSpPr>
+            <p:spPr>
+              <a:xfrm>
+                <a:off x="4747452" y="2134016"/>
+                <a:ext cx="2446638" cy="433806"/>
+              </a:xfrm>
+              <a:prstGeom prst="rect">
+                <a:avLst/>
+              </a:prstGeom>
+              <a:solidFill>
+                <a:schemeClr val="bg1">
+                  <a:lumMod val="85000"/>
+                </a:schemeClr>
+              </a:solidFill>
+              <a:ln>
+                <a:noFill/>
+              </a:ln>
+            </p:spPr>
+            <p:style>
+              <a:lnRef idx="2">
+                <a:schemeClr val="accent1">
+                  <a:shade val="15000"/>
+                </a:schemeClr>
+              </a:lnRef>
+              <a:fillRef idx="1">
+                <a:schemeClr val="accent1"/>
+              </a:fillRef>
+              <a:effectRef idx="0">
+                <a:schemeClr val="accent1"/>
+              </a:effectRef>
+              <a:fontRef idx="minor">
+                <a:schemeClr val="lt1"/>
+              </a:fontRef>
+            </p:style>
+            <p:txBody>
+              <a:bodyPr rtlCol="0" anchor="ctr"/>
+              <a:lstStyle/>
+              <a:p>
+                <a:pPr algn="ctr"/>
+                <a:r>
+                  <a:rPr lang="en-PT" dirty="0">
+                    <a:solidFill>
+                      <a:schemeClr val="tx1"/>
+                    </a:solidFill>
+                  </a:rPr>
+                  <a:t>Insulation</a:t>
+                </a:r>
+              </a:p>
+            </p:txBody>
+          </p:sp>
+          <p:sp>
+            <p:nvSpPr>
+              <p:cNvPr id="42" name="Rectangle 41">
+                <a:extLst>
+                  <a:ext uri="{FF2B5EF4-FFF2-40B4-BE49-F238E27FC236}">
+                    <a16:creationId xmlns:a16="http://schemas.microsoft.com/office/drawing/2014/main" id="{67B26821-BE5F-88E5-071B-9A161EBA8BED}"/>
+                  </a:ext>
+                </a:extLst>
+              </p:cNvPr>
+              <p:cNvSpPr/>
+              <p:nvPr/>
+            </p:nvSpPr>
+            <p:spPr>
+              <a:xfrm rot="16200000">
+                <a:off x="6132199" y="1505808"/>
+                <a:ext cx="1689976" cy="433806"/>
+              </a:xfrm>
+              <a:prstGeom prst="rect">
+                <a:avLst/>
+              </a:prstGeom>
+              <a:solidFill>
+                <a:schemeClr val="bg1">
+                  <a:lumMod val="85000"/>
+                </a:schemeClr>
               </a:solidFill>
               <a:ln>
                 <a:noFill/>
@@ -11191,12 +13950,655 @@
               </a:p>
             </p:txBody>
           </p:sp>
+          <p:sp>
+            <p:nvSpPr>
+              <p:cNvPr id="44" name="Rectangle 43">
+                <a:extLst>
+                  <a:ext uri="{FF2B5EF4-FFF2-40B4-BE49-F238E27FC236}">
+                    <a16:creationId xmlns:a16="http://schemas.microsoft.com/office/drawing/2014/main" id="{40E697FB-8D78-D70C-73D3-9FFE7827C129}"/>
+                  </a:ext>
+                </a:extLst>
+              </p:cNvPr>
+              <p:cNvSpPr/>
+              <p:nvPr/>
+            </p:nvSpPr>
+            <p:spPr>
+              <a:xfrm rot="16200000">
+                <a:off x="4119366" y="1505808"/>
+                <a:ext cx="1689976" cy="433806"/>
+              </a:xfrm>
+              <a:prstGeom prst="rect">
+                <a:avLst/>
+              </a:prstGeom>
+              <a:solidFill>
+                <a:schemeClr val="bg1">
+                  <a:lumMod val="85000"/>
+                </a:schemeClr>
+              </a:solidFill>
+              <a:ln>
+                <a:noFill/>
+              </a:ln>
+            </p:spPr>
+            <p:style>
+              <a:lnRef idx="2">
+                <a:schemeClr val="accent1">
+                  <a:shade val="15000"/>
+                </a:schemeClr>
+              </a:lnRef>
+              <a:fillRef idx="1">
+                <a:schemeClr val="accent1"/>
+              </a:fillRef>
+              <a:effectRef idx="0">
+                <a:schemeClr val="accent1"/>
+              </a:effectRef>
+              <a:fontRef idx="minor">
+                <a:schemeClr val="lt1"/>
+              </a:fontRef>
+            </p:style>
+            <p:txBody>
+              <a:bodyPr rtlCol="0" anchor="ctr"/>
+              <a:lstStyle/>
+              <a:p>
+                <a:pPr algn="ctr"/>
+                <a:endParaRPr lang="en-PT"/>
+              </a:p>
+            </p:txBody>
+          </p:sp>
+          <p:sp>
+            <p:nvSpPr>
+              <p:cNvPr id="45" name="Rectangle 44">
+                <a:extLst>
+                  <a:ext uri="{FF2B5EF4-FFF2-40B4-BE49-F238E27FC236}">
+                    <a16:creationId xmlns:a16="http://schemas.microsoft.com/office/drawing/2014/main" id="{470BBE1A-4A9A-BE33-AF98-8556DF8350F5}"/>
+                  </a:ext>
+                </a:extLst>
+              </p:cNvPr>
+              <p:cNvSpPr/>
+              <p:nvPr/>
+            </p:nvSpPr>
+            <p:spPr>
+              <a:xfrm>
+                <a:off x="4747451" y="605184"/>
+                <a:ext cx="2446638" cy="272415"/>
+              </a:xfrm>
+              <a:prstGeom prst="rect">
+                <a:avLst/>
+              </a:prstGeom>
+              <a:solidFill>
+                <a:schemeClr val="tx2">
+                  <a:lumMod val="25000"/>
+                  <a:lumOff val="75000"/>
+                </a:schemeClr>
+              </a:solidFill>
+            </p:spPr>
+            <p:style>
+              <a:lnRef idx="2">
+                <a:schemeClr val="accent1">
+                  <a:shade val="15000"/>
+                </a:schemeClr>
+              </a:lnRef>
+              <a:fillRef idx="1">
+                <a:schemeClr val="accent1"/>
+              </a:fillRef>
+              <a:effectRef idx="0">
+                <a:schemeClr val="accent1"/>
+              </a:effectRef>
+              <a:fontRef idx="minor">
+                <a:schemeClr val="lt1"/>
+              </a:fontRef>
+            </p:style>
+            <p:txBody>
+              <a:bodyPr rtlCol="0" anchor="ctr"/>
+              <a:lstStyle/>
+              <a:p>
+                <a:pPr algn="ctr"/>
+                <a:r>
+                  <a:rPr lang="en-PT" dirty="0">
+                    <a:solidFill>
+                      <a:schemeClr val="tx1"/>
+                    </a:solidFill>
+                  </a:rPr>
+                  <a:t>Membrane</a:t>
+                </a:r>
+              </a:p>
+            </p:txBody>
+          </p:sp>
+          <p:sp>
+            <p:nvSpPr>
+              <p:cNvPr id="46" name="Rectangle 45">
+                <a:extLst>
+                  <a:ext uri="{FF2B5EF4-FFF2-40B4-BE49-F238E27FC236}">
+                    <a16:creationId xmlns:a16="http://schemas.microsoft.com/office/drawing/2014/main" id="{77F474F6-95E9-9475-92B5-6950627ECE27}"/>
+                  </a:ext>
+                </a:extLst>
+              </p:cNvPr>
+              <p:cNvSpPr/>
+              <p:nvPr/>
+            </p:nvSpPr>
+            <p:spPr>
+              <a:xfrm>
+                <a:off x="4747451" y="533965"/>
+                <a:ext cx="2446638" cy="84611"/>
+              </a:xfrm>
+              <a:prstGeom prst="rect">
+                <a:avLst/>
+              </a:prstGeom>
+              <a:solidFill>
+                <a:schemeClr val="accent5">
+                  <a:lumMod val="40000"/>
+                  <a:lumOff val="60000"/>
+                </a:schemeClr>
+              </a:solidFill>
+            </p:spPr>
+            <p:style>
+              <a:lnRef idx="2">
+                <a:schemeClr val="accent1">
+                  <a:shade val="15000"/>
+                </a:schemeClr>
+              </a:lnRef>
+              <a:fillRef idx="1">
+                <a:schemeClr val="accent1"/>
+              </a:fillRef>
+              <a:effectRef idx="0">
+                <a:schemeClr val="accent1"/>
+              </a:effectRef>
+              <a:fontRef idx="minor">
+                <a:schemeClr val="lt1"/>
+              </a:fontRef>
+            </p:style>
+            <p:txBody>
+              <a:bodyPr rtlCol="0" anchor="ctr"/>
+              <a:lstStyle/>
+              <a:p>
+                <a:pPr algn="ctr"/>
+                <a:endParaRPr lang="en-PT"/>
+              </a:p>
+            </p:txBody>
+          </p:sp>
+          <p:sp>
+            <p:nvSpPr>
+              <p:cNvPr id="48" name="Freeform 47">
+                <a:extLst>
+                  <a:ext uri="{FF2B5EF4-FFF2-40B4-BE49-F238E27FC236}">
+                    <a16:creationId xmlns:a16="http://schemas.microsoft.com/office/drawing/2014/main" id="{B7E28B78-22B9-EC7E-0E59-8EB68374B9FB}"/>
+                  </a:ext>
+                </a:extLst>
+              </p:cNvPr>
+              <p:cNvSpPr/>
+              <p:nvPr/>
+            </p:nvSpPr>
+            <p:spPr>
+              <a:xfrm>
+                <a:off x="4744994" y="864973"/>
+                <a:ext cx="2409568" cy="1050328"/>
+              </a:xfrm>
+              <a:custGeom>
+                <a:avLst/>
+                <a:gdLst>
+                  <a:gd name="connsiteX0" fmla="*/ 0 w 2409568"/>
+                  <a:gd name="connsiteY0" fmla="*/ 0 h 1050328"/>
+                  <a:gd name="connsiteX1" fmla="*/ 469557 w 2409568"/>
+                  <a:gd name="connsiteY1" fmla="*/ 222421 h 1050328"/>
+                  <a:gd name="connsiteX2" fmla="*/ 1260390 w 2409568"/>
+                  <a:gd name="connsiteY2" fmla="*/ 1050324 h 1050328"/>
+                  <a:gd name="connsiteX3" fmla="*/ 1989438 w 2409568"/>
+                  <a:gd name="connsiteY3" fmla="*/ 210065 h 1050328"/>
+                  <a:gd name="connsiteX4" fmla="*/ 2409568 w 2409568"/>
+                  <a:gd name="connsiteY4" fmla="*/ 37070 h 1050328"/>
+                </a:gdLst>
+                <a:ahLst/>
+                <a:cxnLst>
+                  <a:cxn ang="0">
+                    <a:pos x="connsiteX0" y="connsiteY0"/>
+                  </a:cxn>
+                  <a:cxn ang="0">
+                    <a:pos x="connsiteX1" y="connsiteY1"/>
+                  </a:cxn>
+                  <a:cxn ang="0">
+                    <a:pos x="connsiteX2" y="connsiteY2"/>
+                  </a:cxn>
+                  <a:cxn ang="0">
+                    <a:pos x="connsiteX3" y="connsiteY3"/>
+                  </a:cxn>
+                  <a:cxn ang="0">
+                    <a:pos x="connsiteX4" y="connsiteY4"/>
+                  </a:cxn>
+                </a:cxnLst>
+                <a:rect l="l" t="t" r="r" b="b"/>
+                <a:pathLst>
+                  <a:path w="2409568" h="1050328">
+                    <a:moveTo>
+                      <a:pt x="0" y="0"/>
+                    </a:moveTo>
+                    <a:cubicBezTo>
+                      <a:pt x="129746" y="23683"/>
+                      <a:pt x="259492" y="47367"/>
+                      <a:pt x="469557" y="222421"/>
+                    </a:cubicBezTo>
+                    <a:cubicBezTo>
+                      <a:pt x="679622" y="397475"/>
+                      <a:pt x="1007077" y="1052383"/>
+                      <a:pt x="1260390" y="1050324"/>
+                    </a:cubicBezTo>
+                    <a:cubicBezTo>
+                      <a:pt x="1513703" y="1048265"/>
+                      <a:pt x="1797908" y="378941"/>
+                      <a:pt x="1989438" y="210065"/>
+                    </a:cubicBezTo>
+                    <a:cubicBezTo>
+                      <a:pt x="2180968" y="41189"/>
+                      <a:pt x="2295268" y="39129"/>
+                      <a:pt x="2409568" y="37070"/>
+                    </a:cubicBezTo>
+                  </a:path>
+                </a:pathLst>
+              </a:custGeom>
+              <a:noFill/>
+              <a:ln w="63500">
+                <a:solidFill>
+                  <a:schemeClr val="tx2">
+                    <a:lumMod val="50000"/>
+                    <a:lumOff val="50000"/>
+                  </a:schemeClr>
+                </a:solidFill>
+                <a:prstDash val="dash"/>
+              </a:ln>
+            </p:spPr>
+            <p:style>
+              <a:lnRef idx="2">
+                <a:schemeClr val="accent1">
+                  <a:shade val="15000"/>
+                </a:schemeClr>
+              </a:lnRef>
+              <a:fillRef idx="1">
+                <a:schemeClr val="accent1"/>
+              </a:fillRef>
+              <a:effectRef idx="0">
+                <a:schemeClr val="accent1"/>
+              </a:effectRef>
+              <a:fontRef idx="minor">
+                <a:schemeClr val="lt1"/>
+              </a:fontRef>
+            </p:style>
+            <p:txBody>
+              <a:bodyPr rtlCol="0" anchor="ctr"/>
+              <a:lstStyle/>
+              <a:p>
+                <a:pPr algn="ctr"/>
+                <a:endParaRPr lang="en-PT"/>
+              </a:p>
+            </p:txBody>
+          </p:sp>
+          <p:cxnSp>
+            <p:nvCxnSpPr>
+              <p:cNvPr id="50" name="Straight Arrow Connector 49">
+                <a:extLst>
+                  <a:ext uri="{FF2B5EF4-FFF2-40B4-BE49-F238E27FC236}">
+                    <a16:creationId xmlns:a16="http://schemas.microsoft.com/office/drawing/2014/main" id="{B24CF93C-DEA8-4F08-7FD1-885BA3F80E9D}"/>
+                  </a:ext>
+                </a:extLst>
+              </p:cNvPr>
+              <p:cNvCxnSpPr>
+                <a:cxnSpLocks/>
+              </p:cNvCxnSpPr>
+              <p:nvPr/>
+            </p:nvCxnSpPr>
+            <p:spPr>
+              <a:xfrm>
+                <a:off x="5542868" y="889363"/>
+                <a:ext cx="0" cy="526569"/>
+              </a:xfrm>
+              <a:prstGeom prst="straightConnector1">
+                <a:avLst/>
+              </a:prstGeom>
+              <a:ln w="38100">
+                <a:solidFill>
+                  <a:schemeClr val="tx1"/>
+                </a:solidFill>
+                <a:headEnd type="triangle"/>
+                <a:tailEnd type="triangle"/>
+              </a:ln>
+            </p:spPr>
+            <p:style>
+              <a:lnRef idx="2">
+                <a:schemeClr val="accent1"/>
+              </a:lnRef>
+              <a:fillRef idx="0">
+                <a:schemeClr val="accent1"/>
+              </a:fillRef>
+              <a:effectRef idx="1">
+                <a:schemeClr val="accent1"/>
+              </a:effectRef>
+              <a:fontRef idx="minor">
+                <a:schemeClr val="tx1"/>
+              </a:fontRef>
+            </p:style>
+          </p:cxnSp>
+          <p:sp>
+            <p:nvSpPr>
+              <p:cNvPr id="52" name="TextBox 51">
+                <a:extLst>
+                  <a:ext uri="{FF2B5EF4-FFF2-40B4-BE49-F238E27FC236}">
+                    <a16:creationId xmlns:a16="http://schemas.microsoft.com/office/drawing/2014/main" id="{C7750279-7DE4-5406-8A53-7F2E976F812B}"/>
+                  </a:ext>
+                </a:extLst>
+              </p:cNvPr>
+              <p:cNvSpPr txBox="1"/>
+              <p:nvPr/>
+            </p:nvSpPr>
+            <p:spPr>
+              <a:xfrm>
+                <a:off x="5139681" y="1810492"/>
+                <a:ext cx="806375" cy="369332"/>
+              </a:xfrm>
+              <a:prstGeom prst="rect">
+                <a:avLst/>
+              </a:prstGeom>
+              <a:noFill/>
+            </p:spPr>
+            <p:txBody>
+              <a:bodyPr wrap="none" rtlCol="0">
+                <a:spAutoFit/>
+              </a:bodyPr>
+              <a:lstStyle/>
+              <a:p>
+                <a:r>
+                  <a:rPr lang="en-PT" dirty="0"/>
+                  <a:t>Cavity</a:t>
+                </a:r>
+              </a:p>
+            </p:txBody>
+          </p:sp>
+          <p:sp>
+            <p:nvSpPr>
+              <p:cNvPr id="53" name="TextBox 52">
+                <a:extLst>
+                  <a:ext uri="{FF2B5EF4-FFF2-40B4-BE49-F238E27FC236}">
+                    <a16:creationId xmlns:a16="http://schemas.microsoft.com/office/drawing/2014/main" id="{BCF8EFF6-CD9D-ED51-2091-06D190F39AA9}"/>
+                  </a:ext>
+                </a:extLst>
+              </p:cNvPr>
+              <p:cNvSpPr txBox="1"/>
+              <p:nvPr/>
+            </p:nvSpPr>
+            <p:spPr>
+              <a:xfrm>
+                <a:off x="5540078" y="886870"/>
+                <a:ext cx="1220206" cy="369332"/>
+              </a:xfrm>
+              <a:prstGeom prst="rect">
+                <a:avLst/>
+              </a:prstGeom>
+              <a:noFill/>
+            </p:spPr>
+            <p:txBody>
+              <a:bodyPr wrap="none" rtlCol="0">
+                <a:spAutoFit/>
+              </a:bodyPr>
+              <a:lstStyle/>
+              <a:p>
+                <a:r>
+                  <a:rPr lang="en-PT" dirty="0"/>
+                  <a:t>Deflection</a:t>
+                </a:r>
+              </a:p>
+            </p:txBody>
+          </p:sp>
+          <p:cxnSp>
+            <p:nvCxnSpPr>
+              <p:cNvPr id="56" name="Elbow Connector 55">
+                <a:extLst>
+                  <a:ext uri="{FF2B5EF4-FFF2-40B4-BE49-F238E27FC236}">
+                    <a16:creationId xmlns:a16="http://schemas.microsoft.com/office/drawing/2014/main" id="{B36F901B-E383-4CCE-619B-6F9C92189EC9}"/>
+                  </a:ext>
+                </a:extLst>
+              </p:cNvPr>
+              <p:cNvCxnSpPr>
+                <a:cxnSpLocks/>
+              </p:cNvCxnSpPr>
+              <p:nvPr/>
+            </p:nvCxnSpPr>
+            <p:spPr>
+              <a:xfrm rot="5400000" flipH="1" flipV="1">
+                <a:off x="7108712" y="1895162"/>
+                <a:ext cx="755863" cy="664164"/>
+              </a:xfrm>
+              <a:prstGeom prst="bentConnector3">
+                <a:avLst>
+                  <a:gd name="adj1" fmla="val -679"/>
+                </a:avLst>
+              </a:prstGeom>
+              <a:ln w="44450">
+                <a:solidFill>
+                  <a:schemeClr val="accent5">
+                    <a:lumMod val="40000"/>
+                    <a:lumOff val="60000"/>
+                  </a:schemeClr>
+                </a:solidFill>
+                <a:tailEnd type="oval"/>
+              </a:ln>
+            </p:spPr>
+            <p:style>
+              <a:lnRef idx="2">
+                <a:schemeClr val="accent1"/>
+              </a:lnRef>
+              <a:fillRef idx="0">
+                <a:schemeClr val="accent1"/>
+              </a:fillRef>
+              <a:effectRef idx="1">
+                <a:schemeClr val="accent1"/>
+              </a:effectRef>
+              <a:fontRef idx="minor">
+                <a:schemeClr val="tx1"/>
+              </a:fontRef>
+            </p:style>
+          </p:cxnSp>
+          <p:cxnSp>
+            <p:nvCxnSpPr>
+              <p:cNvPr id="57" name="Elbow Connector 56">
+                <a:extLst>
+                  <a:ext uri="{FF2B5EF4-FFF2-40B4-BE49-F238E27FC236}">
+                    <a16:creationId xmlns:a16="http://schemas.microsoft.com/office/drawing/2014/main" id="{B4AFD370-76D1-3368-3884-86A0F49CBDC5}"/>
+                  </a:ext>
+                </a:extLst>
+              </p:cNvPr>
+              <p:cNvCxnSpPr>
+                <a:cxnSpLocks/>
+              </p:cNvCxnSpPr>
+              <p:nvPr/>
+            </p:nvCxnSpPr>
+            <p:spPr>
+              <a:xfrm>
+                <a:off x="7154562" y="567709"/>
+                <a:ext cx="664164" cy="606235"/>
+              </a:xfrm>
+              <a:prstGeom prst="bentConnector3">
+                <a:avLst>
+                  <a:gd name="adj1" fmla="val 100233"/>
+                </a:avLst>
+              </a:prstGeom>
+              <a:ln w="44450">
+                <a:solidFill>
+                  <a:schemeClr val="accent5">
+                    <a:lumMod val="40000"/>
+                    <a:lumOff val="60000"/>
+                  </a:schemeClr>
+                </a:solidFill>
+                <a:tailEnd type="oval"/>
+              </a:ln>
+            </p:spPr>
+            <p:style>
+              <a:lnRef idx="2">
+                <a:schemeClr val="accent1"/>
+              </a:lnRef>
+              <a:fillRef idx="0">
+                <a:schemeClr val="accent1"/>
+              </a:fillRef>
+              <a:effectRef idx="1">
+                <a:schemeClr val="accent1"/>
+              </a:effectRef>
+              <a:fontRef idx="minor">
+                <a:schemeClr val="tx1"/>
+              </a:fontRef>
+            </p:style>
+          </p:cxnSp>
+        </p:grpSp>
+        <p:sp>
+          <p:nvSpPr>
+            <p:cNvPr id="91" name="TextBox 90">
+              <a:extLst>
+                <a:ext uri="{FF2B5EF4-FFF2-40B4-BE49-F238E27FC236}">
+                  <a16:creationId xmlns:a16="http://schemas.microsoft.com/office/drawing/2014/main" id="{BCDF6CDB-BAB4-4E41-23CF-A46C138614FC}"/>
+                </a:ext>
+              </a:extLst>
+            </p:cNvPr>
+            <p:cNvSpPr txBox="1"/>
+            <p:nvPr/>
+          </p:nvSpPr>
+          <p:spPr>
+            <a:xfrm>
+              <a:off x="3593899" y="4270622"/>
+              <a:ext cx="349776" cy="461665"/>
+            </a:xfrm>
+            <a:prstGeom prst="rect">
+              <a:avLst/>
+            </a:prstGeom>
+            <a:noFill/>
+          </p:spPr>
+          <p:txBody>
+            <a:bodyPr wrap="none" rtlCol="0">
+              <a:spAutoFit/>
+            </a:bodyPr>
+            <a:lstStyle/>
+            <a:p>
+              <a:r>
+                <a:rPr lang="en-PT" sz="2400" dirty="0"/>
+                <a:t>+</a:t>
+              </a:r>
+            </a:p>
+          </p:txBody>
+        </p:sp>
+        <p:sp>
+          <p:nvSpPr>
+            <p:cNvPr id="92" name="TextBox 91">
+              <a:extLst>
+                <a:ext uri="{FF2B5EF4-FFF2-40B4-BE49-F238E27FC236}">
+                  <a16:creationId xmlns:a16="http://schemas.microsoft.com/office/drawing/2014/main" id="{3E460FDB-D254-2B0B-CC01-E4649DCB5F46}"/>
+                </a:ext>
+              </a:extLst>
+            </p:cNvPr>
+            <p:cNvSpPr txBox="1"/>
+            <p:nvPr/>
+          </p:nvSpPr>
+          <p:spPr>
+            <a:xfrm>
+              <a:off x="3604785" y="4604565"/>
+              <a:ext cx="288862" cy="461665"/>
+            </a:xfrm>
+            <a:prstGeom prst="rect">
+              <a:avLst/>
+            </a:prstGeom>
+            <a:noFill/>
+          </p:spPr>
+          <p:txBody>
+            <a:bodyPr wrap="none" rtlCol="0">
+              <a:spAutoFit/>
+            </a:bodyPr>
+            <a:lstStyle/>
+            <a:p>
+              <a:r>
+                <a:rPr lang="en-PT" sz="2400" dirty="0"/>
+                <a:t>-</a:t>
+              </a:r>
+            </a:p>
+          </p:txBody>
+        </p:sp>
+        <p:sp>
+          <p:nvSpPr>
+            <p:cNvPr id="93" name="TextBox 92">
+              <a:extLst>
+                <a:ext uri="{FF2B5EF4-FFF2-40B4-BE49-F238E27FC236}">
+                  <a16:creationId xmlns:a16="http://schemas.microsoft.com/office/drawing/2014/main" id="{115E3332-9E7B-84DE-298B-3237AC2F66E3}"/>
+                </a:ext>
+              </a:extLst>
+            </p:cNvPr>
+            <p:cNvSpPr txBox="1"/>
+            <p:nvPr/>
+          </p:nvSpPr>
+          <p:spPr>
+            <a:xfrm>
+              <a:off x="3768787" y="4448107"/>
+              <a:ext cx="596638" cy="461665"/>
+            </a:xfrm>
+            <a:prstGeom prst="rect">
+              <a:avLst/>
+            </a:prstGeom>
+            <a:noFill/>
+          </p:spPr>
+          <p:txBody>
+            <a:bodyPr wrap="none" rtlCol="0">
+              <a:spAutoFit/>
+            </a:bodyPr>
+            <a:lstStyle/>
+            <a:p>
+              <a:r>
+                <a:rPr lang="en-PT" sz="2400" dirty="0"/>
+                <a:t>V</a:t>
+              </a:r>
+              <a:r>
+                <a:rPr lang="en-PT" sz="2400" baseline="-25000" dirty="0"/>
+                <a:t>RF</a:t>
+              </a:r>
+            </a:p>
+          </p:txBody>
+        </p:sp>
+      </p:grpSp>
+      <p:grpSp>
+        <p:nvGrpSpPr>
+          <p:cNvPr id="99" name="Group 98">
+            <a:extLst>
+              <a:ext uri="{FF2B5EF4-FFF2-40B4-BE49-F238E27FC236}">
+                <a16:creationId xmlns:a16="http://schemas.microsoft.com/office/drawing/2014/main" id="{18B02404-0B14-80E1-4CE6-6E676CC1F32E}"/>
+              </a:ext>
+            </a:extLst>
+          </p:cNvPr>
+          <p:cNvGrpSpPr/>
+          <p:nvPr/>
+        </p:nvGrpSpPr>
+        <p:grpSpPr>
+          <a:xfrm>
+            <a:off x="4946675" y="3683252"/>
+            <a:ext cx="3886755" cy="2653136"/>
+            <a:chOff x="4946675" y="3683252"/>
+            <a:chExt cx="3886755" cy="2653136"/>
+          </a:xfrm>
+        </p:grpSpPr>
+        <p:grpSp>
+          <p:nvGrpSpPr>
+            <p:cNvPr id="87" name="Group 86">
+              <a:extLst>
+                <a:ext uri="{FF2B5EF4-FFF2-40B4-BE49-F238E27FC236}">
+                  <a16:creationId xmlns:a16="http://schemas.microsoft.com/office/drawing/2014/main" id="{033F3BCB-D90C-03BC-19B7-9DC28FF6827E}"/>
+                </a:ext>
+              </a:extLst>
+            </p:cNvPr>
+            <p:cNvGrpSpPr/>
+            <p:nvPr/>
+          </p:nvGrpSpPr>
+          <p:grpSpPr>
+            <a:xfrm>
+              <a:off x="4946675" y="3683252"/>
+              <a:ext cx="3182307" cy="2653136"/>
+              <a:chOff x="4363899" y="569498"/>
+              <a:chExt cx="3182307" cy="2653136"/>
+            </a:xfrm>
+          </p:grpSpPr>
           <p:grpSp>
             <p:nvGrpSpPr>
-              <p:cNvPr id="217" name="Group 216">
+              <p:cNvPr id="82" name="Group 81">
                 <a:extLst>
                   <a:ext uri="{FF2B5EF4-FFF2-40B4-BE49-F238E27FC236}">
-                    <a16:creationId xmlns:a16="http://schemas.microsoft.com/office/drawing/2014/main" id="{A2E7F47D-75CC-F9E2-CB22-FB68366D484C}"/>
+                    <a16:creationId xmlns:a16="http://schemas.microsoft.com/office/drawing/2014/main" id="{60479BA4-E9F4-2348-CA96-A7F8B7328A16}"/>
                   </a:ext>
                 </a:extLst>
               </p:cNvPr>
@@ -11205,18 +14607,18 @@
             </p:nvGrpSpPr>
             <p:grpSpPr>
               <a:xfrm>
-                <a:off x="6633693" y="3714341"/>
-                <a:ext cx="4866907" cy="2511748"/>
-                <a:chOff x="4015836" y="3948726"/>
-                <a:chExt cx="4866907" cy="2511748"/>
+                <a:off x="4363899" y="569498"/>
+                <a:ext cx="2449096" cy="2653136"/>
+                <a:chOff x="8425564" y="795492"/>
+                <a:chExt cx="2449096" cy="2653136"/>
               </a:xfrm>
             </p:grpSpPr>
             <p:grpSp>
               <p:nvGrpSpPr>
-                <p:cNvPr id="218" name="Group 217">
+                <p:cNvPr id="65" name="Group 64">
                   <a:extLst>
                     <a:ext uri="{FF2B5EF4-FFF2-40B4-BE49-F238E27FC236}">
-                      <a16:creationId xmlns:a16="http://schemas.microsoft.com/office/drawing/2014/main" id="{179E2CF1-99FC-58F2-D4E9-9EBB6B98DEA3}"/>
+                      <a16:creationId xmlns:a16="http://schemas.microsoft.com/office/drawing/2014/main" id="{424913E7-D94A-1C7B-AEE4-762F32BE1610}"/>
                     </a:ext>
                   </a:extLst>
                 </p:cNvPr>
@@ -11225,18 +14627,18 @@
               </p:nvGrpSpPr>
               <p:grpSpPr>
                 <a:xfrm>
-                  <a:off x="4015836" y="3948726"/>
-                  <a:ext cx="4866907" cy="2511748"/>
-                  <a:chOff x="5850529" y="4022504"/>
-                  <a:chExt cx="4866907" cy="2511748"/>
+                  <a:off x="8425564" y="1414771"/>
+                  <a:ext cx="2449096" cy="2033857"/>
+                  <a:chOff x="4744994" y="533965"/>
+                  <a:chExt cx="2449096" cy="2033857"/>
                 </a:xfrm>
               </p:grpSpPr>
               <p:sp>
                 <p:nvSpPr>
-                  <p:cNvPr id="228" name="Rectangle 227">
+                  <p:cNvPr id="68" name="Rectangle 67">
                     <a:extLst>
                       <a:ext uri="{FF2B5EF4-FFF2-40B4-BE49-F238E27FC236}">
-                        <a16:creationId xmlns:a16="http://schemas.microsoft.com/office/drawing/2014/main" id="{842E1469-3885-F404-BDD0-B38102A876C7}"/>
+                        <a16:creationId xmlns:a16="http://schemas.microsoft.com/office/drawing/2014/main" id="{F8C82D16-0F4B-943E-D55E-165140164E69}"/>
                       </a:ext>
                     </a:extLst>
                   </p:cNvPr>
@@ -11245,15 +14647,15 @@
                 </p:nvSpPr>
                 <p:spPr>
                   <a:xfrm>
-                    <a:off x="6001565" y="4022504"/>
-                    <a:ext cx="4540328" cy="2511748"/>
+                    <a:off x="4747452" y="2134016"/>
+                    <a:ext cx="2446638" cy="433806"/>
                   </a:xfrm>
                   <a:prstGeom prst="rect">
                     <a:avLst/>
                   </a:prstGeom>
                   <a:solidFill>
                     <a:schemeClr val="bg1">
-                      <a:lumMod val="95000"/>
+                      <a:lumMod val="85000"/>
                     </a:schemeClr>
                   </a:solidFill>
                   <a:ln>
@@ -11281,16 +14683,356 @@
                   <a:lstStyle/>
                   <a:p>
                     <a:pPr algn="ctr"/>
-                    <a:endParaRPr lang="en-PT" dirty="0"/>
+                    <a:r>
+                      <a:rPr lang="en-PT" dirty="0">
+                        <a:solidFill>
+                          <a:schemeClr val="tx1"/>
+                        </a:solidFill>
+                      </a:rPr>
+                      <a:t>Substrate</a:t>
+                    </a:r>
+                  </a:p>
+                </p:txBody>
+              </p:sp>
+              <p:sp>
+                <p:nvSpPr>
+                  <p:cNvPr id="69" name="Rectangle 68">
+                    <a:extLst>
+                      <a:ext uri="{FF2B5EF4-FFF2-40B4-BE49-F238E27FC236}">
+                        <a16:creationId xmlns:a16="http://schemas.microsoft.com/office/drawing/2014/main" id="{0A581CFC-1505-DA3B-927B-D69103F986BF}"/>
+                      </a:ext>
+                    </a:extLst>
+                  </p:cNvPr>
+                  <p:cNvSpPr/>
+                  <p:nvPr/>
+                </p:nvSpPr>
+                <p:spPr>
+                  <a:xfrm rot="16200000">
+                    <a:off x="6132199" y="1505808"/>
+                    <a:ext cx="1689976" cy="433806"/>
+                  </a:xfrm>
+                  <a:prstGeom prst="rect">
+                    <a:avLst/>
+                  </a:prstGeom>
+                  <a:solidFill>
+                    <a:schemeClr val="bg1">
+                      <a:lumMod val="85000"/>
+                    </a:schemeClr>
+                  </a:solidFill>
+                  <a:ln>
+                    <a:noFill/>
+                  </a:ln>
+                </p:spPr>
+                <p:style>
+                  <a:lnRef idx="2">
+                    <a:schemeClr val="accent1">
+                      <a:shade val="15000"/>
+                    </a:schemeClr>
+                  </a:lnRef>
+                  <a:fillRef idx="1">
+                    <a:schemeClr val="accent1"/>
+                  </a:fillRef>
+                  <a:effectRef idx="0">
+                    <a:schemeClr val="accent1"/>
+                  </a:effectRef>
+                  <a:fontRef idx="minor">
+                    <a:schemeClr val="lt1"/>
+                  </a:fontRef>
+                </p:style>
+                <p:txBody>
+                  <a:bodyPr rtlCol="0" anchor="ctr"/>
+                  <a:lstStyle/>
+                  <a:p>
+                    <a:pPr algn="ctr"/>
+                    <a:endParaRPr lang="en-PT"/>
+                  </a:p>
+                </p:txBody>
+              </p:sp>
+              <p:sp>
+                <p:nvSpPr>
+                  <p:cNvPr id="70" name="Rectangle 69">
+                    <a:extLst>
+                      <a:ext uri="{FF2B5EF4-FFF2-40B4-BE49-F238E27FC236}">
+                        <a16:creationId xmlns:a16="http://schemas.microsoft.com/office/drawing/2014/main" id="{2DF7A236-F0F1-798D-AC61-AB25B1230152}"/>
+                      </a:ext>
+                    </a:extLst>
+                  </p:cNvPr>
+                  <p:cNvSpPr/>
+                  <p:nvPr/>
+                </p:nvSpPr>
+                <p:spPr>
+                  <a:xfrm rot="16200000">
+                    <a:off x="4119366" y="1505808"/>
+                    <a:ext cx="1689976" cy="433806"/>
+                  </a:xfrm>
+                  <a:prstGeom prst="rect">
+                    <a:avLst/>
+                  </a:prstGeom>
+                  <a:solidFill>
+                    <a:schemeClr val="bg1">
+                      <a:lumMod val="85000"/>
+                    </a:schemeClr>
+                  </a:solidFill>
+                  <a:ln>
+                    <a:noFill/>
+                  </a:ln>
+                </p:spPr>
+                <p:style>
+                  <a:lnRef idx="2">
+                    <a:schemeClr val="accent1">
+                      <a:shade val="15000"/>
+                    </a:schemeClr>
+                  </a:lnRef>
+                  <a:fillRef idx="1">
+                    <a:schemeClr val="accent1"/>
+                  </a:fillRef>
+                  <a:effectRef idx="0">
+                    <a:schemeClr val="accent1"/>
+                  </a:effectRef>
+                  <a:fontRef idx="minor">
+                    <a:schemeClr val="lt1"/>
+                  </a:fontRef>
+                </p:style>
+                <p:txBody>
+                  <a:bodyPr rtlCol="0" anchor="ctr"/>
+                  <a:lstStyle/>
+                  <a:p>
+                    <a:pPr algn="ctr"/>
+                    <a:endParaRPr lang="en-PT"/>
+                  </a:p>
+                </p:txBody>
+              </p:sp>
+              <p:sp>
+                <p:nvSpPr>
+                  <p:cNvPr id="71" name="Rectangle 70">
+                    <a:extLst>
+                      <a:ext uri="{FF2B5EF4-FFF2-40B4-BE49-F238E27FC236}">
+                        <a16:creationId xmlns:a16="http://schemas.microsoft.com/office/drawing/2014/main" id="{928C827D-3E53-9679-A6F1-2591A821CF87}"/>
+                      </a:ext>
+                    </a:extLst>
+                  </p:cNvPr>
+                  <p:cNvSpPr/>
+                  <p:nvPr/>
+                </p:nvSpPr>
+                <p:spPr>
+                  <a:xfrm>
+                    <a:off x="4747451" y="605184"/>
+                    <a:ext cx="2446638" cy="272415"/>
+                  </a:xfrm>
+                  <a:prstGeom prst="rect">
+                    <a:avLst/>
+                  </a:prstGeom>
+                  <a:solidFill>
+                    <a:schemeClr val="accent2">
+                      <a:lumMod val="40000"/>
+                      <a:lumOff val="60000"/>
+                    </a:schemeClr>
+                  </a:solidFill>
+                </p:spPr>
+                <p:style>
+                  <a:lnRef idx="2">
+                    <a:schemeClr val="accent1">
+                      <a:shade val="15000"/>
+                    </a:schemeClr>
+                  </a:lnRef>
+                  <a:fillRef idx="1">
+                    <a:schemeClr val="accent1"/>
+                  </a:fillRef>
+                  <a:effectRef idx="0">
+                    <a:schemeClr val="accent1"/>
+                  </a:effectRef>
+                  <a:fontRef idx="minor">
+                    <a:schemeClr val="lt1"/>
+                  </a:fontRef>
+                </p:style>
+                <p:txBody>
+                  <a:bodyPr rtlCol="0" anchor="ctr"/>
+                  <a:lstStyle/>
+                  <a:p>
+                    <a:pPr algn="ctr"/>
+                    <a:r>
+                      <a:rPr lang="en-PT" dirty="0">
+                        <a:solidFill>
+                          <a:schemeClr val="tx1"/>
+                        </a:solidFill>
+                      </a:rPr>
+                      <a:t>Dielectric</a:t>
+                    </a:r>
+                  </a:p>
+                </p:txBody>
+              </p:sp>
+              <p:sp>
+                <p:nvSpPr>
+                  <p:cNvPr id="72" name="Rectangle 71">
+                    <a:extLst>
+                      <a:ext uri="{FF2B5EF4-FFF2-40B4-BE49-F238E27FC236}">
+                        <a16:creationId xmlns:a16="http://schemas.microsoft.com/office/drawing/2014/main" id="{BB264D23-C187-6765-252B-B5E30EBF2B5F}"/>
+                      </a:ext>
+                    </a:extLst>
+                  </p:cNvPr>
+                  <p:cNvSpPr/>
+                  <p:nvPr/>
+                </p:nvSpPr>
+                <p:spPr>
+                  <a:xfrm>
+                    <a:off x="4747451" y="533965"/>
+                    <a:ext cx="2446638" cy="84611"/>
+                  </a:xfrm>
+                  <a:prstGeom prst="rect">
+                    <a:avLst/>
+                  </a:prstGeom>
+                  <a:solidFill>
+                    <a:schemeClr val="accent5">
+                      <a:lumMod val="40000"/>
+                      <a:lumOff val="60000"/>
+                    </a:schemeClr>
+                  </a:solidFill>
+                </p:spPr>
+                <p:style>
+                  <a:lnRef idx="2">
+                    <a:schemeClr val="accent1">
+                      <a:shade val="15000"/>
+                    </a:schemeClr>
+                  </a:lnRef>
+                  <a:fillRef idx="1">
+                    <a:schemeClr val="accent1"/>
+                  </a:fillRef>
+                  <a:effectRef idx="0">
+                    <a:schemeClr val="accent1"/>
+                  </a:effectRef>
+                  <a:fontRef idx="minor">
+                    <a:schemeClr val="lt1"/>
+                  </a:fontRef>
+                </p:style>
+                <p:txBody>
+                  <a:bodyPr rtlCol="0" anchor="ctr"/>
+                  <a:lstStyle/>
+                  <a:p>
+                    <a:pPr algn="ctr"/>
+                    <a:endParaRPr lang="en-PT"/>
+                  </a:p>
+                </p:txBody>
+              </p:sp>
+              <p:sp>
+                <p:nvSpPr>
+                  <p:cNvPr id="73" name="Freeform 72">
+                    <a:extLst>
+                      <a:ext uri="{FF2B5EF4-FFF2-40B4-BE49-F238E27FC236}">
+                        <a16:creationId xmlns:a16="http://schemas.microsoft.com/office/drawing/2014/main" id="{12BB2D8B-A17A-E2DB-D8B7-B3B51C5BE73D}"/>
+                      </a:ext>
+                    </a:extLst>
+                  </p:cNvPr>
+                  <p:cNvSpPr/>
+                  <p:nvPr/>
+                </p:nvSpPr>
+                <p:spPr>
+                  <a:xfrm>
+                    <a:off x="4744994" y="848378"/>
+                    <a:ext cx="2446638" cy="1066923"/>
+                  </a:xfrm>
+                  <a:custGeom>
+                    <a:avLst/>
+                    <a:gdLst>
+                      <a:gd name="connsiteX0" fmla="*/ 0 w 2409568"/>
+                      <a:gd name="connsiteY0" fmla="*/ 0 h 1050328"/>
+                      <a:gd name="connsiteX1" fmla="*/ 469557 w 2409568"/>
+                      <a:gd name="connsiteY1" fmla="*/ 222421 h 1050328"/>
+                      <a:gd name="connsiteX2" fmla="*/ 1260390 w 2409568"/>
+                      <a:gd name="connsiteY2" fmla="*/ 1050324 h 1050328"/>
+                      <a:gd name="connsiteX3" fmla="*/ 1989438 w 2409568"/>
+                      <a:gd name="connsiteY3" fmla="*/ 210065 h 1050328"/>
+                      <a:gd name="connsiteX4" fmla="*/ 2409568 w 2409568"/>
+                      <a:gd name="connsiteY4" fmla="*/ 37070 h 1050328"/>
+                    </a:gdLst>
+                    <a:ahLst/>
+                    <a:cxnLst>
+                      <a:cxn ang="0">
+                        <a:pos x="connsiteX0" y="connsiteY0"/>
+                      </a:cxn>
+                      <a:cxn ang="0">
+                        <a:pos x="connsiteX1" y="connsiteY1"/>
+                      </a:cxn>
+                      <a:cxn ang="0">
+                        <a:pos x="connsiteX2" y="connsiteY2"/>
+                      </a:cxn>
+                      <a:cxn ang="0">
+                        <a:pos x="connsiteX3" y="connsiteY3"/>
+                      </a:cxn>
+                      <a:cxn ang="0">
+                        <a:pos x="connsiteX4" y="connsiteY4"/>
+                      </a:cxn>
+                    </a:cxnLst>
+                    <a:rect l="l" t="t" r="r" b="b"/>
+                    <a:pathLst>
+                      <a:path w="2409568" h="1050328">
+                        <a:moveTo>
+                          <a:pt x="0" y="0"/>
+                        </a:moveTo>
+                        <a:cubicBezTo>
+                          <a:pt x="129746" y="23683"/>
+                          <a:pt x="259492" y="47367"/>
+                          <a:pt x="469557" y="222421"/>
+                        </a:cubicBezTo>
+                        <a:cubicBezTo>
+                          <a:pt x="679622" y="397475"/>
+                          <a:pt x="1007077" y="1052383"/>
+                          <a:pt x="1260390" y="1050324"/>
+                        </a:cubicBezTo>
+                        <a:cubicBezTo>
+                          <a:pt x="1513703" y="1048265"/>
+                          <a:pt x="1797908" y="378941"/>
+                          <a:pt x="1989438" y="210065"/>
+                        </a:cubicBezTo>
+                        <a:cubicBezTo>
+                          <a:pt x="2180968" y="41189"/>
+                          <a:pt x="2295268" y="39129"/>
+                          <a:pt x="2409568" y="37070"/>
+                        </a:cubicBezTo>
+                      </a:path>
+                    </a:pathLst>
+                  </a:custGeom>
+                  <a:noFill/>
+                  <a:ln w="63500">
+                    <a:solidFill>
+                      <a:schemeClr val="accent2">
+                        <a:lumMod val="60000"/>
+                        <a:lumOff val="40000"/>
+                      </a:schemeClr>
+                    </a:solidFill>
+                    <a:prstDash val="dash"/>
+                  </a:ln>
+                </p:spPr>
+                <p:style>
+                  <a:lnRef idx="2">
+                    <a:schemeClr val="accent1">
+                      <a:shade val="15000"/>
+                    </a:schemeClr>
+                  </a:lnRef>
+                  <a:fillRef idx="1">
+                    <a:schemeClr val="accent1"/>
+                  </a:fillRef>
+                  <a:effectRef idx="0">
+                    <a:schemeClr val="accent1"/>
+                  </a:effectRef>
+                  <a:fontRef idx="minor">
+                    <a:schemeClr val="lt1"/>
+                  </a:fontRef>
+                </p:style>
+                <p:txBody>
+                  <a:bodyPr rtlCol="0" anchor="ctr"/>
+                  <a:lstStyle/>
+                  <a:p>
+                    <a:pPr algn="ctr"/>
+                    <a:endParaRPr lang="en-PT"/>
                   </a:p>
                 </p:txBody>
               </p:sp>
               <p:cxnSp>
                 <p:nvCxnSpPr>
-                  <p:cNvPr id="229" name="Straight Connector 228">
+                  <p:cNvPr id="74" name="Straight Arrow Connector 73">
                     <a:extLst>
                       <a:ext uri="{FF2B5EF4-FFF2-40B4-BE49-F238E27FC236}">
-                        <a16:creationId xmlns:a16="http://schemas.microsoft.com/office/drawing/2014/main" id="{F9563F69-E0E3-2CAC-BACF-0C51253898CA}"/>
+                        <a16:creationId xmlns:a16="http://schemas.microsoft.com/office/drawing/2014/main" id="{78DF5C07-8F54-0869-B1E1-6651BF86B357}"/>
                       </a:ext>
                     </a:extLst>
                   </p:cNvPr>
@@ -11301,17 +15043,18 @@
                 </p:nvCxnSpPr>
                 <p:spPr>
                   <a:xfrm>
-                    <a:off x="5850529" y="5161698"/>
-                    <a:ext cx="4866907" cy="0"/>
+                    <a:off x="5542868" y="889363"/>
+                    <a:ext cx="0" cy="526569"/>
                   </a:xfrm>
-                  <a:prstGeom prst="line">
+                  <a:prstGeom prst="straightConnector1">
                     <a:avLst/>
                   </a:prstGeom>
                   <a:ln w="38100">
                     <a:solidFill>
                       <a:schemeClr val="tx1"/>
                     </a:solidFill>
-                    <a:prstDash val="dash"/>
+                    <a:headEnd type="triangle"/>
+                    <a:tailEnd type="triangle"/>
                   </a:ln>
                 </p:spPr>
                 <p:style>
@@ -11329,189 +15072,83 @@
                   </a:fontRef>
                 </p:style>
               </p:cxnSp>
-              <mc:AlternateContent xmlns:mc="http://schemas.openxmlformats.org/markup-compatibility/2006">
-                <mc:Choice xmlns:a14="http://schemas.microsoft.com/office/drawing/2010/main" Requires="a14">
-                  <p:sp>
-                    <p:nvSpPr>
-                      <p:cNvPr id="230" name="TextBox 229">
-                        <a:extLst>
-                          <a:ext uri="{FF2B5EF4-FFF2-40B4-BE49-F238E27FC236}">
-                            <a16:creationId xmlns:a16="http://schemas.microsoft.com/office/drawing/2014/main" id="{04EB949C-2CB6-9099-E84C-14585C3E069C}"/>
-                          </a:ext>
-                        </a:extLst>
-                      </p:cNvPr>
-                      <p:cNvSpPr txBox="1"/>
-                      <p:nvPr/>
-                    </p:nvSpPr>
-                    <p:spPr>
-                      <a:xfrm>
-                        <a:off x="9316125" y="4053412"/>
-                        <a:ext cx="1188209" cy="369332"/>
-                      </a:xfrm>
-                      <a:prstGeom prst="rect">
-                        <a:avLst/>
-                      </a:prstGeom>
-                      <a:noFill/>
-                    </p:spPr>
-                    <p:txBody>
-                      <a:bodyPr wrap="none" lIns="0" tIns="0" rIns="0" bIns="0" rtlCol="0">
-                        <a:spAutoFit/>
-                      </a:bodyPr>
-                      <a:lstStyle/>
-                      <a:p>
-                        <a14:m>
-                          <m:oMathPara xmlns:m="http://schemas.openxmlformats.org/officeDocument/2006/math">
-                            <m:oMathParaPr>
-                              <m:jc m:val="centerGroup"/>
-                            </m:oMathParaPr>
-                            <m:oMath xmlns:m="http://schemas.openxmlformats.org/officeDocument/2006/math">
-                              <m:sSub>
-                                <m:sSubPr>
-                                  <m:ctrlPr>
-                                    <a:rPr lang="pt-PT" sz="2400" b="0" i="1" smtClean="0">
-                                      <a:latin typeface="Cambria Math" panose="02040503050406030204" pitchFamily="18" charset="0"/>
-                                    </a:rPr>
-                                  </m:ctrlPr>
-                                </m:sSubPr>
-                                <m:e>
-                                  <m:r>
-                                    <a:rPr lang="pt-PT" sz="2400" b="0" i="1" smtClean="0">
-                                      <a:latin typeface="Cambria Math" panose="02040503050406030204" pitchFamily="18" charset="0"/>
-                                    </a:rPr>
-                                    <m:t>𝑍</m:t>
-                                  </m:r>
-                                </m:e>
-                                <m:sub>
-                                  <m:r>
-                                    <a:rPr lang="pt-PT" sz="2400" b="0" i="1" smtClean="0">
-                                      <a:latin typeface="Cambria Math" panose="02040503050406030204" pitchFamily="18" charset="0"/>
-                                    </a:rPr>
-                                    <m:t>1</m:t>
-                                  </m:r>
-                                </m:sub>
-                              </m:sSub>
-                              <m:r>
-                                <a:rPr lang="pt-PT" sz="2400" b="0" i="1" smtClean="0">
-                                  <a:latin typeface="Cambria Math" panose="02040503050406030204" pitchFamily="18" charset="0"/>
-                                </a:rPr>
-                                <m:t>, </m:t>
-                              </m:r>
-                              <m:sSub>
-                                <m:sSubPr>
-                                  <m:ctrlPr>
-                                    <a:rPr lang="pt-PT" sz="2400" b="0" i="1" smtClean="0">
-                                      <a:latin typeface="Cambria Math" panose="02040503050406030204" pitchFamily="18" charset="0"/>
-                                    </a:rPr>
-                                  </m:ctrlPr>
-                                </m:sSubPr>
-                                <m:e>
-                                  <m:r>
-                                    <a:rPr lang="pt-PT" sz="2400" b="0" i="1" smtClean="0">
-                                      <a:latin typeface="Cambria Math" panose="02040503050406030204" pitchFamily="18" charset="0"/>
-                                    </a:rPr>
-                                    <m:t>𝑐</m:t>
-                                  </m:r>
-                                </m:e>
-                                <m:sub>
-                                  <m:r>
-                                    <a:rPr lang="pt-PT" sz="2400" b="0" i="1" smtClean="0">
-                                      <a:latin typeface="Cambria Math" panose="02040503050406030204" pitchFamily="18" charset="0"/>
-                                    </a:rPr>
-                                    <m:t>1</m:t>
-                                  </m:r>
-                                </m:sub>
-                              </m:sSub>
-                              <m:r>
-                                <a:rPr lang="pt-PT" sz="2400" b="0" i="1" smtClean="0">
-                                  <a:latin typeface="Cambria Math" panose="02040503050406030204" pitchFamily="18" charset="0"/>
-                                </a:rPr>
-                                <m:t>, </m:t>
-                              </m:r>
-                              <m:sSub>
-                                <m:sSubPr>
-                                  <m:ctrlPr>
-                                    <a:rPr lang="pt-PT" sz="2400" b="0" i="1" smtClean="0">
-                                      <a:latin typeface="Cambria Math" panose="02040503050406030204" pitchFamily="18" charset="0"/>
-                                    </a:rPr>
-                                  </m:ctrlPr>
-                                </m:sSubPr>
-                                <m:e>
-                                  <m:r>
-                                    <a:rPr lang="pt-PT" sz="2400" b="0" i="1" smtClean="0">
-                                      <a:latin typeface="Cambria Math" panose="02040503050406030204" pitchFamily="18" charset="0"/>
-                                    </a:rPr>
-                                    <m:t>𝛼</m:t>
-                                  </m:r>
-                                </m:e>
-                                <m:sub>
-                                  <m:r>
-                                    <a:rPr lang="pt-PT" sz="2400" b="0" i="1" smtClean="0">
-                                      <a:latin typeface="Cambria Math" panose="02040503050406030204" pitchFamily="18" charset="0"/>
-                                    </a:rPr>
-                                    <m:t>1</m:t>
-                                  </m:r>
-                                </m:sub>
-                              </m:sSub>
-                            </m:oMath>
-                          </m:oMathPara>
-                        </a14:m>
-                        <a:endParaRPr lang="en-PT" sz="2400" dirty="0"/>
-                      </a:p>
-                    </p:txBody>
-                  </p:sp>
-                </mc:Choice>
-                <mc:Fallback>
-                  <p:sp>
-                    <p:nvSpPr>
-                      <p:cNvPr id="230" name="TextBox 229">
-                        <a:extLst>
-                          <a:ext uri="{FF2B5EF4-FFF2-40B4-BE49-F238E27FC236}">
-                            <a16:creationId xmlns:a16="http://schemas.microsoft.com/office/drawing/2014/main" id="{04EB949C-2CB6-9099-E84C-14585C3E069C}"/>
-                          </a:ext>
-                        </a:extLst>
-                      </p:cNvPr>
-                      <p:cNvSpPr txBox="1">
-                        <a:spLocks noRot="1" noChangeAspect="1" noMove="1" noResize="1" noEditPoints="1" noAdjustHandles="1" noChangeArrowheads="1" noChangeShapeType="1" noTextEdit="1"/>
-                      </p:cNvSpPr>
-                      <p:nvPr/>
-                    </p:nvSpPr>
-                    <p:spPr>
-                      <a:xfrm>
-                        <a:off x="9316125" y="4053412"/>
-                        <a:ext cx="1188209" cy="369332"/>
-                      </a:xfrm>
-                      <a:prstGeom prst="rect">
-                        <a:avLst/>
-                      </a:prstGeom>
-                      <a:blipFill>
-                        <a:blip r:embed="rId10"/>
-                        <a:stretch>
-                          <a:fillRect l="-5263" r="-2105" b="-13793"/>
-                        </a:stretch>
-                      </a:blipFill>
-                    </p:spPr>
-                    <p:txBody>
-                      <a:bodyPr/>
-                      <a:lstStyle/>
-                      <a:p>
-                        <a:r>
-                          <a:rPr lang="en-PT">
-                            <a:noFill/>
-                          </a:rPr>
-                          <a:t> </a:t>
-                        </a:r>
-                      </a:p>
-                    </p:txBody>
-                  </p:sp>
-                </mc:Fallback>
-              </mc:AlternateContent>
+              <p:sp>
+                <p:nvSpPr>
+                  <p:cNvPr id="75" name="TextBox 74">
+                    <a:extLst>
+                      <a:ext uri="{FF2B5EF4-FFF2-40B4-BE49-F238E27FC236}">
+                        <a16:creationId xmlns:a16="http://schemas.microsoft.com/office/drawing/2014/main" id="{F6C6235F-38C8-361F-4D20-F7F24BCDC1C5}"/>
+                      </a:ext>
+                    </a:extLst>
+                  </p:cNvPr>
+                  <p:cNvSpPr txBox="1"/>
+                  <p:nvPr/>
+                </p:nvSpPr>
+                <p:spPr>
+                  <a:xfrm>
+                    <a:off x="5139681" y="1810492"/>
+                    <a:ext cx="806375" cy="369332"/>
+                  </a:xfrm>
+                  <a:prstGeom prst="rect">
+                    <a:avLst/>
+                  </a:prstGeom>
+                  <a:noFill/>
+                </p:spPr>
+                <p:txBody>
+                  <a:bodyPr wrap="none" rtlCol="0">
+                    <a:spAutoFit/>
+                  </a:bodyPr>
+                  <a:lstStyle/>
+                  <a:p>
+                    <a:r>
+                      <a:rPr lang="en-PT" dirty="0"/>
+                      <a:t>Cavity</a:t>
+                    </a:r>
+                  </a:p>
+                </p:txBody>
+              </p:sp>
+              <p:sp>
+                <p:nvSpPr>
+                  <p:cNvPr id="76" name="TextBox 75">
+                    <a:extLst>
+                      <a:ext uri="{FF2B5EF4-FFF2-40B4-BE49-F238E27FC236}">
+                        <a16:creationId xmlns:a16="http://schemas.microsoft.com/office/drawing/2014/main" id="{A65EEA5B-17F2-1922-8837-A957F30295F5}"/>
+                      </a:ext>
+                    </a:extLst>
+                  </p:cNvPr>
+                  <p:cNvSpPr txBox="1"/>
+                  <p:nvPr/>
+                </p:nvSpPr>
+                <p:spPr>
+                  <a:xfrm>
+                    <a:off x="5540078" y="886870"/>
+                    <a:ext cx="1220206" cy="369332"/>
+                  </a:xfrm>
+                  <a:prstGeom prst="rect">
+                    <a:avLst/>
+                  </a:prstGeom>
+                  <a:noFill/>
+                </p:spPr>
+                <p:txBody>
+                  <a:bodyPr wrap="none" rtlCol="0">
+                    <a:spAutoFit/>
+                  </a:bodyPr>
+                  <a:lstStyle/>
+                  <a:p>
+                    <a:r>
+                      <a:rPr lang="en-PT" dirty="0"/>
+                      <a:t>Deflection</a:t>
+                    </a:r>
+                  </a:p>
+                </p:txBody>
+              </p:sp>
             </p:grpSp>
             <p:sp>
               <p:nvSpPr>
-                <p:cNvPr id="219" name="Freeform 218">
+                <p:cNvPr id="79" name="Rectangle 78">
                   <a:extLst>
                     <a:ext uri="{FF2B5EF4-FFF2-40B4-BE49-F238E27FC236}">
-                      <a16:creationId xmlns:a16="http://schemas.microsoft.com/office/drawing/2014/main" id="{FA63AB39-69AC-A6EA-5DAD-C683F800C092}"/>
+                      <a16:creationId xmlns:a16="http://schemas.microsoft.com/office/drawing/2014/main" id="{8E028A5D-D4BE-F84D-F0F6-E105FDC0817D}"/>
                     </a:ext>
                   </a:extLst>
                 </p:cNvPr>
@@ -11520,151 +15157,18 @@
               </p:nvSpPr>
               <p:spPr>
                 <a:xfrm>
-                  <a:off x="4297680" y="4362979"/>
-                  <a:ext cx="1476103" cy="1313523"/>
+                  <a:off x="8425564" y="1061135"/>
+                  <a:ext cx="2446638" cy="84611"/>
                 </a:xfrm>
-                <a:custGeom>
+                <a:prstGeom prst="rect">
                   <a:avLst/>
-                  <a:gdLst>
-                    <a:gd name="connsiteX0" fmla="*/ 0 w 1476103"/>
-                    <a:gd name="connsiteY0" fmla="*/ 600905 h 1084603"/>
-                    <a:gd name="connsiteX1" fmla="*/ 91440 w 1476103"/>
-                    <a:gd name="connsiteY1" fmla="*/ 404963 h 1084603"/>
-                    <a:gd name="connsiteX2" fmla="*/ 195943 w 1476103"/>
-                    <a:gd name="connsiteY2" fmla="*/ 875225 h 1084603"/>
-                    <a:gd name="connsiteX3" fmla="*/ 352697 w 1476103"/>
-                    <a:gd name="connsiteY3" fmla="*/ 130643 h 1084603"/>
-                    <a:gd name="connsiteX4" fmla="*/ 457200 w 1476103"/>
-                    <a:gd name="connsiteY4" fmla="*/ 1084231 h 1084603"/>
-                    <a:gd name="connsiteX5" fmla="*/ 587829 w 1476103"/>
-                    <a:gd name="connsiteY5" fmla="*/ 14 h 1084603"/>
-                    <a:gd name="connsiteX6" fmla="*/ 718457 w 1476103"/>
-                    <a:gd name="connsiteY6" fmla="*/ 1058105 h 1084603"/>
-                    <a:gd name="connsiteX7" fmla="*/ 875211 w 1476103"/>
-                    <a:gd name="connsiteY7" fmla="*/ 326585 h 1084603"/>
-                    <a:gd name="connsiteX8" fmla="*/ 953589 w 1476103"/>
-                    <a:gd name="connsiteY8" fmla="*/ 849100 h 1084603"/>
-                    <a:gd name="connsiteX9" fmla="*/ 1110343 w 1476103"/>
-                    <a:gd name="connsiteY9" fmla="*/ 444151 h 1084603"/>
-                    <a:gd name="connsiteX10" fmla="*/ 1214846 w 1476103"/>
-                    <a:gd name="connsiteY10" fmla="*/ 731534 h 1084603"/>
-                    <a:gd name="connsiteX11" fmla="*/ 1345474 w 1476103"/>
-                    <a:gd name="connsiteY11" fmla="*/ 548654 h 1084603"/>
-                    <a:gd name="connsiteX12" fmla="*/ 1476103 w 1476103"/>
-                    <a:gd name="connsiteY12" fmla="*/ 613968 h 1084603"/>
-                  </a:gdLst>
-                  <a:ahLst/>
-                  <a:cxnLst>
-                    <a:cxn ang="0">
-                      <a:pos x="connsiteX0" y="connsiteY0"/>
-                    </a:cxn>
-                    <a:cxn ang="0">
-                      <a:pos x="connsiteX1" y="connsiteY1"/>
-                    </a:cxn>
-                    <a:cxn ang="0">
-                      <a:pos x="connsiteX2" y="connsiteY2"/>
-                    </a:cxn>
-                    <a:cxn ang="0">
-                      <a:pos x="connsiteX3" y="connsiteY3"/>
-                    </a:cxn>
-                    <a:cxn ang="0">
-                      <a:pos x="connsiteX4" y="connsiteY4"/>
-                    </a:cxn>
-                    <a:cxn ang="0">
-                      <a:pos x="connsiteX5" y="connsiteY5"/>
-                    </a:cxn>
-                    <a:cxn ang="0">
-                      <a:pos x="connsiteX6" y="connsiteY6"/>
-                    </a:cxn>
-                    <a:cxn ang="0">
-                      <a:pos x="connsiteX7" y="connsiteY7"/>
-                    </a:cxn>
-                    <a:cxn ang="0">
-                      <a:pos x="connsiteX8" y="connsiteY8"/>
-                    </a:cxn>
-                    <a:cxn ang="0">
-                      <a:pos x="connsiteX9" y="connsiteY9"/>
-                    </a:cxn>
-                    <a:cxn ang="0">
-                      <a:pos x="connsiteX10" y="connsiteY10"/>
-                    </a:cxn>
-                    <a:cxn ang="0">
-                      <a:pos x="connsiteX11" y="connsiteY11"/>
-                    </a:cxn>
-                    <a:cxn ang="0">
-                      <a:pos x="connsiteX12" y="connsiteY12"/>
-                    </a:cxn>
-                  </a:cxnLst>
-                  <a:rect l="l" t="t" r="r" b="b"/>
-                  <a:pathLst>
-                    <a:path w="1476103" h="1084603">
-                      <a:moveTo>
-                        <a:pt x="0" y="600905"/>
-                      </a:moveTo>
-                      <a:cubicBezTo>
-                        <a:pt x="29391" y="480074"/>
-                        <a:pt x="58783" y="359243"/>
-                        <a:pt x="91440" y="404963"/>
-                      </a:cubicBezTo>
-                      <a:cubicBezTo>
-                        <a:pt x="124097" y="450683"/>
-                        <a:pt x="152400" y="920945"/>
-                        <a:pt x="195943" y="875225"/>
-                      </a:cubicBezTo>
-                      <a:cubicBezTo>
-                        <a:pt x="239486" y="829505"/>
-                        <a:pt x="309154" y="95809"/>
-                        <a:pt x="352697" y="130643"/>
-                      </a:cubicBezTo>
-                      <a:cubicBezTo>
-                        <a:pt x="396240" y="165477"/>
-                        <a:pt x="418011" y="1106003"/>
-                        <a:pt x="457200" y="1084231"/>
-                      </a:cubicBezTo>
-                      <a:cubicBezTo>
-                        <a:pt x="496389" y="1062459"/>
-                        <a:pt x="544286" y="4368"/>
-                        <a:pt x="587829" y="14"/>
-                      </a:cubicBezTo>
-                      <a:cubicBezTo>
-                        <a:pt x="631372" y="-4340"/>
-                        <a:pt x="670560" y="1003677"/>
-                        <a:pt x="718457" y="1058105"/>
-                      </a:cubicBezTo>
-                      <a:cubicBezTo>
-                        <a:pt x="766354" y="1112533"/>
-                        <a:pt x="836022" y="361419"/>
-                        <a:pt x="875211" y="326585"/>
-                      </a:cubicBezTo>
-                      <a:cubicBezTo>
-                        <a:pt x="914400" y="291751"/>
-                        <a:pt x="914400" y="829506"/>
-                        <a:pt x="953589" y="849100"/>
-                      </a:cubicBezTo>
-                      <a:cubicBezTo>
-                        <a:pt x="992778" y="868694"/>
-                        <a:pt x="1066800" y="463745"/>
-                        <a:pt x="1110343" y="444151"/>
-                      </a:cubicBezTo>
-                      <a:cubicBezTo>
-                        <a:pt x="1153886" y="424557"/>
-                        <a:pt x="1175658" y="714117"/>
-                        <a:pt x="1214846" y="731534"/>
-                      </a:cubicBezTo>
-                      <a:cubicBezTo>
-                        <a:pt x="1254034" y="748951"/>
-                        <a:pt x="1301931" y="568248"/>
-                        <a:pt x="1345474" y="548654"/>
-                      </a:cubicBezTo>
-                      <a:cubicBezTo>
-                        <a:pt x="1389017" y="529060"/>
-                        <a:pt x="1432560" y="571514"/>
-                        <a:pt x="1476103" y="613968"/>
-                      </a:cubicBezTo>
-                    </a:path>
-                  </a:pathLst>
-                </a:custGeom>
-                <a:noFill/>
+                </a:prstGeom>
+                <a:solidFill>
+                  <a:schemeClr val="accent5">
+                    <a:lumMod val="40000"/>
+                    <a:lumOff val="60000"/>
+                  </a:schemeClr>
+                </a:solidFill>
               </p:spPr>
               <p:style>
                 <a:lnRef idx="2">
@@ -11693,10 +15197,10 @@
             </p:sp>
             <p:sp>
               <p:nvSpPr>
-                <p:cNvPr id="220" name="Freeform 219">
+                <p:cNvPr id="80" name="Rectangle 79">
                   <a:extLst>
                     <a:ext uri="{FF2B5EF4-FFF2-40B4-BE49-F238E27FC236}">
-                      <a16:creationId xmlns:a16="http://schemas.microsoft.com/office/drawing/2014/main" id="{B8AF9DCA-973D-53BE-F317-CEC6F10EC18B}"/>
+                      <a16:creationId xmlns:a16="http://schemas.microsoft.com/office/drawing/2014/main" id="{148D8731-F70A-E315-2480-BEEFDCABCB6E}"/>
                     </a:ext>
                   </a:extLst>
                 </p:cNvPr>
@@ -11705,151 +15209,18 @@
               </p:nvSpPr>
               <p:spPr>
                 <a:xfrm>
-                  <a:off x="5819209" y="4724172"/>
-                  <a:ext cx="1476103" cy="664311"/>
+                  <a:off x="8428021" y="1143125"/>
+                  <a:ext cx="2446638" cy="272415"/>
                 </a:xfrm>
-                <a:custGeom>
+                <a:prstGeom prst="rect">
                   <a:avLst/>
-                  <a:gdLst>
-                    <a:gd name="connsiteX0" fmla="*/ 0 w 1476103"/>
-                    <a:gd name="connsiteY0" fmla="*/ 600905 h 1084603"/>
-                    <a:gd name="connsiteX1" fmla="*/ 91440 w 1476103"/>
-                    <a:gd name="connsiteY1" fmla="*/ 404963 h 1084603"/>
-                    <a:gd name="connsiteX2" fmla="*/ 195943 w 1476103"/>
-                    <a:gd name="connsiteY2" fmla="*/ 875225 h 1084603"/>
-                    <a:gd name="connsiteX3" fmla="*/ 352697 w 1476103"/>
-                    <a:gd name="connsiteY3" fmla="*/ 130643 h 1084603"/>
-                    <a:gd name="connsiteX4" fmla="*/ 457200 w 1476103"/>
-                    <a:gd name="connsiteY4" fmla="*/ 1084231 h 1084603"/>
-                    <a:gd name="connsiteX5" fmla="*/ 587829 w 1476103"/>
-                    <a:gd name="connsiteY5" fmla="*/ 14 h 1084603"/>
-                    <a:gd name="connsiteX6" fmla="*/ 718457 w 1476103"/>
-                    <a:gd name="connsiteY6" fmla="*/ 1058105 h 1084603"/>
-                    <a:gd name="connsiteX7" fmla="*/ 875211 w 1476103"/>
-                    <a:gd name="connsiteY7" fmla="*/ 326585 h 1084603"/>
-                    <a:gd name="connsiteX8" fmla="*/ 953589 w 1476103"/>
-                    <a:gd name="connsiteY8" fmla="*/ 849100 h 1084603"/>
-                    <a:gd name="connsiteX9" fmla="*/ 1110343 w 1476103"/>
-                    <a:gd name="connsiteY9" fmla="*/ 444151 h 1084603"/>
-                    <a:gd name="connsiteX10" fmla="*/ 1214846 w 1476103"/>
-                    <a:gd name="connsiteY10" fmla="*/ 731534 h 1084603"/>
-                    <a:gd name="connsiteX11" fmla="*/ 1345474 w 1476103"/>
-                    <a:gd name="connsiteY11" fmla="*/ 548654 h 1084603"/>
-                    <a:gd name="connsiteX12" fmla="*/ 1476103 w 1476103"/>
-                    <a:gd name="connsiteY12" fmla="*/ 613968 h 1084603"/>
-                  </a:gdLst>
-                  <a:ahLst/>
-                  <a:cxnLst>
-                    <a:cxn ang="0">
-                      <a:pos x="connsiteX0" y="connsiteY0"/>
-                    </a:cxn>
-                    <a:cxn ang="0">
-                      <a:pos x="connsiteX1" y="connsiteY1"/>
-                    </a:cxn>
-                    <a:cxn ang="0">
-                      <a:pos x="connsiteX2" y="connsiteY2"/>
-                    </a:cxn>
-                    <a:cxn ang="0">
-                      <a:pos x="connsiteX3" y="connsiteY3"/>
-                    </a:cxn>
-                    <a:cxn ang="0">
-                      <a:pos x="connsiteX4" y="connsiteY4"/>
-                    </a:cxn>
-                    <a:cxn ang="0">
-                      <a:pos x="connsiteX5" y="connsiteY5"/>
-                    </a:cxn>
-                    <a:cxn ang="0">
-                      <a:pos x="connsiteX6" y="connsiteY6"/>
-                    </a:cxn>
-                    <a:cxn ang="0">
-                      <a:pos x="connsiteX7" y="connsiteY7"/>
-                    </a:cxn>
-                    <a:cxn ang="0">
-                      <a:pos x="connsiteX8" y="connsiteY8"/>
-                    </a:cxn>
-                    <a:cxn ang="0">
-                      <a:pos x="connsiteX9" y="connsiteY9"/>
-                    </a:cxn>
-                    <a:cxn ang="0">
-                      <a:pos x="connsiteX10" y="connsiteY10"/>
-                    </a:cxn>
-                    <a:cxn ang="0">
-                      <a:pos x="connsiteX11" y="connsiteY11"/>
-                    </a:cxn>
-                    <a:cxn ang="0">
-                      <a:pos x="connsiteX12" y="connsiteY12"/>
-                    </a:cxn>
-                  </a:cxnLst>
-                  <a:rect l="l" t="t" r="r" b="b"/>
-                  <a:pathLst>
-                    <a:path w="1476103" h="1084603">
-                      <a:moveTo>
-                        <a:pt x="0" y="600905"/>
-                      </a:moveTo>
-                      <a:cubicBezTo>
-                        <a:pt x="29391" y="480074"/>
-                        <a:pt x="58783" y="359243"/>
-                        <a:pt x="91440" y="404963"/>
-                      </a:cubicBezTo>
-                      <a:cubicBezTo>
-                        <a:pt x="124097" y="450683"/>
-                        <a:pt x="152400" y="920945"/>
-                        <a:pt x="195943" y="875225"/>
-                      </a:cubicBezTo>
-                      <a:cubicBezTo>
-                        <a:pt x="239486" y="829505"/>
-                        <a:pt x="309154" y="95809"/>
-                        <a:pt x="352697" y="130643"/>
-                      </a:cubicBezTo>
-                      <a:cubicBezTo>
-                        <a:pt x="396240" y="165477"/>
-                        <a:pt x="418011" y="1106003"/>
-                        <a:pt x="457200" y="1084231"/>
-                      </a:cubicBezTo>
-                      <a:cubicBezTo>
-                        <a:pt x="496389" y="1062459"/>
-                        <a:pt x="544286" y="4368"/>
-                        <a:pt x="587829" y="14"/>
-                      </a:cubicBezTo>
-                      <a:cubicBezTo>
-                        <a:pt x="631372" y="-4340"/>
-                        <a:pt x="670560" y="1003677"/>
-                        <a:pt x="718457" y="1058105"/>
-                      </a:cubicBezTo>
-                      <a:cubicBezTo>
-                        <a:pt x="766354" y="1112533"/>
-                        <a:pt x="836022" y="361419"/>
-                        <a:pt x="875211" y="326585"/>
-                      </a:cubicBezTo>
-                      <a:cubicBezTo>
-                        <a:pt x="914400" y="291751"/>
-                        <a:pt x="914400" y="829506"/>
-                        <a:pt x="953589" y="849100"/>
-                      </a:cubicBezTo>
-                      <a:cubicBezTo>
-                        <a:pt x="992778" y="868694"/>
-                        <a:pt x="1066800" y="463745"/>
-                        <a:pt x="1110343" y="444151"/>
-                      </a:cubicBezTo>
-                      <a:cubicBezTo>
-                        <a:pt x="1153886" y="424557"/>
-                        <a:pt x="1175658" y="714117"/>
-                        <a:pt x="1214846" y="731534"/>
-                      </a:cubicBezTo>
-                      <a:cubicBezTo>
-                        <a:pt x="1254034" y="748951"/>
-                        <a:pt x="1301931" y="568248"/>
-                        <a:pt x="1345474" y="548654"/>
-                      </a:cubicBezTo>
-                      <a:cubicBezTo>
-                        <a:pt x="1389017" y="529060"/>
-                        <a:pt x="1432560" y="571514"/>
-                        <a:pt x="1476103" y="613968"/>
-                      </a:cubicBezTo>
-                    </a:path>
-                  </a:pathLst>
-                </a:custGeom>
-                <a:noFill/>
+                </a:prstGeom>
+                <a:solidFill>
+                  <a:schemeClr val="tx2">
+                    <a:lumMod val="50000"/>
+                    <a:lumOff val="50000"/>
+                  </a:schemeClr>
+                </a:solidFill>
               </p:spPr>
               <p:style>
                 <a:lnRef idx="2">
@@ -11872,16 +15243,23 @@
                 <a:lstStyle/>
                 <a:p>
                   <a:pPr algn="ctr"/>
-                  <a:endParaRPr lang="en-PT"/>
+                  <a:r>
+                    <a:rPr lang="en-PT" dirty="0">
+                      <a:solidFill>
+                        <a:schemeClr val="bg1"/>
+                      </a:solidFill>
+                    </a:rPr>
+                    <a:t>Piezoelectric Layer</a:t>
+                  </a:r>
                 </a:p>
               </p:txBody>
             </p:sp>
             <p:sp>
               <p:nvSpPr>
-                <p:cNvPr id="221" name="Freeform 220">
+                <p:cNvPr id="81" name="Rectangle 80">
                   <a:extLst>
                     <a:ext uri="{FF2B5EF4-FFF2-40B4-BE49-F238E27FC236}">
-                      <a16:creationId xmlns:a16="http://schemas.microsoft.com/office/drawing/2014/main" id="{771EE337-0B58-226C-EDA9-8535A60045D3}"/>
+                      <a16:creationId xmlns:a16="http://schemas.microsoft.com/office/drawing/2014/main" id="{3F973931-E554-E6B4-0C8E-A9F2D2010308}"/>
                     </a:ext>
                   </a:extLst>
                 </p:cNvPr>
@@ -11890,151 +15268,18 @@
               </p:nvSpPr>
               <p:spPr>
                 <a:xfrm>
-                  <a:off x="7295312" y="4901264"/>
-                  <a:ext cx="1476103" cy="321059"/>
+                  <a:off x="8425564" y="795492"/>
+                  <a:ext cx="2446638" cy="272415"/>
                 </a:xfrm>
-                <a:custGeom>
+                <a:prstGeom prst="rect">
                   <a:avLst/>
-                  <a:gdLst>
-                    <a:gd name="connsiteX0" fmla="*/ 0 w 1476103"/>
-                    <a:gd name="connsiteY0" fmla="*/ 600905 h 1084603"/>
-                    <a:gd name="connsiteX1" fmla="*/ 91440 w 1476103"/>
-                    <a:gd name="connsiteY1" fmla="*/ 404963 h 1084603"/>
-                    <a:gd name="connsiteX2" fmla="*/ 195943 w 1476103"/>
-                    <a:gd name="connsiteY2" fmla="*/ 875225 h 1084603"/>
-                    <a:gd name="connsiteX3" fmla="*/ 352697 w 1476103"/>
-                    <a:gd name="connsiteY3" fmla="*/ 130643 h 1084603"/>
-                    <a:gd name="connsiteX4" fmla="*/ 457200 w 1476103"/>
-                    <a:gd name="connsiteY4" fmla="*/ 1084231 h 1084603"/>
-                    <a:gd name="connsiteX5" fmla="*/ 587829 w 1476103"/>
-                    <a:gd name="connsiteY5" fmla="*/ 14 h 1084603"/>
-                    <a:gd name="connsiteX6" fmla="*/ 718457 w 1476103"/>
-                    <a:gd name="connsiteY6" fmla="*/ 1058105 h 1084603"/>
-                    <a:gd name="connsiteX7" fmla="*/ 875211 w 1476103"/>
-                    <a:gd name="connsiteY7" fmla="*/ 326585 h 1084603"/>
-                    <a:gd name="connsiteX8" fmla="*/ 953589 w 1476103"/>
-                    <a:gd name="connsiteY8" fmla="*/ 849100 h 1084603"/>
-                    <a:gd name="connsiteX9" fmla="*/ 1110343 w 1476103"/>
-                    <a:gd name="connsiteY9" fmla="*/ 444151 h 1084603"/>
-                    <a:gd name="connsiteX10" fmla="*/ 1214846 w 1476103"/>
-                    <a:gd name="connsiteY10" fmla="*/ 731534 h 1084603"/>
-                    <a:gd name="connsiteX11" fmla="*/ 1345474 w 1476103"/>
-                    <a:gd name="connsiteY11" fmla="*/ 548654 h 1084603"/>
-                    <a:gd name="connsiteX12" fmla="*/ 1476103 w 1476103"/>
-                    <a:gd name="connsiteY12" fmla="*/ 613968 h 1084603"/>
-                  </a:gdLst>
-                  <a:ahLst/>
-                  <a:cxnLst>
-                    <a:cxn ang="0">
-                      <a:pos x="connsiteX0" y="connsiteY0"/>
-                    </a:cxn>
-                    <a:cxn ang="0">
-                      <a:pos x="connsiteX1" y="connsiteY1"/>
-                    </a:cxn>
-                    <a:cxn ang="0">
-                      <a:pos x="connsiteX2" y="connsiteY2"/>
-                    </a:cxn>
-                    <a:cxn ang="0">
-                      <a:pos x="connsiteX3" y="connsiteY3"/>
-                    </a:cxn>
-                    <a:cxn ang="0">
-                      <a:pos x="connsiteX4" y="connsiteY4"/>
-                    </a:cxn>
-                    <a:cxn ang="0">
-                      <a:pos x="connsiteX5" y="connsiteY5"/>
-                    </a:cxn>
-                    <a:cxn ang="0">
-                      <a:pos x="connsiteX6" y="connsiteY6"/>
-                    </a:cxn>
-                    <a:cxn ang="0">
-                      <a:pos x="connsiteX7" y="connsiteY7"/>
-                    </a:cxn>
-                    <a:cxn ang="0">
-                      <a:pos x="connsiteX8" y="connsiteY8"/>
-                    </a:cxn>
-                    <a:cxn ang="0">
-                      <a:pos x="connsiteX9" y="connsiteY9"/>
-                    </a:cxn>
-                    <a:cxn ang="0">
-                      <a:pos x="connsiteX10" y="connsiteY10"/>
-                    </a:cxn>
-                    <a:cxn ang="0">
-                      <a:pos x="connsiteX11" y="connsiteY11"/>
-                    </a:cxn>
-                    <a:cxn ang="0">
-                      <a:pos x="connsiteX12" y="connsiteY12"/>
-                    </a:cxn>
-                  </a:cxnLst>
-                  <a:rect l="l" t="t" r="r" b="b"/>
-                  <a:pathLst>
-                    <a:path w="1476103" h="1084603">
-                      <a:moveTo>
-                        <a:pt x="0" y="600905"/>
-                      </a:moveTo>
-                      <a:cubicBezTo>
-                        <a:pt x="29391" y="480074"/>
-                        <a:pt x="58783" y="359243"/>
-                        <a:pt x="91440" y="404963"/>
-                      </a:cubicBezTo>
-                      <a:cubicBezTo>
-                        <a:pt x="124097" y="450683"/>
-                        <a:pt x="152400" y="920945"/>
-                        <a:pt x="195943" y="875225"/>
-                      </a:cubicBezTo>
-                      <a:cubicBezTo>
-                        <a:pt x="239486" y="829505"/>
-                        <a:pt x="309154" y="95809"/>
-                        <a:pt x="352697" y="130643"/>
-                      </a:cubicBezTo>
-                      <a:cubicBezTo>
-                        <a:pt x="396240" y="165477"/>
-                        <a:pt x="418011" y="1106003"/>
-                        <a:pt x="457200" y="1084231"/>
-                      </a:cubicBezTo>
-                      <a:cubicBezTo>
-                        <a:pt x="496389" y="1062459"/>
-                        <a:pt x="544286" y="4368"/>
-                        <a:pt x="587829" y="14"/>
-                      </a:cubicBezTo>
-                      <a:cubicBezTo>
-                        <a:pt x="631372" y="-4340"/>
-                        <a:pt x="670560" y="1003677"/>
-                        <a:pt x="718457" y="1058105"/>
-                      </a:cubicBezTo>
-                      <a:cubicBezTo>
-                        <a:pt x="766354" y="1112533"/>
-                        <a:pt x="836022" y="361419"/>
-                        <a:pt x="875211" y="326585"/>
-                      </a:cubicBezTo>
-                      <a:cubicBezTo>
-                        <a:pt x="914400" y="291751"/>
-                        <a:pt x="914400" y="829506"/>
-                        <a:pt x="953589" y="849100"/>
-                      </a:cubicBezTo>
-                      <a:cubicBezTo>
-                        <a:pt x="992778" y="868694"/>
-                        <a:pt x="1066800" y="463745"/>
-                        <a:pt x="1110343" y="444151"/>
-                      </a:cubicBezTo>
-                      <a:cubicBezTo>
-                        <a:pt x="1153886" y="424557"/>
-                        <a:pt x="1175658" y="714117"/>
-                        <a:pt x="1214846" y="731534"/>
-                      </a:cubicBezTo>
-                      <a:cubicBezTo>
-                        <a:pt x="1254034" y="748951"/>
-                        <a:pt x="1301931" y="568248"/>
-                        <a:pt x="1345474" y="548654"/>
-                      </a:cubicBezTo>
-                      <a:cubicBezTo>
-                        <a:pt x="1389017" y="529060"/>
-                        <a:pt x="1432560" y="571514"/>
-                        <a:pt x="1476103" y="613968"/>
-                      </a:cubicBezTo>
-                    </a:path>
-                  </a:pathLst>
-                </a:custGeom>
-                <a:noFill/>
+                </a:prstGeom>
+                <a:solidFill>
+                  <a:schemeClr val="accent3">
+                    <a:lumMod val="40000"/>
+                    <a:lumOff val="60000"/>
+                  </a:schemeClr>
+                </a:solidFill>
               </p:spPr>
               <p:style>
                 <a:lnRef idx="2">
@@ -12057,492 +15302,50 @@
                 <a:lstStyle/>
                 <a:p>
                   <a:pPr algn="ctr"/>
-                  <a:endParaRPr lang="en-PT"/>
-                </a:p>
-              </p:txBody>
-            </p:sp>
-            <p:sp>
-              <p:nvSpPr>
-                <p:cNvPr id="222" name="Freeform 221">
-                  <a:extLst>
-                    <a:ext uri="{FF2B5EF4-FFF2-40B4-BE49-F238E27FC236}">
-                      <a16:creationId xmlns:a16="http://schemas.microsoft.com/office/drawing/2014/main" id="{BB5E7646-78F9-F999-8754-3908447396A3}"/>
-                    </a:ext>
-                  </a:extLst>
-                </p:cNvPr>
-                <p:cNvSpPr/>
-                <p:nvPr/>
-              </p:nvSpPr>
-              <p:spPr>
-                <a:xfrm>
-                  <a:off x="4990012" y="4323805"/>
-                  <a:ext cx="679268" cy="640080"/>
-                </a:xfrm>
-                <a:custGeom>
-                  <a:avLst/>
-                  <a:gdLst>
-                    <a:gd name="connsiteX0" fmla="*/ 0 w 679268"/>
-                    <a:gd name="connsiteY0" fmla="*/ 0 h 640080"/>
-                    <a:gd name="connsiteX1" fmla="*/ 195942 w 679268"/>
-                    <a:gd name="connsiteY1" fmla="*/ 391886 h 640080"/>
-                    <a:gd name="connsiteX2" fmla="*/ 679268 w 679268"/>
-                    <a:gd name="connsiteY2" fmla="*/ 640080 h 640080"/>
-                  </a:gdLst>
-                  <a:ahLst/>
-                  <a:cxnLst>
-                    <a:cxn ang="0">
-                      <a:pos x="connsiteX0" y="connsiteY0"/>
-                    </a:cxn>
-                    <a:cxn ang="0">
-                      <a:pos x="connsiteX1" y="connsiteY1"/>
-                    </a:cxn>
-                    <a:cxn ang="0">
-                      <a:pos x="connsiteX2" y="connsiteY2"/>
-                    </a:cxn>
-                  </a:cxnLst>
-                  <a:rect l="l" t="t" r="r" b="b"/>
-                  <a:pathLst>
-                    <a:path w="679268" h="640080">
-                      <a:moveTo>
-                        <a:pt x="0" y="0"/>
-                      </a:moveTo>
-                      <a:cubicBezTo>
-                        <a:pt x="41365" y="142603"/>
-                        <a:pt x="82731" y="285206"/>
-                        <a:pt x="195942" y="391886"/>
-                      </a:cubicBezTo>
-                      <a:cubicBezTo>
-                        <a:pt x="309153" y="498566"/>
-                        <a:pt x="494210" y="569323"/>
-                        <a:pt x="679268" y="640080"/>
-                      </a:cubicBezTo>
-                    </a:path>
-                  </a:pathLst>
-                </a:custGeom>
-                <a:noFill/>
-                <a:ln w="31750">
-                  <a:solidFill>
-                    <a:schemeClr val="accent5">
-                      <a:lumMod val="60000"/>
-                      <a:lumOff val="40000"/>
-                    </a:schemeClr>
-                  </a:solidFill>
-                  <a:tailEnd type="triangle"/>
-                </a:ln>
-              </p:spPr>
-              <p:style>
-                <a:lnRef idx="2">
-                  <a:schemeClr val="accent1">
-                    <a:shade val="15000"/>
-                  </a:schemeClr>
-                </a:lnRef>
-                <a:fillRef idx="1">
-                  <a:schemeClr val="accent1"/>
-                </a:fillRef>
-                <a:effectRef idx="0">
-                  <a:schemeClr val="accent1"/>
-                </a:effectRef>
-                <a:fontRef idx="minor">
-                  <a:schemeClr val="lt1"/>
-                </a:fontRef>
-              </p:style>
-              <p:txBody>
-                <a:bodyPr rtlCol="0" anchor="ctr"/>
-                <a:lstStyle/>
-                <a:p>
-                  <a:pPr algn="ctr"/>
-                  <a:endParaRPr lang="en-PT"/>
-                </a:p>
-              </p:txBody>
-            </p:sp>
-            <p:sp>
-              <p:nvSpPr>
-                <p:cNvPr id="223" name="Freeform 222">
-                  <a:extLst>
-                    <a:ext uri="{FF2B5EF4-FFF2-40B4-BE49-F238E27FC236}">
-                      <a16:creationId xmlns:a16="http://schemas.microsoft.com/office/drawing/2014/main" id="{5C9C708B-872A-76BF-3DB7-4DF2BC35A628}"/>
-                    </a:ext>
-                  </a:extLst>
-                </p:cNvPr>
-                <p:cNvSpPr/>
-                <p:nvPr/>
-              </p:nvSpPr>
-              <p:spPr>
-                <a:xfrm flipV="1">
-                  <a:off x="5040433" y="5201608"/>
-                  <a:ext cx="628847" cy="611239"/>
-                </a:xfrm>
-                <a:custGeom>
-                  <a:avLst/>
-                  <a:gdLst>
-                    <a:gd name="connsiteX0" fmla="*/ 0 w 679268"/>
-                    <a:gd name="connsiteY0" fmla="*/ 0 h 640080"/>
-                    <a:gd name="connsiteX1" fmla="*/ 195942 w 679268"/>
-                    <a:gd name="connsiteY1" fmla="*/ 391886 h 640080"/>
-                    <a:gd name="connsiteX2" fmla="*/ 679268 w 679268"/>
-                    <a:gd name="connsiteY2" fmla="*/ 640080 h 640080"/>
-                  </a:gdLst>
-                  <a:ahLst/>
-                  <a:cxnLst>
-                    <a:cxn ang="0">
-                      <a:pos x="connsiteX0" y="connsiteY0"/>
-                    </a:cxn>
-                    <a:cxn ang="0">
-                      <a:pos x="connsiteX1" y="connsiteY1"/>
-                    </a:cxn>
-                    <a:cxn ang="0">
-                      <a:pos x="connsiteX2" y="connsiteY2"/>
-                    </a:cxn>
-                  </a:cxnLst>
-                  <a:rect l="l" t="t" r="r" b="b"/>
-                  <a:pathLst>
-                    <a:path w="679268" h="640080">
-                      <a:moveTo>
-                        <a:pt x="0" y="0"/>
-                      </a:moveTo>
-                      <a:cubicBezTo>
-                        <a:pt x="41365" y="142603"/>
-                        <a:pt x="82731" y="285206"/>
-                        <a:pt x="195942" y="391886"/>
-                      </a:cubicBezTo>
-                      <a:cubicBezTo>
-                        <a:pt x="309153" y="498566"/>
-                        <a:pt x="494210" y="569323"/>
-                        <a:pt x="679268" y="640080"/>
-                      </a:cubicBezTo>
-                    </a:path>
-                  </a:pathLst>
-                </a:custGeom>
-                <a:noFill/>
-                <a:ln w="31750">
-                  <a:solidFill>
-                    <a:schemeClr val="accent5">
-                      <a:lumMod val="60000"/>
-                      <a:lumOff val="40000"/>
-                    </a:schemeClr>
-                  </a:solidFill>
-                  <a:tailEnd type="triangle"/>
-                </a:ln>
-              </p:spPr>
-              <p:style>
-                <a:lnRef idx="2">
-                  <a:schemeClr val="accent1">
-                    <a:shade val="15000"/>
-                  </a:schemeClr>
-                </a:lnRef>
-                <a:fillRef idx="1">
-                  <a:schemeClr val="accent1"/>
-                </a:fillRef>
-                <a:effectRef idx="0">
-                  <a:schemeClr val="accent1"/>
-                </a:effectRef>
-                <a:fontRef idx="minor">
-                  <a:schemeClr val="lt1"/>
-                </a:fontRef>
-              </p:style>
-              <p:txBody>
-                <a:bodyPr rtlCol="0" anchor="ctr"/>
-                <a:lstStyle/>
-                <a:p>
-                  <a:pPr algn="ctr"/>
-                  <a:endParaRPr lang="en-PT"/>
-                </a:p>
-              </p:txBody>
-            </p:sp>
-            <p:sp>
-              <p:nvSpPr>
-                <p:cNvPr id="224" name="Freeform 223">
-                  <a:extLst>
-                    <a:ext uri="{FF2B5EF4-FFF2-40B4-BE49-F238E27FC236}">
-                      <a16:creationId xmlns:a16="http://schemas.microsoft.com/office/drawing/2014/main" id="{48B121E7-DF66-E31D-49D9-6AB2FFB7962B}"/>
-                    </a:ext>
-                  </a:extLst>
-                </p:cNvPr>
-                <p:cNvSpPr/>
-                <p:nvPr/>
-              </p:nvSpPr>
-              <p:spPr>
-                <a:xfrm>
-                  <a:off x="4310743" y="3958047"/>
-                  <a:ext cx="4358898" cy="993528"/>
-                </a:xfrm>
-                <a:custGeom>
-                  <a:avLst/>
-                  <a:gdLst>
-                    <a:gd name="connsiteX0" fmla="*/ 0 w 4297680"/>
-                    <a:gd name="connsiteY0" fmla="*/ 0 h 1058091"/>
-                    <a:gd name="connsiteX1" fmla="*/ 1175657 w 4297680"/>
-                    <a:gd name="connsiteY1" fmla="*/ 640080 h 1058091"/>
-                    <a:gd name="connsiteX2" fmla="*/ 4297680 w 4297680"/>
-                    <a:gd name="connsiteY2" fmla="*/ 1058091 h 1058091"/>
-                  </a:gdLst>
-                  <a:ahLst/>
-                  <a:cxnLst>
-                    <a:cxn ang="0">
-                      <a:pos x="connsiteX0" y="connsiteY0"/>
-                    </a:cxn>
-                    <a:cxn ang="0">
-                      <a:pos x="connsiteX1" y="connsiteY1"/>
-                    </a:cxn>
-                    <a:cxn ang="0">
-                      <a:pos x="connsiteX2" y="connsiteY2"/>
-                    </a:cxn>
-                  </a:cxnLst>
-                  <a:rect l="l" t="t" r="r" b="b"/>
-                  <a:pathLst>
-                    <a:path w="4297680" h="1058091">
-                      <a:moveTo>
-                        <a:pt x="0" y="0"/>
-                      </a:moveTo>
-                      <a:cubicBezTo>
-                        <a:pt x="229688" y="231866"/>
-                        <a:pt x="459377" y="463732"/>
-                        <a:pt x="1175657" y="640080"/>
-                      </a:cubicBezTo>
-                      <a:cubicBezTo>
-                        <a:pt x="1891937" y="816429"/>
-                        <a:pt x="3094808" y="937260"/>
-                        <a:pt x="4297680" y="1058091"/>
-                      </a:cubicBezTo>
-                    </a:path>
-                  </a:pathLst>
-                </a:custGeom>
-                <a:noFill/>
-                <a:ln w="31750">
-                  <a:solidFill>
-                    <a:schemeClr val="tx2">
-                      <a:lumMod val="50000"/>
-                      <a:lumOff val="50000"/>
-                    </a:schemeClr>
-                  </a:solidFill>
-                  <a:tailEnd type="triangle"/>
-                </a:ln>
-              </p:spPr>
-              <p:style>
-                <a:lnRef idx="2">
-                  <a:schemeClr val="accent1">
-                    <a:shade val="15000"/>
-                  </a:schemeClr>
-                </a:lnRef>
-                <a:fillRef idx="1">
-                  <a:schemeClr val="accent1"/>
-                </a:fillRef>
-                <a:effectRef idx="0">
-                  <a:schemeClr val="accent1"/>
-                </a:effectRef>
-                <a:fontRef idx="minor">
-                  <a:schemeClr val="lt1"/>
-                </a:fontRef>
-              </p:style>
-              <p:txBody>
-                <a:bodyPr rtlCol="0" anchor="ctr"/>
-                <a:lstStyle/>
-                <a:p>
-                  <a:pPr algn="ctr"/>
-                  <a:endParaRPr lang="en-PT"/>
-                </a:p>
-              </p:txBody>
-            </p:sp>
-            <p:sp>
-              <p:nvSpPr>
-                <p:cNvPr id="225" name="Freeform 224">
-                  <a:extLst>
-                    <a:ext uri="{FF2B5EF4-FFF2-40B4-BE49-F238E27FC236}">
-                      <a16:creationId xmlns:a16="http://schemas.microsoft.com/office/drawing/2014/main" id="{EB1765D5-9118-DAE0-9140-A27E5DFAB514}"/>
-                    </a:ext>
-                  </a:extLst>
-                </p:cNvPr>
-                <p:cNvSpPr/>
-                <p:nvPr/>
-              </p:nvSpPr>
-              <p:spPr>
-                <a:xfrm flipV="1">
-                  <a:off x="4281206" y="5157435"/>
-                  <a:ext cx="4358898" cy="993528"/>
-                </a:xfrm>
-                <a:custGeom>
-                  <a:avLst/>
-                  <a:gdLst>
-                    <a:gd name="connsiteX0" fmla="*/ 0 w 4297680"/>
-                    <a:gd name="connsiteY0" fmla="*/ 0 h 1058091"/>
-                    <a:gd name="connsiteX1" fmla="*/ 1175657 w 4297680"/>
-                    <a:gd name="connsiteY1" fmla="*/ 640080 h 1058091"/>
-                    <a:gd name="connsiteX2" fmla="*/ 4297680 w 4297680"/>
-                    <a:gd name="connsiteY2" fmla="*/ 1058091 h 1058091"/>
-                  </a:gdLst>
-                  <a:ahLst/>
-                  <a:cxnLst>
-                    <a:cxn ang="0">
-                      <a:pos x="connsiteX0" y="connsiteY0"/>
-                    </a:cxn>
-                    <a:cxn ang="0">
-                      <a:pos x="connsiteX1" y="connsiteY1"/>
-                    </a:cxn>
-                    <a:cxn ang="0">
-                      <a:pos x="connsiteX2" y="connsiteY2"/>
-                    </a:cxn>
-                  </a:cxnLst>
-                  <a:rect l="l" t="t" r="r" b="b"/>
-                  <a:pathLst>
-                    <a:path w="4297680" h="1058091">
-                      <a:moveTo>
-                        <a:pt x="0" y="0"/>
-                      </a:moveTo>
-                      <a:cubicBezTo>
-                        <a:pt x="229688" y="231866"/>
-                        <a:pt x="459377" y="463732"/>
-                        <a:pt x="1175657" y="640080"/>
-                      </a:cubicBezTo>
-                      <a:cubicBezTo>
-                        <a:pt x="1891937" y="816429"/>
-                        <a:pt x="3094808" y="937260"/>
-                        <a:pt x="4297680" y="1058091"/>
-                      </a:cubicBezTo>
-                    </a:path>
-                  </a:pathLst>
-                </a:custGeom>
-                <a:noFill/>
-                <a:ln w="31750">
-                  <a:solidFill>
-                    <a:schemeClr val="tx2">
-                      <a:lumMod val="50000"/>
-                      <a:lumOff val="50000"/>
-                    </a:schemeClr>
-                  </a:solidFill>
-                  <a:tailEnd type="triangle"/>
-                </a:ln>
-              </p:spPr>
-              <p:style>
-                <a:lnRef idx="2">
-                  <a:schemeClr val="accent1">
-                    <a:shade val="15000"/>
-                  </a:schemeClr>
-                </a:lnRef>
-                <a:fillRef idx="1">
-                  <a:schemeClr val="accent1"/>
-                </a:fillRef>
-                <a:effectRef idx="0">
-                  <a:schemeClr val="accent1"/>
-                </a:effectRef>
-                <a:fontRef idx="minor">
-                  <a:schemeClr val="lt1"/>
-                </a:fontRef>
-              </p:style>
-              <p:txBody>
-                <a:bodyPr rtlCol="0" anchor="ctr"/>
-                <a:lstStyle/>
-                <a:p>
-                  <a:pPr algn="ctr"/>
-                  <a:endParaRPr lang="en-PT"/>
-                </a:p>
-              </p:txBody>
-            </p:sp>
-            <p:sp>
-              <p:nvSpPr>
-                <p:cNvPr id="226" name="TextBox 225">
-                  <a:extLst>
-                    <a:ext uri="{FF2B5EF4-FFF2-40B4-BE49-F238E27FC236}">
-                      <a16:creationId xmlns:a16="http://schemas.microsoft.com/office/drawing/2014/main" id="{3ABE7671-2A8C-5BA4-9DBE-093ACCF2A69D}"/>
-                    </a:ext>
-                  </a:extLst>
-                </p:cNvPr>
-                <p:cNvSpPr txBox="1"/>
-                <p:nvPr/>
-              </p:nvSpPr>
-              <p:spPr>
-                <a:xfrm>
-                  <a:off x="6361612" y="4148991"/>
-                  <a:ext cx="65" cy="369332"/>
-                </a:xfrm>
-                <a:prstGeom prst="rect">
-                  <a:avLst/>
-                </a:prstGeom>
-                <a:noFill/>
-              </p:spPr>
-              <p:txBody>
-                <a:bodyPr wrap="none" lIns="0" tIns="0" rIns="0" bIns="0" rtlCol="0">
-                  <a:spAutoFit/>
-                </a:bodyPr>
-                <a:lstStyle/>
-                <a:p>
-                  <a:pPr/>
-                  <a:endParaRPr lang="en-PT" sz="2400" dirty="0">
-                    <a:solidFill>
-                      <a:schemeClr val="accent5">
-                        <a:lumMod val="60000"/>
-                        <a:lumOff val="40000"/>
-                      </a:schemeClr>
-                    </a:solidFill>
-                  </a:endParaRPr>
-                </a:p>
-              </p:txBody>
-            </p:sp>
-            <p:sp>
-              <p:nvSpPr>
-                <p:cNvPr id="227" name="TextBox 226">
-                  <a:extLst>
-                    <a:ext uri="{FF2B5EF4-FFF2-40B4-BE49-F238E27FC236}">
-                      <a16:creationId xmlns:a16="http://schemas.microsoft.com/office/drawing/2014/main" id="{0FDFC3D0-E8CB-1120-5492-0EABD5CDFA49}"/>
-                    </a:ext>
-                  </a:extLst>
-                </p:cNvPr>
-                <p:cNvSpPr txBox="1"/>
-                <p:nvPr/>
-              </p:nvSpPr>
-              <p:spPr>
-                <a:xfrm>
-                  <a:off x="5655803" y="4215296"/>
-                  <a:ext cx="65" cy="369332"/>
-                </a:xfrm>
-                <a:prstGeom prst="rect">
-                  <a:avLst/>
-                </a:prstGeom>
-                <a:noFill/>
-              </p:spPr>
-              <p:txBody>
-                <a:bodyPr wrap="none" lIns="0" tIns="0" rIns="0" bIns="0" rtlCol="0">
-                  <a:spAutoFit/>
-                </a:bodyPr>
-                <a:lstStyle/>
-                <a:p>
-                  <a:pPr/>
-                  <a:endParaRPr lang="en-PT" sz="2400" dirty="0">
-                    <a:solidFill>
-                      <a:schemeClr val="tx2">
-                        <a:lumMod val="50000"/>
-                        <a:lumOff val="50000"/>
-                      </a:schemeClr>
-                    </a:solidFill>
-                  </a:endParaRPr>
+                  <a:r>
+                    <a:rPr lang="en-PT" dirty="0">
+                      <a:solidFill>
+                        <a:schemeClr val="tx1"/>
+                      </a:solidFill>
+                    </a:rPr>
+                    <a:t>Matching Layer</a:t>
+                  </a:r>
                 </a:p>
               </p:txBody>
             </p:sp>
           </p:grpSp>
           <p:cxnSp>
             <p:nvCxnSpPr>
-              <p:cNvPr id="232" name="Straight Arrow Connector 231">
+              <p:cNvPr id="83" name="Elbow Connector 82">
                 <a:extLst>
                   <a:ext uri="{FF2B5EF4-FFF2-40B4-BE49-F238E27FC236}">
-                    <a16:creationId xmlns:a16="http://schemas.microsoft.com/office/drawing/2014/main" id="{8CE37266-FDBB-43FF-41A5-E5F07F859EF1}"/>
+                    <a16:creationId xmlns:a16="http://schemas.microsoft.com/office/drawing/2014/main" id="{4C148565-78FF-C8B5-6883-7BFAC0EA97DB}"/>
                   </a:ext>
                 </a:extLst>
               </p:cNvPr>
-              <p:cNvCxnSpPr/>
+              <p:cNvCxnSpPr>
+                <a:cxnSpLocks/>
+              </p:cNvCxnSpPr>
               <p:nvPr/>
             </p:nvCxnSpPr>
             <p:spPr>
               <a:xfrm flipV="1">
-                <a:off x="6940818" y="1146946"/>
-                <a:ext cx="0" cy="2419815"/>
+                <a:off x="6773467" y="719940"/>
+                <a:ext cx="772739" cy="158385"/>
               </a:xfrm>
-              <a:prstGeom prst="straightConnector1">
-                <a:avLst/>
+              <a:prstGeom prst="bentConnector3">
+                <a:avLst>
+                  <a:gd name="adj1" fmla="val 50000"/>
+                </a:avLst>
               </a:prstGeom>
-              <a:ln w="25400">
+              <a:ln w="44450">
                 <a:solidFill>
-                  <a:schemeClr val="tx1"/>
+                  <a:schemeClr val="accent5">
+                    <a:lumMod val="40000"/>
+                    <a:lumOff val="60000"/>
+                  </a:schemeClr>
                 </a:solidFill>
-                <a:tailEnd type="triangle"/>
+                <a:tailEnd type="oval"/>
               </a:ln>
             </p:spPr>
             <p:style>
@@ -12562,10 +15365,10 @@
           </p:cxnSp>
           <p:cxnSp>
             <p:nvCxnSpPr>
-              <p:cNvPr id="233" name="Straight Arrow Connector 232">
+              <p:cNvPr id="85" name="Elbow Connector 84">
                 <a:extLst>
                   <a:ext uri="{FF2B5EF4-FFF2-40B4-BE49-F238E27FC236}">
-                    <a16:creationId xmlns:a16="http://schemas.microsoft.com/office/drawing/2014/main" id="{C9697835-1438-42F0-514B-6BCB9B17A9FA}"/>
+                    <a16:creationId xmlns:a16="http://schemas.microsoft.com/office/drawing/2014/main" id="{D757FBDD-EF91-87AC-7B69-F30C758D787E}"/>
                   </a:ext>
                 </a:extLst>
               </p:cNvPr>
@@ -12576,17 +15379,22 @@
             </p:nvCxnSpPr>
             <p:spPr>
               <a:xfrm>
-                <a:off x="6784729" y="3429000"/>
-                <a:ext cx="4473232" cy="0"/>
+                <a:off x="6773466" y="1233396"/>
+                <a:ext cx="772740" cy="202547"/>
               </a:xfrm>
-              <a:prstGeom prst="straightConnector1">
-                <a:avLst/>
+              <a:prstGeom prst="bentConnector3">
+                <a:avLst>
+                  <a:gd name="adj1" fmla="val 50000"/>
+                </a:avLst>
               </a:prstGeom>
-              <a:ln w="25400">
+              <a:ln w="44450">
                 <a:solidFill>
-                  <a:schemeClr val="tx1"/>
+                  <a:schemeClr val="accent5">
+                    <a:lumMod val="40000"/>
+                    <a:lumOff val="60000"/>
+                  </a:schemeClr>
                 </a:solidFill>
-                <a:tailEnd type="triangle"/>
+                <a:tailEnd type="oval"/>
               </a:ln>
             </p:spPr>
             <p:style>
@@ -12604,541 +15412,121 @@
               </a:fontRef>
             </p:style>
           </p:cxnSp>
-          <p:grpSp>
-            <p:nvGrpSpPr>
-              <p:cNvPr id="242" name="Group 241">
-                <a:extLst>
-                  <a:ext uri="{FF2B5EF4-FFF2-40B4-BE49-F238E27FC236}">
-                    <a16:creationId xmlns:a16="http://schemas.microsoft.com/office/drawing/2014/main" id="{C399EDD9-1D82-8032-1869-C52BAC4AE0AD}"/>
-                  </a:ext>
-                </a:extLst>
-              </p:cNvPr>
-              <p:cNvGrpSpPr/>
-              <p:nvPr/>
-            </p:nvGrpSpPr>
-            <p:grpSpPr>
-              <a:xfrm>
-                <a:off x="6940818" y="1291846"/>
-                <a:ext cx="4196874" cy="1991231"/>
-                <a:chOff x="6940818" y="1291846"/>
-                <a:chExt cx="4196874" cy="1991231"/>
-              </a:xfrm>
-            </p:grpSpPr>
-            <p:cxnSp>
-              <p:nvCxnSpPr>
-                <p:cNvPr id="237" name="Straight Connector 236">
-                  <a:extLst>
-                    <a:ext uri="{FF2B5EF4-FFF2-40B4-BE49-F238E27FC236}">
-                      <a16:creationId xmlns:a16="http://schemas.microsoft.com/office/drawing/2014/main" id="{118DC9A1-CF20-0167-9501-20426CBB005D}"/>
-                    </a:ext>
-                  </a:extLst>
-                </p:cNvPr>
-                <p:cNvCxnSpPr>
-                  <a:cxnSpLocks/>
-                </p:cNvCxnSpPr>
-                <p:nvPr/>
-              </p:nvCxnSpPr>
-              <p:spPr>
-                <a:xfrm>
-                  <a:off x="6940818" y="1291846"/>
-                  <a:ext cx="4196874" cy="1255148"/>
-                </a:xfrm>
-                <a:prstGeom prst="line">
-                  <a:avLst/>
-                </a:prstGeom>
-                <a:ln w="31750">
-                  <a:solidFill>
-                    <a:schemeClr val="bg2">
-                      <a:lumMod val="25000"/>
-                    </a:schemeClr>
-                  </a:solidFill>
-                </a:ln>
-              </p:spPr>
-              <p:style>
-                <a:lnRef idx="2">
-                  <a:schemeClr val="accent1"/>
-                </a:lnRef>
-                <a:fillRef idx="0">
-                  <a:schemeClr val="accent1"/>
-                </a:fillRef>
-                <a:effectRef idx="1">
-                  <a:schemeClr val="accent1"/>
-                </a:effectRef>
-                <a:fontRef idx="minor">
-                  <a:schemeClr val="tx1"/>
-                </a:fontRef>
-              </p:style>
-            </p:cxnSp>
-            <p:cxnSp>
-              <p:nvCxnSpPr>
-                <p:cNvPr id="241" name="Straight Connector 240">
-                  <a:extLst>
-                    <a:ext uri="{FF2B5EF4-FFF2-40B4-BE49-F238E27FC236}">
-                      <a16:creationId xmlns:a16="http://schemas.microsoft.com/office/drawing/2014/main" id="{032EE2D0-2AE2-A453-DE88-0664A62AB300}"/>
-                    </a:ext>
-                  </a:extLst>
-                </p:cNvPr>
-                <p:cNvCxnSpPr>
-                  <a:cxnSpLocks/>
-                </p:cNvCxnSpPr>
-                <p:nvPr/>
-              </p:nvCxnSpPr>
-              <p:spPr>
-                <a:xfrm>
-                  <a:off x="6940818" y="2027929"/>
-                  <a:ext cx="4196874" cy="1255148"/>
-                </a:xfrm>
-                <a:prstGeom prst="line">
-                  <a:avLst/>
-                </a:prstGeom>
-                <a:ln w="31750">
-                  <a:solidFill>
-                    <a:schemeClr val="bg2">
-                      <a:lumMod val="25000"/>
-                    </a:schemeClr>
-                  </a:solidFill>
-                </a:ln>
-              </p:spPr>
-              <p:style>
-                <a:lnRef idx="2">
-                  <a:schemeClr val="accent1"/>
-                </a:lnRef>
-                <a:fillRef idx="0">
-                  <a:schemeClr val="accent1"/>
-                </a:fillRef>
-                <a:effectRef idx="1">
-                  <a:schemeClr val="accent1"/>
-                </a:effectRef>
-                <a:fontRef idx="minor">
-                  <a:schemeClr val="tx1"/>
-                </a:fontRef>
-              </p:style>
-            </p:cxnSp>
-          </p:grpSp>
-          <p:cxnSp>
-            <p:nvCxnSpPr>
-              <p:cNvPr id="247" name="Straight Arrow Connector 246">
-                <a:extLst>
-                  <a:ext uri="{FF2B5EF4-FFF2-40B4-BE49-F238E27FC236}">
-                    <a16:creationId xmlns:a16="http://schemas.microsoft.com/office/drawing/2014/main" id="{EA4A79A6-BCDE-8426-1D40-1007830DC68A}"/>
-                  </a:ext>
-                </a:extLst>
-              </p:cNvPr>
-              <p:cNvCxnSpPr>
-                <a:cxnSpLocks/>
-              </p:cNvCxnSpPr>
-              <p:nvPr/>
-            </p:nvCxnSpPr>
-            <p:spPr>
-              <a:xfrm>
-                <a:off x="11029950" y="1231050"/>
-                <a:ext cx="0" cy="1207394"/>
-              </a:xfrm>
-              <a:prstGeom prst="straightConnector1">
-                <a:avLst/>
-              </a:prstGeom>
-              <a:ln w="25400">
-                <a:solidFill>
-                  <a:schemeClr val="tx1"/>
-                </a:solidFill>
-                <a:headEnd type="triangle"/>
-                <a:tailEnd type="triangle"/>
-              </a:ln>
-            </p:spPr>
-            <p:style>
-              <a:lnRef idx="2">
-                <a:schemeClr val="accent1"/>
-              </a:lnRef>
-              <a:fillRef idx="0">
-                <a:schemeClr val="accent1"/>
-              </a:fillRef>
-              <a:effectRef idx="1">
-                <a:schemeClr val="accent1"/>
-              </a:effectRef>
-              <a:fontRef idx="minor">
-                <a:schemeClr val="tx1"/>
-              </a:fontRef>
-            </p:style>
-          </p:cxnSp>
-          <p:cxnSp>
-            <p:nvCxnSpPr>
-              <p:cNvPr id="250" name="Straight Arrow Connector 249">
-                <a:extLst>
-                  <a:ext uri="{FF2B5EF4-FFF2-40B4-BE49-F238E27FC236}">
-                    <a16:creationId xmlns:a16="http://schemas.microsoft.com/office/drawing/2014/main" id="{7B150BDC-A92D-2E02-6ACC-9300EAE8A63B}"/>
-                  </a:ext>
-                </a:extLst>
-              </p:cNvPr>
-              <p:cNvCxnSpPr>
-                <a:cxnSpLocks/>
-              </p:cNvCxnSpPr>
-              <p:nvPr/>
-            </p:nvCxnSpPr>
-            <p:spPr>
-              <a:xfrm flipH="1">
-                <a:off x="11022330" y="2546994"/>
-                <a:ext cx="394" cy="685692"/>
-              </a:xfrm>
-              <a:prstGeom prst="straightConnector1">
-                <a:avLst/>
-              </a:prstGeom>
-              <a:ln w="25400">
-                <a:solidFill>
-                  <a:schemeClr val="tx1"/>
-                </a:solidFill>
-                <a:headEnd type="triangle"/>
-                <a:tailEnd type="triangle"/>
-              </a:ln>
-            </p:spPr>
-            <p:style>
-              <a:lnRef idx="2">
-                <a:schemeClr val="accent1"/>
-              </a:lnRef>
-              <a:fillRef idx="0">
-                <a:schemeClr val="accent1"/>
-              </a:fillRef>
-              <a:effectRef idx="1">
-                <a:schemeClr val="accent1"/>
-              </a:effectRef>
-              <a:fontRef idx="minor">
-                <a:schemeClr val="tx1"/>
-              </a:fontRef>
-            </p:style>
-          </p:cxnSp>
-          <p:cxnSp>
-            <p:nvCxnSpPr>
-              <p:cNvPr id="254" name="Straight Arrow Connector 253">
-                <a:extLst>
-                  <a:ext uri="{FF2B5EF4-FFF2-40B4-BE49-F238E27FC236}">
-                    <a16:creationId xmlns:a16="http://schemas.microsoft.com/office/drawing/2014/main" id="{CBE26EBC-6126-26A2-DF48-191B6921DA67}"/>
-                  </a:ext>
-                </a:extLst>
-              </p:cNvPr>
-              <p:cNvCxnSpPr>
-                <a:cxnSpLocks/>
-              </p:cNvCxnSpPr>
-              <p:nvPr/>
-            </p:nvCxnSpPr>
-            <p:spPr>
-              <a:xfrm>
-                <a:off x="11257961" y="1231050"/>
-                <a:ext cx="0" cy="2052027"/>
-              </a:xfrm>
-              <a:prstGeom prst="straightConnector1">
-                <a:avLst/>
-              </a:prstGeom>
-              <a:ln w="25400">
-                <a:solidFill>
-                  <a:schemeClr val="tx1"/>
-                </a:solidFill>
-                <a:headEnd type="triangle"/>
-                <a:tailEnd type="triangle"/>
-              </a:ln>
-            </p:spPr>
-            <p:style>
-              <a:lnRef idx="2">
-                <a:schemeClr val="accent1"/>
-              </a:lnRef>
-              <a:fillRef idx="0">
-                <a:schemeClr val="accent1"/>
-              </a:fillRef>
-              <a:effectRef idx="1">
-                <a:schemeClr val="accent1"/>
-              </a:effectRef>
-              <a:fontRef idx="minor">
-                <a:schemeClr val="tx1"/>
-              </a:fontRef>
-            </p:style>
-          </p:cxnSp>
-          <p:sp>
-            <p:nvSpPr>
-              <p:cNvPr id="257" name="TextBox 256">
-                <a:extLst>
-                  <a:ext uri="{FF2B5EF4-FFF2-40B4-BE49-F238E27FC236}">
-                    <a16:creationId xmlns:a16="http://schemas.microsoft.com/office/drawing/2014/main" id="{4D734AF4-F696-8FCA-F74C-5614DBA07039}"/>
-                  </a:ext>
-                </a:extLst>
-              </p:cNvPr>
-              <p:cNvSpPr txBox="1"/>
-              <p:nvPr/>
-            </p:nvSpPr>
-            <p:spPr>
-              <a:xfrm>
-                <a:off x="7812082" y="3833933"/>
-                <a:ext cx="933700" cy="461665"/>
-              </a:xfrm>
-              <a:prstGeom prst="rect">
-                <a:avLst/>
-              </a:prstGeom>
-              <a:noFill/>
-            </p:spPr>
-            <p:txBody>
-              <a:bodyPr wrap="square" rtlCol="0">
-                <a:spAutoFit/>
-              </a:bodyPr>
-              <a:lstStyle/>
-              <a:p>
-                <a:r>
-                  <a:rPr lang="en-PT" sz="2400" dirty="0">
-                    <a:solidFill>
-                      <a:schemeClr val="tx2">
-                        <a:lumMod val="50000"/>
-                        <a:lumOff val="50000"/>
-                      </a:schemeClr>
-                    </a:solidFill>
-                  </a:rPr>
-                  <a:t>DR</a:t>
-                </a:r>
-                <a:r>
-                  <a:rPr lang="en-PT" sz="2400" baseline="-25000" dirty="0">
-                    <a:solidFill>
-                      <a:schemeClr val="tx2">
-                        <a:lumMod val="50000"/>
-                        <a:lumOff val="50000"/>
-                      </a:schemeClr>
-                    </a:solidFill>
-                  </a:rPr>
-                  <a:t>P</a:t>
-                </a:r>
-              </a:p>
-            </p:txBody>
-          </p:sp>
-          <p:sp>
-            <p:nvSpPr>
-              <p:cNvPr id="258" name="TextBox 257">
-                <a:extLst>
-                  <a:ext uri="{FF2B5EF4-FFF2-40B4-BE49-F238E27FC236}">
-                    <a16:creationId xmlns:a16="http://schemas.microsoft.com/office/drawing/2014/main" id="{035264BD-247F-D0F4-50E7-AA24E1E41D96}"/>
-                  </a:ext>
-                </a:extLst>
-              </p:cNvPr>
-              <p:cNvSpPr txBox="1"/>
-              <p:nvPr/>
-            </p:nvSpPr>
-            <p:spPr>
-              <a:xfrm>
-                <a:off x="8176826" y="4349166"/>
-                <a:ext cx="679268" cy="461665"/>
-              </a:xfrm>
-              <a:prstGeom prst="rect">
-                <a:avLst/>
-              </a:prstGeom>
-              <a:noFill/>
-            </p:spPr>
-            <p:txBody>
-              <a:bodyPr wrap="square" rtlCol="0">
-                <a:spAutoFit/>
-              </a:bodyPr>
-              <a:lstStyle/>
-              <a:p>
-                <a:r>
-                  <a:rPr lang="en-PT" sz="2400" dirty="0">
-                    <a:solidFill>
-                      <a:schemeClr val="accent5">
-                        <a:lumMod val="60000"/>
-                        <a:lumOff val="40000"/>
-                      </a:schemeClr>
-                    </a:solidFill>
-                  </a:rPr>
-                  <a:t>DR</a:t>
-                </a:r>
-                <a:r>
-                  <a:rPr lang="en-PT" sz="2400" baseline="-25000" dirty="0">
-                    <a:solidFill>
-                      <a:schemeClr val="accent5">
-                        <a:lumMod val="60000"/>
-                        <a:lumOff val="40000"/>
-                      </a:schemeClr>
-                    </a:solidFill>
-                  </a:rPr>
-                  <a:t>I</a:t>
-                </a:r>
-              </a:p>
-            </p:txBody>
-          </p:sp>
-          <p:sp>
-            <p:nvSpPr>
-              <p:cNvPr id="259" name="TextBox 258">
-                <a:extLst>
-                  <a:ext uri="{FF2B5EF4-FFF2-40B4-BE49-F238E27FC236}">
-                    <a16:creationId xmlns:a16="http://schemas.microsoft.com/office/drawing/2014/main" id="{35B0D096-F3D2-47C0-F335-33CBB2DCC7AE}"/>
-                  </a:ext>
-                </a:extLst>
-              </p:cNvPr>
-              <p:cNvSpPr txBox="1"/>
-              <p:nvPr/>
-            </p:nvSpPr>
-            <p:spPr>
-              <a:xfrm>
-                <a:off x="10246640" y="2546994"/>
-                <a:ext cx="679268" cy="461665"/>
-              </a:xfrm>
-              <a:prstGeom prst="rect">
-                <a:avLst/>
-              </a:prstGeom>
-              <a:noFill/>
-            </p:spPr>
-            <p:txBody>
-              <a:bodyPr wrap="square" rtlCol="0">
-                <a:spAutoFit/>
-              </a:bodyPr>
-              <a:lstStyle/>
-              <a:p>
-                <a:r>
-                  <a:rPr lang="en-PT" sz="2400" dirty="0">
-                    <a:solidFill>
-                      <a:schemeClr val="accent5">
-                        <a:lumMod val="60000"/>
-                        <a:lumOff val="40000"/>
-                      </a:schemeClr>
-                    </a:solidFill>
-                  </a:rPr>
-                  <a:t>DR</a:t>
-                </a:r>
-                <a:r>
-                  <a:rPr lang="en-PT" sz="2400" baseline="-25000" dirty="0">
-                    <a:solidFill>
-                      <a:schemeClr val="accent5">
-                        <a:lumMod val="60000"/>
-                        <a:lumOff val="40000"/>
-                      </a:schemeClr>
-                    </a:solidFill>
-                  </a:rPr>
-                  <a:t>I</a:t>
-                </a:r>
-              </a:p>
-            </p:txBody>
-          </p:sp>
-          <p:sp>
-            <p:nvSpPr>
-              <p:cNvPr id="260" name="TextBox 259">
-                <a:extLst>
-                  <a:ext uri="{FF2B5EF4-FFF2-40B4-BE49-F238E27FC236}">
-                    <a16:creationId xmlns:a16="http://schemas.microsoft.com/office/drawing/2014/main" id="{B314E928-2201-A154-E027-0496F0DC558B}"/>
-                  </a:ext>
-                </a:extLst>
-              </p:cNvPr>
-              <p:cNvSpPr txBox="1"/>
-              <p:nvPr/>
-            </p:nvSpPr>
-            <p:spPr>
-              <a:xfrm>
-                <a:off x="10227147" y="1584644"/>
-                <a:ext cx="933700" cy="461665"/>
-              </a:xfrm>
-              <a:prstGeom prst="rect">
-                <a:avLst/>
-              </a:prstGeom>
-              <a:noFill/>
-            </p:spPr>
-            <p:txBody>
-              <a:bodyPr wrap="square" rtlCol="0">
-                <a:spAutoFit/>
-              </a:bodyPr>
-              <a:lstStyle/>
-              <a:p>
-                <a:r>
-                  <a:rPr lang="en-PT" sz="2400" dirty="0">
-                    <a:solidFill>
-                      <a:schemeClr val="tx2">
-                        <a:lumMod val="50000"/>
-                        <a:lumOff val="50000"/>
-                      </a:schemeClr>
-                    </a:solidFill>
-                  </a:rPr>
-                  <a:t>DR</a:t>
-                </a:r>
-                <a:r>
-                  <a:rPr lang="en-PT" sz="2400" baseline="-25000" dirty="0">
-                    <a:solidFill>
-                      <a:schemeClr val="tx2">
-                        <a:lumMod val="50000"/>
-                        <a:lumOff val="50000"/>
-                      </a:schemeClr>
-                    </a:solidFill>
-                  </a:rPr>
-                  <a:t>P</a:t>
-                </a:r>
-              </a:p>
-            </p:txBody>
-          </p:sp>
-          <p:sp>
-            <p:nvSpPr>
-              <p:cNvPr id="262" name="TextBox 261">
-                <a:extLst>
-                  <a:ext uri="{FF2B5EF4-FFF2-40B4-BE49-F238E27FC236}">
-                    <a16:creationId xmlns:a16="http://schemas.microsoft.com/office/drawing/2014/main" id="{0C0E2AF1-6C71-2084-DE48-5E2575D9846E}"/>
-                  </a:ext>
-                </a:extLst>
-              </p:cNvPr>
-              <p:cNvSpPr txBox="1"/>
-              <p:nvPr/>
-            </p:nvSpPr>
-            <p:spPr>
-              <a:xfrm>
-                <a:off x="11234807" y="3238843"/>
-                <a:ext cx="400934" cy="461665"/>
-              </a:xfrm>
-              <a:prstGeom prst="rect">
-                <a:avLst/>
-              </a:prstGeom>
-              <a:noFill/>
-            </p:spPr>
-            <p:txBody>
-              <a:bodyPr wrap="square" rtlCol="0">
-                <a:spAutoFit/>
-              </a:bodyPr>
-              <a:lstStyle/>
-              <a:p>
-                <a:r>
-                  <a:rPr lang="en-PT" sz="2400" dirty="0"/>
-                  <a:t>t</a:t>
-                </a:r>
-                <a:endParaRPr lang="en-PT" sz="2400" baseline="-25000" dirty="0"/>
-              </a:p>
-            </p:txBody>
-          </p:sp>
-          <p:sp>
-            <p:nvSpPr>
-              <p:cNvPr id="263" name="TextBox 262">
-                <a:extLst>
-                  <a:ext uri="{FF2B5EF4-FFF2-40B4-BE49-F238E27FC236}">
-                    <a16:creationId xmlns:a16="http://schemas.microsoft.com/office/drawing/2014/main" id="{0A2D03E5-7A69-7B47-0BB3-07AB8E90B1DF}"/>
-                  </a:ext>
-                </a:extLst>
-              </p:cNvPr>
-              <p:cNvSpPr txBox="1"/>
-              <p:nvPr/>
-            </p:nvSpPr>
-            <p:spPr>
-              <a:xfrm>
-                <a:off x="6987453" y="925606"/>
-                <a:ext cx="1134168" cy="461665"/>
-              </a:xfrm>
-              <a:prstGeom prst="rect">
-                <a:avLst/>
-              </a:prstGeom>
-              <a:noFill/>
-            </p:spPr>
-            <p:txBody>
-              <a:bodyPr wrap="square" rtlCol="0">
-                <a:spAutoFit/>
-              </a:bodyPr>
-              <a:lstStyle/>
-              <a:p>
-                <a:r>
-                  <a:rPr lang="en-PT" sz="2400" dirty="0"/>
-                  <a:t>P (dB)</a:t>
-                </a:r>
-              </a:p>
-            </p:txBody>
-          </p:sp>
         </p:grpSp>
+        <p:sp>
+          <p:nvSpPr>
+            <p:cNvPr id="94" name="TextBox 93">
+              <a:extLst>
+                <a:ext uri="{FF2B5EF4-FFF2-40B4-BE49-F238E27FC236}">
+                  <a16:creationId xmlns:a16="http://schemas.microsoft.com/office/drawing/2014/main" id="{022B7725-FF0B-5FE0-1F4C-EE9B356E1063}"/>
+                </a:ext>
+              </a:extLst>
+            </p:cNvPr>
+            <p:cNvSpPr txBox="1"/>
+            <p:nvPr/>
+          </p:nvSpPr>
+          <p:spPr>
+            <a:xfrm>
+              <a:off x="8061904" y="3802445"/>
+              <a:ext cx="349776" cy="461665"/>
+            </a:xfrm>
+            <a:prstGeom prst="rect">
+              <a:avLst/>
+            </a:prstGeom>
+            <a:noFill/>
+          </p:spPr>
+          <p:txBody>
+            <a:bodyPr wrap="none" rtlCol="0">
+              <a:spAutoFit/>
+            </a:bodyPr>
+            <a:lstStyle/>
+            <a:p>
+              <a:r>
+                <a:rPr lang="en-PT" sz="2400" dirty="0"/>
+                <a:t>+</a:t>
+              </a:r>
+            </a:p>
+          </p:txBody>
+        </p:sp>
+        <p:sp>
+          <p:nvSpPr>
+            <p:cNvPr id="95" name="TextBox 94">
+              <a:extLst>
+                <a:ext uri="{FF2B5EF4-FFF2-40B4-BE49-F238E27FC236}">
+                  <a16:creationId xmlns:a16="http://schemas.microsoft.com/office/drawing/2014/main" id="{8722C9FC-2CBE-4389-DAFA-0845C285162B}"/>
+                </a:ext>
+              </a:extLst>
+            </p:cNvPr>
+            <p:cNvSpPr txBox="1"/>
+            <p:nvPr/>
+          </p:nvSpPr>
+          <p:spPr>
+            <a:xfrm>
+              <a:off x="8072790" y="4136388"/>
+              <a:ext cx="288862" cy="461665"/>
+            </a:xfrm>
+            <a:prstGeom prst="rect">
+              <a:avLst/>
+            </a:prstGeom>
+            <a:noFill/>
+          </p:spPr>
+          <p:txBody>
+            <a:bodyPr wrap="none" rtlCol="0">
+              <a:spAutoFit/>
+            </a:bodyPr>
+            <a:lstStyle/>
+            <a:p>
+              <a:r>
+                <a:rPr lang="en-PT" sz="2400" dirty="0"/>
+                <a:t>-</a:t>
+              </a:r>
+            </a:p>
+          </p:txBody>
+        </p:sp>
+        <p:sp>
+          <p:nvSpPr>
+            <p:cNvPr id="96" name="TextBox 95">
+              <a:extLst>
+                <a:ext uri="{FF2B5EF4-FFF2-40B4-BE49-F238E27FC236}">
+                  <a16:creationId xmlns:a16="http://schemas.microsoft.com/office/drawing/2014/main" id="{75EE576C-F151-0431-2AA7-737985306BFD}"/>
+                </a:ext>
+              </a:extLst>
+            </p:cNvPr>
+            <p:cNvSpPr txBox="1"/>
+            <p:nvPr/>
+          </p:nvSpPr>
+          <p:spPr>
+            <a:xfrm>
+              <a:off x="8236792" y="3979930"/>
+              <a:ext cx="596638" cy="461665"/>
+            </a:xfrm>
+            <a:prstGeom prst="rect">
+              <a:avLst/>
+            </a:prstGeom>
+            <a:noFill/>
+          </p:spPr>
+          <p:txBody>
+            <a:bodyPr wrap="none" rtlCol="0">
+              <a:spAutoFit/>
+            </a:bodyPr>
+            <a:lstStyle/>
+            <a:p>
+              <a:r>
+                <a:rPr lang="en-PT" sz="2400" dirty="0"/>
+                <a:t>V</a:t>
+              </a:r>
+              <a:r>
+                <a:rPr lang="en-PT" sz="2400" baseline="-25000" dirty="0"/>
+                <a:t>RF</a:t>
+              </a:r>
+            </a:p>
+          </p:txBody>
+        </p:sp>
       </p:grpSp>
     </p:spTree>
     <p:extLst>
       <p:ext uri="{BB962C8B-B14F-4D97-AF65-F5344CB8AC3E}">
-        <p14:creationId xmlns:p14="http://schemas.microsoft.com/office/powerpoint/2010/main" val="676191022"/>
+        <p14:creationId xmlns:p14="http://schemas.microsoft.com/office/powerpoint/2010/main" val="370617151"/>
       </p:ext>
     </p:extLst>
   </p:cSld>
@@ -13148,7 +15536,7 @@
 </p:sld>
 </file>
 
-<file path=ppt/slides/slide4.xml><?xml version="1.0" encoding="utf-8"?>
+<file path=ppt/slides/slide5.xml><?xml version="1.0" encoding="utf-8"?>
 <p:sld xmlns:a="http://schemas.openxmlformats.org/drawingml/2006/main" xmlns:r="http://schemas.openxmlformats.org/officeDocument/2006/relationships" xmlns:p="http://schemas.openxmlformats.org/presentationml/2006/main">
   <p:cSld>
     <p:spTree>
